--- a/Modules/01_Intro/slides.pptx
+++ b/Modules/01_Intro/slides.pptx
@@ -5,44 +5,52 @@
     <p:sldMasterId id="2147483648" r:id="rId5"/>
   </p:sldMasterIdLst>
   <p:notesMasterIdLst>
-    <p:notesMasterId r:id="rId38"/>
+    <p:notesMasterId r:id="rId46"/>
   </p:notesMasterIdLst>
   <p:handoutMasterIdLst>
-    <p:handoutMasterId r:id="rId39"/>
+    <p:handoutMasterId r:id="rId47"/>
   </p:handoutMasterIdLst>
   <p:sldIdLst>
     <p:sldId id="279" r:id="rId6"/>
-    <p:sldId id="517" r:id="rId7"/>
-    <p:sldId id="543" r:id="rId8"/>
-    <p:sldId id="278" r:id="rId9"/>
-    <p:sldId id="523" r:id="rId10"/>
-    <p:sldId id="524" r:id="rId11"/>
-    <p:sldId id="525" r:id="rId12"/>
-    <p:sldId id="526" r:id="rId13"/>
-    <p:sldId id="527" r:id="rId14"/>
-    <p:sldId id="528" r:id="rId15"/>
-    <p:sldId id="529" r:id="rId16"/>
-    <p:sldId id="530" r:id="rId17"/>
-    <p:sldId id="531" r:id="rId18"/>
-    <p:sldId id="532" r:id="rId19"/>
-    <p:sldId id="533" r:id="rId20"/>
-    <p:sldId id="534" r:id="rId21"/>
-    <p:sldId id="535" r:id="rId22"/>
-    <p:sldId id="519" r:id="rId23"/>
-    <p:sldId id="542" r:id="rId24"/>
-    <p:sldId id="536" r:id="rId25"/>
+    <p:sldId id="554" r:id="rId7"/>
+    <p:sldId id="517" r:id="rId8"/>
+    <p:sldId id="543" r:id="rId9"/>
+    <p:sldId id="278" r:id="rId10"/>
+    <p:sldId id="523" r:id="rId11"/>
+    <p:sldId id="544" r:id="rId12"/>
+    <p:sldId id="525" r:id="rId13"/>
+    <p:sldId id="526" r:id="rId14"/>
+    <p:sldId id="527" r:id="rId15"/>
+    <p:sldId id="528" r:id="rId16"/>
+    <p:sldId id="529" r:id="rId17"/>
+    <p:sldId id="530" r:id="rId18"/>
+    <p:sldId id="531" r:id="rId19"/>
+    <p:sldId id="532" r:id="rId20"/>
+    <p:sldId id="533" r:id="rId21"/>
+    <p:sldId id="534" r:id="rId22"/>
+    <p:sldId id="535" r:id="rId23"/>
+    <p:sldId id="519" r:id="rId24"/>
+    <p:sldId id="542" r:id="rId25"/>
     <p:sldId id="537" r:id="rId26"/>
-    <p:sldId id="538" r:id="rId27"/>
-    <p:sldId id="539" r:id="rId28"/>
-    <p:sldId id="540" r:id="rId29"/>
-    <p:sldId id="541" r:id="rId30"/>
+    <p:sldId id="549" r:id="rId27"/>
+    <p:sldId id="541" r:id="rId28"/>
+    <p:sldId id="538" r:id="rId29"/>
+    <p:sldId id="540" r:id="rId30"/>
     <p:sldId id="520" r:id="rId31"/>
     <p:sldId id="485" r:id="rId32"/>
     <p:sldId id="486" r:id="rId33"/>
     <p:sldId id="487" r:id="rId34"/>
-    <p:sldId id="521" r:id="rId35"/>
-    <p:sldId id="420" r:id="rId36"/>
-    <p:sldId id="522" r:id="rId37"/>
+    <p:sldId id="550" r:id="rId35"/>
+    <p:sldId id="551" r:id="rId36"/>
+    <p:sldId id="552" r:id="rId37"/>
+    <p:sldId id="553" r:id="rId38"/>
+    <p:sldId id="521" r:id="rId39"/>
+    <p:sldId id="545" r:id="rId40"/>
+    <p:sldId id="420" r:id="rId41"/>
+    <p:sldId id="546" r:id="rId42"/>
+    <p:sldId id="547" r:id="rId43"/>
+    <p:sldId id="548" r:id="rId44"/>
+    <p:sldId id="522" r:id="rId45"/>
   </p:sldIdLst>
   <p:sldSz cx="9144000" cy="6858000" type="screen4x3"/>
   <p:notesSz cx="7315200" cy="9601200"/>
@@ -1885,6 +1893,583 @@
           <a:bodyPr/>
           <a:lstStyle/>
           <a:p>
+            <a:r>
+              <a:rPr lang="en-US" dirty="0"/>
+              <a:t>Every custom BI solution works with some type of data. Some</a:t>
+            </a:r>
+            <a:r>
+              <a:rPr lang="en-US" baseline="0" dirty="0"/>
+              <a:t> </a:t>
+            </a:r>
+            <a:r>
+              <a:rPr lang="en-US" dirty="0"/>
+              <a:t>custom solutions require</a:t>
+            </a:r>
+            <a:r>
+              <a:rPr lang="en-US" baseline="0" dirty="0"/>
+              <a:t> integrating data from multiple data sources into a single dataset for analysis. </a:t>
+            </a:r>
+            <a:r>
+              <a:rPr lang="en-US" dirty="0"/>
+              <a:t>Early in the lifecycle of a</a:t>
+            </a:r>
+            <a:r>
+              <a:rPr lang="en-US" baseline="0" dirty="0"/>
+              <a:t> Power BI desktop project</a:t>
+            </a:r>
+            <a:r>
+              <a:rPr lang="en-US" dirty="0"/>
+              <a:t>, you</a:t>
+            </a:r>
+            <a:r>
+              <a:rPr lang="en-US" baseline="0" dirty="0"/>
+              <a:t> must discover where the data you need lives and then you must decide how you are going to import it into a dataset that will eventually be used for data analysis and reporting. This is the project lifecycle phase that is often called the "ETL" phase because it involves extracting data, transforming data and then loading data.</a:t>
+            </a:r>
+          </a:p>
+          <a:p>
+            <a:endParaRPr lang="en-US" dirty="0"/>
+          </a:p>
+          <a:p>
+            <a:r>
+              <a:rPr lang="en-US" dirty="0"/>
+              <a:t>Power BI Desktop is a self-service ETL tool for business users. It has the ability to extract</a:t>
+            </a:r>
+            <a:r>
+              <a:rPr lang="en-US" baseline="0" dirty="0"/>
+              <a:t> data from a variety of data source. </a:t>
+            </a:r>
+            <a:r>
+              <a:rPr lang="en-US" dirty="0"/>
+              <a:t>However, the real</a:t>
+            </a:r>
+            <a:r>
+              <a:rPr lang="en-US" baseline="0" dirty="0"/>
+              <a:t> value of Power BI Desktop is that you can perform many types of transforms to better shape the data just before it's loaded.</a:t>
+            </a:r>
+            <a:endParaRPr lang="en-US" dirty="0"/>
+          </a:p>
+        </p:txBody>
+      </p:sp>
+    </p:spTree>
+    <p:extLst>
+      <p:ext uri="{BB962C8B-B14F-4D97-AF65-F5344CB8AC3E}">
+        <p14:creationId xmlns:p14="http://schemas.microsoft.com/office/powerpoint/2010/main" val="236767538"/>
+      </p:ext>
+    </p:extLst>
+  </p:cSld>
+  <p:clrMapOvr>
+    <a:masterClrMapping/>
+  </p:clrMapOvr>
+</p:notes>
+</file>
+
+<file path=ppt/notesSlides/notesSlide21.xml><?xml version="1.0" encoding="utf-8"?>
+<p:notes xmlns:a="http://schemas.openxmlformats.org/drawingml/2006/main" xmlns:r="http://schemas.openxmlformats.org/officeDocument/2006/relationships" xmlns:p="http://schemas.openxmlformats.org/presentationml/2006/main">
+  <p:cSld>
+    <p:spTree>
+      <p:nvGrpSpPr>
+        <p:cNvPr id="1" name=""/>
+        <p:cNvGrpSpPr/>
+        <p:nvPr/>
+      </p:nvGrpSpPr>
+      <p:grpSpPr>
+        <a:xfrm>
+          <a:off x="0" y="0"/>
+          <a:ext cx="0" cy="0"/>
+          <a:chOff x="0" y="0"/>
+          <a:chExt cx="0" cy="0"/>
+        </a:xfrm>
+      </p:grpSpPr>
+      <p:sp>
+        <p:nvSpPr>
+          <p:cNvPr id="2" name="Slide Image Placeholder 1"/>
+          <p:cNvSpPr>
+            <a:spLocks noGrp="1" noRot="1" noChangeAspect="1"/>
+          </p:cNvSpPr>
+          <p:nvPr>
+            <p:ph type="sldImg"/>
+          </p:nvPr>
+        </p:nvSpPr>
+        <p:spPr/>
+      </p:sp>
+      <p:sp>
+        <p:nvSpPr>
+          <p:cNvPr id="3" name="Notes Placeholder 2"/>
+          <p:cNvSpPr>
+            <a:spLocks noGrp="1"/>
+          </p:cNvSpPr>
+          <p:nvPr>
+            <p:ph type="body" idx="1"/>
+          </p:nvPr>
+        </p:nvSpPr>
+        <p:spPr/>
+        <p:txBody>
+          <a:bodyPr>
+            <a:normAutofit fontScale="55000" lnSpcReduction="20000"/>
+          </a:bodyPr>
+          <a:lstStyle/>
+          <a:p>
+            <a:pPr marL="0" marR="0" indent="0" algn="l" defTabSz="914400" rtl="0" eaLnBrk="1" fontAlgn="auto" latinLnBrk="0" hangingPunct="1">
+              <a:lnSpc>
+                <a:spcPct val="100000"/>
+              </a:lnSpc>
+              <a:spcBef>
+                <a:spcPts val="0"/>
+              </a:spcBef>
+              <a:spcAft>
+                <a:spcPts val="0"/>
+              </a:spcAft>
+              <a:buClrTx/>
+              <a:buSzTx/>
+              <a:buFontTx/>
+              <a:buNone/>
+              <a:tabLst/>
+              <a:defRPr/>
+            </a:pPr>
+            <a:r>
+              <a:rPr lang="en-US" sz="2400" dirty="0"/>
+              <a:t>As you learned </a:t>
+            </a:r>
+            <a:r>
+              <a:rPr lang="en-US" sz="2400" baseline="0" dirty="0"/>
+              <a:t>in the previous module, every query in Power BI Desktop is defined as a sequence of steps. The Query Editor window d</a:t>
+            </a:r>
+            <a:r>
+              <a:rPr lang="en-US" sz="2400" dirty="0"/>
+              <a:t>isplays the </a:t>
+            </a:r>
+            <a:r>
+              <a:rPr lang="en-US" sz="2400" b="1" dirty="0"/>
+              <a:t>Applied Steps</a:t>
+            </a:r>
+            <a:r>
+              <a:rPr lang="en-US" sz="2400" baseline="0" dirty="0"/>
+              <a:t> section </a:t>
+            </a:r>
+            <a:r>
+              <a:rPr lang="en-US" sz="2400" dirty="0"/>
+              <a:t>for the query that</a:t>
+            </a:r>
+            <a:r>
+              <a:rPr lang="en-US" sz="2400" baseline="0" dirty="0"/>
+              <a:t> is currently selected </a:t>
+            </a:r>
+            <a:r>
+              <a:rPr lang="en-US" sz="2400" dirty="0"/>
+              <a:t>in the </a:t>
+            </a:r>
+            <a:r>
+              <a:rPr lang="en-US" sz="2400" b="1" dirty="0"/>
+              <a:t>Queries</a:t>
+            </a:r>
+            <a:r>
+              <a:rPr lang="en-US" sz="2400" dirty="0"/>
+              <a:t> list on the left.</a:t>
+            </a:r>
+            <a:r>
+              <a:rPr lang="en-US" sz="2400" baseline="0" dirty="0"/>
+              <a:t> If you click on a step in the </a:t>
+            </a:r>
+            <a:r>
+              <a:rPr lang="en-US" sz="2400" b="1" baseline="0" dirty="0"/>
+              <a:t>Applied Steps</a:t>
+            </a:r>
+            <a:r>
+              <a:rPr lang="en-US" sz="2400" baseline="0" dirty="0"/>
+              <a:t> list, you can see how the step is defined behind the scenes using M code in the </a:t>
+            </a:r>
+            <a:r>
+              <a:rPr lang="en-US" sz="2400" b="1" baseline="0" dirty="0"/>
+              <a:t>step formula bar</a:t>
+            </a:r>
+            <a:r>
+              <a:rPr lang="en-US" sz="2400" baseline="0" dirty="0"/>
+              <a:t>. If the </a:t>
+            </a:r>
+            <a:r>
+              <a:rPr lang="en-US" sz="2400" b="0" baseline="0" dirty="0"/>
+              <a:t>step formula bar </a:t>
+            </a:r>
+            <a:r>
+              <a:rPr lang="en-US" sz="2400" baseline="0" dirty="0"/>
+              <a:t>is not currently visible in the Query Editor window, navigate to the </a:t>
+            </a:r>
+            <a:r>
+              <a:rPr lang="en-US" sz="2400" b="1" baseline="0" dirty="0"/>
+              <a:t>View</a:t>
+            </a:r>
+            <a:r>
+              <a:rPr lang="en-US" sz="2400" baseline="0" dirty="0"/>
+              <a:t> tab in the ribbon and check the </a:t>
+            </a:r>
+            <a:r>
+              <a:rPr lang="en-US" sz="2400" b="1" baseline="0" dirty="0"/>
+              <a:t>Formula Bar</a:t>
+            </a:r>
+            <a:r>
+              <a:rPr lang="en-US" sz="2400" baseline="0" dirty="0"/>
+              <a:t> checkbox in the </a:t>
+            </a:r>
+            <a:r>
+              <a:rPr lang="en-US" sz="2400" b="1" baseline="0" dirty="0"/>
+              <a:t>Layout</a:t>
+            </a:r>
+            <a:r>
+              <a:rPr lang="en-US" sz="2400" baseline="0" dirty="0"/>
+              <a:t> ribbon group. Once you check the </a:t>
+            </a:r>
+            <a:r>
+              <a:rPr lang="en-US" sz="2400" b="1" baseline="0" dirty="0"/>
+              <a:t>Formula Bar</a:t>
+            </a:r>
+            <a:r>
+              <a:rPr lang="en-US" sz="2400" baseline="0" dirty="0"/>
+              <a:t> checkbox, you should be able to see the M code that has been generated for the selected step in the </a:t>
+            </a:r>
+            <a:r>
+              <a:rPr lang="en-US" sz="2400" b="1" baseline="0" dirty="0"/>
+              <a:t>Applied Steps</a:t>
+            </a:r>
+            <a:r>
+              <a:rPr lang="en-US" sz="2400" baseline="0" dirty="0"/>
+              <a:t> list.</a:t>
+            </a:r>
+          </a:p>
+          <a:p>
+            <a:pPr marL="0" marR="0" indent="0" algn="l" defTabSz="914400" rtl="0" eaLnBrk="1" fontAlgn="auto" latinLnBrk="0" hangingPunct="1">
+              <a:lnSpc>
+                <a:spcPct val="100000"/>
+              </a:lnSpc>
+              <a:spcBef>
+                <a:spcPts val="0"/>
+              </a:spcBef>
+              <a:spcAft>
+                <a:spcPts val="0"/>
+              </a:spcAft>
+              <a:buClrTx/>
+              <a:buSzTx/>
+              <a:buFontTx/>
+              <a:buNone/>
+              <a:tabLst/>
+              <a:defRPr/>
+            </a:pPr>
+            <a:endParaRPr lang="en-US" sz="2800" baseline="0" dirty="0"/>
+          </a:p>
+          <a:p>
+            <a:pPr marL="0" marR="0" indent="0" algn="l" defTabSz="914400" rtl="0" eaLnBrk="1" fontAlgn="auto" latinLnBrk="0" hangingPunct="1">
+              <a:lnSpc>
+                <a:spcPct val="100000"/>
+              </a:lnSpc>
+              <a:spcBef>
+                <a:spcPts val="0"/>
+              </a:spcBef>
+              <a:spcAft>
+                <a:spcPts val="0"/>
+              </a:spcAft>
+              <a:buClrTx/>
+              <a:buSzTx/>
+              <a:buFontTx/>
+              <a:buNone/>
+              <a:tabLst/>
+              <a:defRPr/>
+            </a:pPr>
+            <a:r>
+              <a:rPr lang="en-US" sz="2800" dirty="0"/>
+              <a:t>Most queries begin with the </a:t>
+            </a:r>
+            <a:r>
+              <a:rPr lang="en-US" sz="2400" b="1" dirty="0"/>
+              <a:t>Source</a:t>
+            </a:r>
+            <a:r>
+              <a:rPr lang="en-US" sz="2400" dirty="0"/>
+              <a:t> step which is used to extract the underlying data from a specific data source. After the </a:t>
+            </a:r>
+            <a:r>
+              <a:rPr lang="en-US" sz="2400" b="1" dirty="0"/>
+              <a:t>Source</a:t>
+            </a:r>
+            <a:r>
+              <a:rPr lang="en-US" sz="2400" dirty="0"/>
+              <a:t> step, other steps are added to clean up bad data a</a:t>
+            </a:r>
+            <a:r>
+              <a:rPr lang="en-US" sz="2400" baseline="0" dirty="0"/>
+              <a:t>nd to perform transforms as required to reshape the data for analysis and reporting.</a:t>
+            </a:r>
+            <a:endParaRPr lang="en-US" sz="2400" dirty="0"/>
+          </a:p>
+          <a:p>
+            <a:pPr marL="0" marR="0" indent="0" algn="l" defTabSz="914400" rtl="0" eaLnBrk="1" fontAlgn="auto" latinLnBrk="0" hangingPunct="1">
+              <a:lnSpc>
+                <a:spcPct val="100000"/>
+              </a:lnSpc>
+              <a:spcBef>
+                <a:spcPts val="0"/>
+              </a:spcBef>
+              <a:spcAft>
+                <a:spcPts val="0"/>
+              </a:spcAft>
+              <a:buClrTx/>
+              <a:buSzTx/>
+              <a:buFontTx/>
+              <a:buNone/>
+              <a:tabLst/>
+              <a:defRPr/>
+            </a:pPr>
+            <a:endParaRPr lang="en-US" sz="2400" baseline="0" dirty="0"/>
+          </a:p>
+          <a:p>
+            <a:pPr marL="0" marR="0" indent="0" algn="l" defTabSz="914400" rtl="0" eaLnBrk="1" fontAlgn="auto" latinLnBrk="0" hangingPunct="1">
+              <a:lnSpc>
+                <a:spcPct val="100000"/>
+              </a:lnSpc>
+              <a:spcBef>
+                <a:spcPts val="0"/>
+              </a:spcBef>
+              <a:spcAft>
+                <a:spcPts val="0"/>
+              </a:spcAft>
+              <a:buClrTx/>
+              <a:buSzTx/>
+              <a:buFontTx/>
+              <a:buNone/>
+              <a:tabLst/>
+              <a:defRPr/>
+            </a:pPr>
+            <a:r>
+              <a:rPr lang="en-US" sz="2400" baseline="0" dirty="0"/>
+              <a:t>Note that you can use the </a:t>
+            </a:r>
+            <a:r>
+              <a:rPr lang="en-US" sz="2400" b="1" baseline="0" dirty="0"/>
+              <a:t>Applied Steps</a:t>
+            </a:r>
+            <a:r>
+              <a:rPr lang="en-US" sz="2400" baseline="0" dirty="0"/>
+              <a:t> list to debug the logic you have built into a query. You can do this by initially clicking on the first step in the </a:t>
+            </a:r>
+            <a:r>
+              <a:rPr lang="en-US" sz="2400" b="1" baseline="0" dirty="0"/>
+              <a:t>Applied Steps</a:t>
+            </a:r>
+            <a:r>
+              <a:rPr lang="en-US" sz="2400" baseline="0" dirty="0"/>
+              <a:t> list and then clicking on later steps one by one. When you do this, the Query Editor window will display what the query output looks like after each step. This provides you with the opportunity to see how the entire query will execute in a step by step fashion. If you right-click on a step in the </a:t>
+            </a:r>
+            <a:r>
+              <a:rPr lang="en-US" sz="2400" b="1" baseline="0" dirty="0"/>
+              <a:t>Applied Steps</a:t>
+            </a:r>
+            <a:r>
+              <a:rPr lang="en-US" sz="2400" baseline="0" dirty="0"/>
+              <a:t> list, you will see a set of menu commands to rename or delete the step as well as to move the step forwards or backwards in the sequence of steps. Some types of steps provide you with the an </a:t>
+            </a:r>
+            <a:r>
+              <a:rPr lang="en-US" sz="2400" b="1" baseline="0" dirty="0"/>
+              <a:t>Edit Settings</a:t>
+            </a:r>
+            <a:r>
+              <a:rPr lang="en-US" sz="2400" baseline="0" dirty="0"/>
+              <a:t> command which displays a custom dialog box to edit the steps settings. Other types of steps do not provide this capability.</a:t>
+            </a:r>
+          </a:p>
+        </p:txBody>
+      </p:sp>
+    </p:spTree>
+    <p:extLst>
+      <p:ext uri="{BB962C8B-B14F-4D97-AF65-F5344CB8AC3E}">
+        <p14:creationId xmlns:p14="http://schemas.microsoft.com/office/powerpoint/2010/main" val="541300861"/>
+      </p:ext>
+    </p:extLst>
+  </p:cSld>
+  <p:clrMapOvr>
+    <a:masterClrMapping/>
+  </p:clrMapOvr>
+</p:notes>
+</file>
+
+<file path=ppt/notesSlides/notesSlide22.xml><?xml version="1.0" encoding="utf-8"?>
+<p:notes xmlns:a="http://schemas.openxmlformats.org/drawingml/2006/main" xmlns:r="http://schemas.openxmlformats.org/officeDocument/2006/relationships" xmlns:p="http://schemas.openxmlformats.org/presentationml/2006/main">
+  <p:cSld>
+    <p:spTree>
+      <p:nvGrpSpPr>
+        <p:cNvPr id="1" name=""/>
+        <p:cNvGrpSpPr/>
+        <p:nvPr/>
+      </p:nvGrpSpPr>
+      <p:grpSpPr>
+        <a:xfrm>
+          <a:off x="0" y="0"/>
+          <a:ext cx="0" cy="0"/>
+          <a:chOff x="0" y="0"/>
+          <a:chExt cx="0" cy="0"/>
+        </a:xfrm>
+      </p:grpSpPr>
+      <p:sp>
+        <p:nvSpPr>
+          <p:cNvPr id="2" name="Slide Image Placeholder 1"/>
+          <p:cNvSpPr>
+            <a:spLocks noGrp="1" noRot="1" noChangeAspect="1"/>
+          </p:cNvSpPr>
+          <p:nvPr>
+            <p:ph type="sldImg"/>
+          </p:nvPr>
+        </p:nvSpPr>
+        <p:spPr/>
+      </p:sp>
+      <p:sp>
+        <p:nvSpPr>
+          <p:cNvPr id="3" name="Notes Placeholder 2"/>
+          <p:cNvSpPr>
+            <a:spLocks noGrp="1"/>
+          </p:cNvSpPr>
+          <p:nvPr>
+            <p:ph type="body" idx="1"/>
+          </p:nvPr>
+        </p:nvSpPr>
+        <p:spPr/>
+        <p:txBody>
+          <a:bodyPr>
+            <a:normAutofit fontScale="55000" lnSpcReduction="20000"/>
+          </a:bodyPr>
+          <a:lstStyle/>
+          <a:p>
+            <a:r>
+              <a:rPr lang="en-US" sz="2400" dirty="0"/>
+              <a:t>Behind the scenes,</a:t>
+            </a:r>
+            <a:r>
+              <a:rPr lang="en-US" sz="2400" baseline="0" dirty="0"/>
+              <a:t> </a:t>
+            </a:r>
+            <a:r>
+              <a:rPr lang="en-US" sz="2400" dirty="0"/>
+              <a:t>Power BI Desktop saves and executes each query you create</a:t>
+            </a:r>
+            <a:r>
+              <a:rPr lang="en-US" sz="2400" baseline="0" dirty="0"/>
+              <a:t> </a:t>
+            </a:r>
+            <a:r>
+              <a:rPr lang="en-US" sz="2400" dirty="0"/>
+              <a:t>using a batch of code written in a functional programming language known as M. Microsoft originally</a:t>
+            </a:r>
+            <a:r>
+              <a:rPr lang="en-US" sz="2400" baseline="0" dirty="0"/>
+              <a:t> created the M programming language and an associated query execution engine for the Power Query add-in that was created for Microsoft Excel 2013 and Microsoft Excel 2010. Now that Microsoft has discontinued its use of “Power Query” as a technology brand name, they continue to use the M programming language to support the authoring and the execution of queries in Microsoft self-service BI products such as Microsoft Excel 2016 and Power BI Desktop. It’s important to note that the Power BI platform can also execute M code to run a query from within the Microsoft cloud when you have configured a dataset for manual refreshing or automated scheduled refreshing.</a:t>
+            </a:r>
+            <a:endParaRPr lang="en-US" sz="2400" dirty="0"/>
+          </a:p>
+          <a:p>
+            <a:endParaRPr lang="en-US" sz="2400" dirty="0"/>
+          </a:p>
+          <a:p>
+            <a:r>
+              <a:rPr lang="en-US" sz="2400" dirty="0"/>
+              <a:t>The user interface experience of </a:t>
+            </a:r>
+            <a:r>
+              <a:rPr lang="en-US" sz="2400" baseline="0" dirty="0"/>
+              <a:t>Power BI Desktop goes to great lengths to hide M code from you while you are designing and debugging your queries in the Query Editor window. Some people using Power BI Desktop will like that all the M code is hidden out of sight by default. Other more technical users might like the fact that they can view the underling M code for a query and even make direct edits to the M code when it’s the best way to solve a problem.</a:t>
+            </a:r>
+          </a:p>
+          <a:p>
+            <a:endParaRPr lang="en-US" sz="2400" baseline="0" dirty="0"/>
+          </a:p>
+          <a:p>
+            <a:r>
+              <a:rPr lang="en-US" sz="2400" baseline="0" dirty="0"/>
+              <a:t>The step formula bar displays one line of M code at a time. The step formula bar also allows you to make direct changes to the M code for whatever query step is currently selected. However, you can also </a:t>
+            </a:r>
+            <a:r>
+              <a:rPr lang="en-US" sz="2000" dirty="0"/>
+              <a:t>view and modify the batch of M code for an entire query code using the Advanced Editor dialog. The Advanced Editor dialog can be opened using the </a:t>
+            </a:r>
+            <a:r>
+              <a:rPr lang="en-US" sz="2000" b="1" dirty="0"/>
+              <a:t>Advanced</a:t>
+            </a:r>
+            <a:r>
+              <a:rPr lang="en-US" sz="2000" b="1" baseline="0" dirty="0"/>
+              <a:t> Editor</a:t>
+            </a:r>
+            <a:r>
+              <a:rPr lang="en-US" sz="2000" baseline="0" dirty="0"/>
+              <a:t> button in the </a:t>
+            </a:r>
+            <a:r>
+              <a:rPr lang="en-US" sz="2000" b="1" baseline="0" dirty="0"/>
+              <a:t>View</a:t>
+            </a:r>
+            <a:r>
+              <a:rPr lang="en-US" sz="2000" baseline="0" dirty="0"/>
+              <a:t> tab of the ribbon.</a:t>
+            </a:r>
+            <a:endParaRPr lang="en-US" sz="2000" dirty="0"/>
+          </a:p>
+          <a:p>
+            <a:endParaRPr lang="en-US" dirty="0"/>
+          </a:p>
+        </p:txBody>
+      </p:sp>
+    </p:spTree>
+    <p:extLst>
+      <p:ext uri="{BB962C8B-B14F-4D97-AF65-F5344CB8AC3E}">
+        <p14:creationId xmlns:p14="http://schemas.microsoft.com/office/powerpoint/2010/main" val="525445923"/>
+      </p:ext>
+    </p:extLst>
+  </p:cSld>
+  <p:clrMapOvr>
+    <a:masterClrMapping/>
+  </p:clrMapOvr>
+</p:notes>
+</file>
+
+<file path=ppt/notesSlides/notesSlide23.xml><?xml version="1.0" encoding="utf-8"?>
+<p:notes xmlns:a="http://schemas.openxmlformats.org/drawingml/2006/main" xmlns:r="http://schemas.openxmlformats.org/officeDocument/2006/relationships" xmlns:p="http://schemas.openxmlformats.org/presentationml/2006/main">
+  <p:cSld>
+    <p:spTree>
+      <p:nvGrpSpPr>
+        <p:cNvPr id="1" name=""/>
+        <p:cNvGrpSpPr/>
+        <p:nvPr/>
+      </p:nvGrpSpPr>
+      <p:grpSpPr>
+        <a:xfrm>
+          <a:off x="0" y="0"/>
+          <a:ext cx="0" cy="0"/>
+          <a:chOff x="0" y="0"/>
+          <a:chExt cx="0" cy="0"/>
+        </a:xfrm>
+      </p:grpSpPr>
+      <p:sp>
+        <p:nvSpPr>
+          <p:cNvPr id="2" name="Slide Image Placeholder 1"/>
+          <p:cNvSpPr>
+            <a:spLocks noGrp="1" noRot="1" noChangeAspect="1"/>
+          </p:cNvSpPr>
+          <p:nvPr>
+            <p:ph type="sldImg"/>
+          </p:nvPr>
+        </p:nvSpPr>
+        <p:spPr/>
+      </p:sp>
+      <p:sp>
+        <p:nvSpPr>
+          <p:cNvPr id="3" name="Notes Placeholder 2"/>
+          <p:cNvSpPr>
+            <a:spLocks noGrp="1"/>
+          </p:cNvSpPr>
+          <p:nvPr>
+            <p:ph type="body" idx="1"/>
+          </p:nvPr>
+        </p:nvSpPr>
+        <p:spPr/>
+        <p:txBody>
+          <a:bodyPr/>
+          <a:lstStyle/>
+          <a:p>
             <a:endParaRPr lang="en-US" dirty="0"/>
           </a:p>
         </p:txBody>
@@ -1902,7 +2487,7 @@
 </p:notes>
 </file>
 
-<file path=ppt/notesSlides/notesSlide21.xml><?xml version="1.0" encoding="utf-8"?>
+<file path=ppt/notesSlides/notesSlide24.xml><?xml version="1.0" encoding="utf-8"?>
 <p:notes xmlns:a="http://schemas.openxmlformats.org/drawingml/2006/main" xmlns:r="http://schemas.openxmlformats.org/officeDocument/2006/relationships" xmlns:p="http://schemas.openxmlformats.org/presentationml/2006/main">
   <p:cSld>
     <p:spTree>
@@ -4444,6 +5029,669 @@
           <a:lstStyle/>
           <a:p>
             <a:r>
+              <a:rPr lang="en-US"/>
+              <a:t>Central Power BI Concepts</a:t>
+            </a:r>
+            <a:endParaRPr lang="en-US" dirty="0"/>
+          </a:p>
+        </p:txBody>
+      </p:sp>
+      <p:sp>
+        <p:nvSpPr>
+          <p:cNvPr id="3" name="Content Placeholder 2"/>
+          <p:cNvSpPr>
+            <a:spLocks noGrp="1"/>
+          </p:cNvSpPr>
+          <p:nvPr>
+            <p:ph idx="1"/>
+          </p:nvPr>
+        </p:nvSpPr>
+        <p:spPr/>
+        <p:txBody>
+          <a:bodyPr>
+            <a:noAutofit/>
+          </a:bodyPr>
+          <a:lstStyle/>
+          <a:p>
+            <a:r>
+              <a:rPr lang="en-US" sz="2400" dirty="0"/>
+              <a:t>Workspace (aka Group)</a:t>
+            </a:r>
+          </a:p>
+          <a:p>
+            <a:pPr lvl="1"/>
+            <a:r>
+              <a:rPr lang="en-US" sz="2000" dirty="0"/>
+              <a:t>Provides boundary for storing, securing and sharing content</a:t>
+            </a:r>
+          </a:p>
+          <a:p>
+            <a:pPr lvl="1"/>
+            <a:r>
+              <a:rPr lang="en-US" sz="2000" dirty="0"/>
+              <a:t>Every user has personal workspace</a:t>
+            </a:r>
+          </a:p>
+          <a:p>
+            <a:pPr lvl="1"/>
+            <a:r>
+              <a:rPr lang="en-US" sz="2000" dirty="0"/>
+              <a:t>App workspaces used for collaboration and wide-scale deployment</a:t>
+            </a:r>
+          </a:p>
+          <a:p>
+            <a:r>
+              <a:rPr lang="en-US" sz="2400" dirty="0"/>
+              <a:t>Dashboard</a:t>
+            </a:r>
+          </a:p>
+          <a:p>
+            <a:pPr lvl="1"/>
+            <a:r>
+              <a:rPr lang="en-US" sz="2000" dirty="0"/>
+              <a:t>Consolidated view into reports and datasets</a:t>
+            </a:r>
+          </a:p>
+          <a:p>
+            <a:pPr lvl="1"/>
+            <a:r>
+              <a:rPr lang="en-US" sz="2000" dirty="0"/>
+              <a:t>Custom solution entry point for mobile users</a:t>
+            </a:r>
+          </a:p>
+          <a:p>
+            <a:r>
+              <a:rPr lang="en-US" sz="2400" dirty="0"/>
+              <a:t>Report</a:t>
+            </a:r>
+          </a:p>
+          <a:p>
+            <a:pPr lvl="1"/>
+            <a:r>
+              <a:rPr lang="en-US" sz="2000" dirty="0"/>
+              <a:t>Collection of pages with tables &amp; visualizations</a:t>
+            </a:r>
+          </a:p>
+          <a:p>
+            <a:pPr lvl="1"/>
+            <a:r>
+              <a:rPr lang="en-US" sz="2000" dirty="0"/>
+              <a:t>Provides interactive control of filtering</a:t>
+            </a:r>
+          </a:p>
+          <a:p>
+            <a:r>
+              <a:rPr lang="en-US" sz="2400" dirty="0"/>
+              <a:t>Dataset</a:t>
+            </a:r>
+          </a:p>
+          <a:p>
+            <a:pPr lvl="1"/>
+            <a:r>
+              <a:rPr lang="en-US" sz="2000" dirty="0"/>
+              <a:t>Data model containing one or more tables</a:t>
+            </a:r>
+          </a:p>
+          <a:p>
+            <a:pPr lvl="1"/>
+            <a:r>
+              <a:rPr lang="en-US" sz="2000" dirty="0"/>
+              <a:t>Can be very simple or very complex</a:t>
+            </a:r>
+          </a:p>
+        </p:txBody>
+      </p:sp>
+    </p:spTree>
+    <p:extLst>
+      <p:ext uri="{BB962C8B-B14F-4D97-AF65-F5344CB8AC3E}">
+        <p14:creationId xmlns:p14="http://schemas.microsoft.com/office/powerpoint/2010/main" val="517821039"/>
+      </p:ext>
+    </p:extLst>
+  </p:cSld>
+  <p:clrMapOvr>
+    <a:masterClrMapping/>
+  </p:clrMapOvr>
+  <p:timing>
+    <p:tnLst>
+      <p:par>
+        <p:cTn id="1" dur="indefinite" restart="never" nodeType="tmRoot">
+          <p:childTnLst>
+            <p:seq concurrent="1" nextAc="seek">
+              <p:cTn id="2" dur="indefinite" nodeType="mainSeq">
+                <p:childTnLst>
+                  <p:par>
+                    <p:cTn id="3" fill="hold">
+                      <p:stCondLst>
+                        <p:cond delay="indefinite"/>
+                      </p:stCondLst>
+                      <p:childTnLst>
+                        <p:par>
+                          <p:cTn id="4" fill="hold">
+                            <p:stCondLst>
+                              <p:cond delay="0"/>
+                            </p:stCondLst>
+                            <p:childTnLst>
+                              <p:par>
+                                <p:cTn id="5" presetID="1" presetClass="entr" presetSubtype="0" fill="hold" nodeType="clickEffect">
+                                  <p:stCondLst>
+                                    <p:cond delay="0"/>
+                                  </p:stCondLst>
+                                  <p:childTnLst>
+                                    <p:set>
+                                      <p:cBhvr>
+                                        <p:cTn id="6" dur="1" fill="hold">
+                                          <p:stCondLst>
+                                            <p:cond delay="0"/>
+                                          </p:stCondLst>
+                                        </p:cTn>
+                                        <p:tgtEl>
+                                          <p:spTgt spid="3">
+                                            <p:txEl>
+                                              <p:pRg st="0" end="0"/>
+                                            </p:txEl>
+                                          </p:spTgt>
+                                        </p:tgtEl>
+                                        <p:attrNameLst>
+                                          <p:attrName>style.visibility</p:attrName>
+                                        </p:attrNameLst>
+                                      </p:cBhvr>
+                                      <p:to>
+                                        <p:strVal val="visible"/>
+                                      </p:to>
+                                    </p:set>
+                                  </p:childTnLst>
+                                </p:cTn>
+                              </p:par>
+                              <p:par>
+                                <p:cTn id="7" presetID="1" presetClass="entr" presetSubtype="0" fill="hold" nodeType="withEffect">
+                                  <p:stCondLst>
+                                    <p:cond delay="0"/>
+                                  </p:stCondLst>
+                                  <p:childTnLst>
+                                    <p:set>
+                                      <p:cBhvr>
+                                        <p:cTn id="8" dur="1" fill="hold">
+                                          <p:stCondLst>
+                                            <p:cond delay="0"/>
+                                          </p:stCondLst>
+                                        </p:cTn>
+                                        <p:tgtEl>
+                                          <p:spTgt spid="3">
+                                            <p:txEl>
+                                              <p:pRg st="1" end="1"/>
+                                            </p:txEl>
+                                          </p:spTgt>
+                                        </p:tgtEl>
+                                        <p:attrNameLst>
+                                          <p:attrName>style.visibility</p:attrName>
+                                        </p:attrNameLst>
+                                      </p:cBhvr>
+                                      <p:to>
+                                        <p:strVal val="visible"/>
+                                      </p:to>
+                                    </p:set>
+                                  </p:childTnLst>
+                                </p:cTn>
+                              </p:par>
+                              <p:par>
+                                <p:cTn id="9" presetID="1" presetClass="entr" presetSubtype="0" fill="hold" nodeType="withEffect">
+                                  <p:stCondLst>
+                                    <p:cond delay="0"/>
+                                  </p:stCondLst>
+                                  <p:childTnLst>
+                                    <p:set>
+                                      <p:cBhvr>
+                                        <p:cTn id="10" dur="1" fill="hold">
+                                          <p:stCondLst>
+                                            <p:cond delay="0"/>
+                                          </p:stCondLst>
+                                        </p:cTn>
+                                        <p:tgtEl>
+                                          <p:spTgt spid="3">
+                                            <p:txEl>
+                                              <p:pRg st="2" end="2"/>
+                                            </p:txEl>
+                                          </p:spTgt>
+                                        </p:tgtEl>
+                                        <p:attrNameLst>
+                                          <p:attrName>style.visibility</p:attrName>
+                                        </p:attrNameLst>
+                                      </p:cBhvr>
+                                      <p:to>
+                                        <p:strVal val="visible"/>
+                                      </p:to>
+                                    </p:set>
+                                  </p:childTnLst>
+                                </p:cTn>
+                              </p:par>
+                              <p:par>
+                                <p:cTn id="11" presetID="1" presetClass="entr" presetSubtype="0" fill="hold" nodeType="withEffect">
+                                  <p:stCondLst>
+                                    <p:cond delay="0"/>
+                                  </p:stCondLst>
+                                  <p:childTnLst>
+                                    <p:set>
+                                      <p:cBhvr>
+                                        <p:cTn id="12" dur="1" fill="hold">
+                                          <p:stCondLst>
+                                            <p:cond delay="0"/>
+                                          </p:stCondLst>
+                                        </p:cTn>
+                                        <p:tgtEl>
+                                          <p:spTgt spid="3">
+                                            <p:txEl>
+                                              <p:pRg st="3" end="3"/>
+                                            </p:txEl>
+                                          </p:spTgt>
+                                        </p:tgtEl>
+                                        <p:attrNameLst>
+                                          <p:attrName>style.visibility</p:attrName>
+                                        </p:attrNameLst>
+                                      </p:cBhvr>
+                                      <p:to>
+                                        <p:strVal val="visible"/>
+                                      </p:to>
+                                    </p:set>
+                                  </p:childTnLst>
+                                </p:cTn>
+                              </p:par>
+                            </p:childTnLst>
+                          </p:cTn>
+                        </p:par>
+                      </p:childTnLst>
+                    </p:cTn>
+                  </p:par>
+                  <p:par>
+                    <p:cTn id="13" fill="hold">
+                      <p:stCondLst>
+                        <p:cond delay="indefinite"/>
+                      </p:stCondLst>
+                      <p:childTnLst>
+                        <p:par>
+                          <p:cTn id="14" fill="hold">
+                            <p:stCondLst>
+                              <p:cond delay="0"/>
+                            </p:stCondLst>
+                            <p:childTnLst>
+                              <p:par>
+                                <p:cTn id="15" presetID="1" presetClass="entr" presetSubtype="0" fill="hold" nodeType="clickEffect">
+                                  <p:stCondLst>
+                                    <p:cond delay="0"/>
+                                  </p:stCondLst>
+                                  <p:childTnLst>
+                                    <p:set>
+                                      <p:cBhvr>
+                                        <p:cTn id="16" dur="1" fill="hold">
+                                          <p:stCondLst>
+                                            <p:cond delay="0"/>
+                                          </p:stCondLst>
+                                        </p:cTn>
+                                        <p:tgtEl>
+                                          <p:spTgt spid="3">
+                                            <p:txEl>
+                                              <p:pRg st="4" end="4"/>
+                                            </p:txEl>
+                                          </p:spTgt>
+                                        </p:tgtEl>
+                                        <p:attrNameLst>
+                                          <p:attrName>style.visibility</p:attrName>
+                                        </p:attrNameLst>
+                                      </p:cBhvr>
+                                      <p:to>
+                                        <p:strVal val="visible"/>
+                                      </p:to>
+                                    </p:set>
+                                  </p:childTnLst>
+                                </p:cTn>
+                              </p:par>
+                              <p:par>
+                                <p:cTn id="17" presetID="1" presetClass="entr" presetSubtype="0" fill="hold" nodeType="withEffect">
+                                  <p:stCondLst>
+                                    <p:cond delay="0"/>
+                                  </p:stCondLst>
+                                  <p:childTnLst>
+                                    <p:set>
+                                      <p:cBhvr>
+                                        <p:cTn id="18" dur="1" fill="hold">
+                                          <p:stCondLst>
+                                            <p:cond delay="0"/>
+                                          </p:stCondLst>
+                                        </p:cTn>
+                                        <p:tgtEl>
+                                          <p:spTgt spid="3">
+                                            <p:txEl>
+                                              <p:pRg st="5" end="5"/>
+                                            </p:txEl>
+                                          </p:spTgt>
+                                        </p:tgtEl>
+                                        <p:attrNameLst>
+                                          <p:attrName>style.visibility</p:attrName>
+                                        </p:attrNameLst>
+                                      </p:cBhvr>
+                                      <p:to>
+                                        <p:strVal val="visible"/>
+                                      </p:to>
+                                    </p:set>
+                                  </p:childTnLst>
+                                </p:cTn>
+                              </p:par>
+                              <p:par>
+                                <p:cTn id="19" presetID="1" presetClass="entr" presetSubtype="0" fill="hold" nodeType="withEffect">
+                                  <p:stCondLst>
+                                    <p:cond delay="0"/>
+                                  </p:stCondLst>
+                                  <p:childTnLst>
+                                    <p:set>
+                                      <p:cBhvr>
+                                        <p:cTn id="20" dur="1" fill="hold">
+                                          <p:stCondLst>
+                                            <p:cond delay="0"/>
+                                          </p:stCondLst>
+                                        </p:cTn>
+                                        <p:tgtEl>
+                                          <p:spTgt spid="3">
+                                            <p:txEl>
+                                              <p:pRg st="6" end="6"/>
+                                            </p:txEl>
+                                          </p:spTgt>
+                                        </p:tgtEl>
+                                        <p:attrNameLst>
+                                          <p:attrName>style.visibility</p:attrName>
+                                        </p:attrNameLst>
+                                      </p:cBhvr>
+                                      <p:to>
+                                        <p:strVal val="visible"/>
+                                      </p:to>
+                                    </p:set>
+                                  </p:childTnLst>
+                                </p:cTn>
+                              </p:par>
+                            </p:childTnLst>
+                          </p:cTn>
+                        </p:par>
+                      </p:childTnLst>
+                    </p:cTn>
+                  </p:par>
+                  <p:par>
+                    <p:cTn id="21" fill="hold">
+                      <p:stCondLst>
+                        <p:cond delay="indefinite"/>
+                      </p:stCondLst>
+                      <p:childTnLst>
+                        <p:par>
+                          <p:cTn id="22" fill="hold">
+                            <p:stCondLst>
+                              <p:cond delay="0"/>
+                            </p:stCondLst>
+                            <p:childTnLst>
+                              <p:par>
+                                <p:cTn id="23" presetID="1" presetClass="entr" presetSubtype="0" fill="hold" nodeType="clickEffect">
+                                  <p:stCondLst>
+                                    <p:cond delay="0"/>
+                                  </p:stCondLst>
+                                  <p:childTnLst>
+                                    <p:set>
+                                      <p:cBhvr>
+                                        <p:cTn id="24" dur="1" fill="hold">
+                                          <p:stCondLst>
+                                            <p:cond delay="0"/>
+                                          </p:stCondLst>
+                                        </p:cTn>
+                                        <p:tgtEl>
+                                          <p:spTgt spid="3">
+                                            <p:txEl>
+                                              <p:pRg st="7" end="7"/>
+                                            </p:txEl>
+                                          </p:spTgt>
+                                        </p:tgtEl>
+                                        <p:attrNameLst>
+                                          <p:attrName>style.visibility</p:attrName>
+                                        </p:attrNameLst>
+                                      </p:cBhvr>
+                                      <p:to>
+                                        <p:strVal val="visible"/>
+                                      </p:to>
+                                    </p:set>
+                                  </p:childTnLst>
+                                </p:cTn>
+                              </p:par>
+                              <p:par>
+                                <p:cTn id="25" presetID="1" presetClass="entr" presetSubtype="0" fill="hold" nodeType="withEffect">
+                                  <p:stCondLst>
+                                    <p:cond delay="0"/>
+                                  </p:stCondLst>
+                                  <p:childTnLst>
+                                    <p:set>
+                                      <p:cBhvr>
+                                        <p:cTn id="26" dur="1" fill="hold">
+                                          <p:stCondLst>
+                                            <p:cond delay="0"/>
+                                          </p:stCondLst>
+                                        </p:cTn>
+                                        <p:tgtEl>
+                                          <p:spTgt spid="3">
+                                            <p:txEl>
+                                              <p:pRg st="8" end="8"/>
+                                            </p:txEl>
+                                          </p:spTgt>
+                                        </p:tgtEl>
+                                        <p:attrNameLst>
+                                          <p:attrName>style.visibility</p:attrName>
+                                        </p:attrNameLst>
+                                      </p:cBhvr>
+                                      <p:to>
+                                        <p:strVal val="visible"/>
+                                      </p:to>
+                                    </p:set>
+                                  </p:childTnLst>
+                                </p:cTn>
+                              </p:par>
+                              <p:par>
+                                <p:cTn id="27" presetID="1" presetClass="entr" presetSubtype="0" fill="hold" nodeType="withEffect">
+                                  <p:stCondLst>
+                                    <p:cond delay="0"/>
+                                  </p:stCondLst>
+                                  <p:childTnLst>
+                                    <p:set>
+                                      <p:cBhvr>
+                                        <p:cTn id="28" dur="1" fill="hold">
+                                          <p:stCondLst>
+                                            <p:cond delay="0"/>
+                                          </p:stCondLst>
+                                        </p:cTn>
+                                        <p:tgtEl>
+                                          <p:spTgt spid="3">
+                                            <p:txEl>
+                                              <p:pRg st="9" end="9"/>
+                                            </p:txEl>
+                                          </p:spTgt>
+                                        </p:tgtEl>
+                                        <p:attrNameLst>
+                                          <p:attrName>style.visibility</p:attrName>
+                                        </p:attrNameLst>
+                                      </p:cBhvr>
+                                      <p:to>
+                                        <p:strVal val="visible"/>
+                                      </p:to>
+                                    </p:set>
+                                  </p:childTnLst>
+                                </p:cTn>
+                              </p:par>
+                            </p:childTnLst>
+                          </p:cTn>
+                        </p:par>
+                      </p:childTnLst>
+                    </p:cTn>
+                  </p:par>
+                  <p:par>
+                    <p:cTn id="29" fill="hold">
+                      <p:stCondLst>
+                        <p:cond delay="indefinite"/>
+                      </p:stCondLst>
+                      <p:childTnLst>
+                        <p:par>
+                          <p:cTn id="30" fill="hold">
+                            <p:stCondLst>
+                              <p:cond delay="0"/>
+                            </p:stCondLst>
+                            <p:childTnLst>
+                              <p:par>
+                                <p:cTn id="31" presetID="1" presetClass="entr" presetSubtype="0" fill="hold" nodeType="clickEffect">
+                                  <p:stCondLst>
+                                    <p:cond delay="0"/>
+                                  </p:stCondLst>
+                                  <p:childTnLst>
+                                    <p:set>
+                                      <p:cBhvr>
+                                        <p:cTn id="32" dur="1" fill="hold">
+                                          <p:stCondLst>
+                                            <p:cond delay="0"/>
+                                          </p:stCondLst>
+                                        </p:cTn>
+                                        <p:tgtEl>
+                                          <p:spTgt spid="3">
+                                            <p:txEl>
+                                              <p:pRg st="10" end="10"/>
+                                            </p:txEl>
+                                          </p:spTgt>
+                                        </p:tgtEl>
+                                        <p:attrNameLst>
+                                          <p:attrName>style.visibility</p:attrName>
+                                        </p:attrNameLst>
+                                      </p:cBhvr>
+                                      <p:to>
+                                        <p:strVal val="visible"/>
+                                      </p:to>
+                                    </p:set>
+                                  </p:childTnLst>
+                                </p:cTn>
+                              </p:par>
+                              <p:par>
+                                <p:cTn id="33" presetID="1" presetClass="entr" presetSubtype="0" fill="hold" nodeType="withEffect">
+                                  <p:stCondLst>
+                                    <p:cond delay="0"/>
+                                  </p:stCondLst>
+                                  <p:childTnLst>
+                                    <p:set>
+                                      <p:cBhvr>
+                                        <p:cTn id="34" dur="1" fill="hold">
+                                          <p:stCondLst>
+                                            <p:cond delay="0"/>
+                                          </p:stCondLst>
+                                        </p:cTn>
+                                        <p:tgtEl>
+                                          <p:spTgt spid="3">
+                                            <p:txEl>
+                                              <p:pRg st="11" end="11"/>
+                                            </p:txEl>
+                                          </p:spTgt>
+                                        </p:tgtEl>
+                                        <p:attrNameLst>
+                                          <p:attrName>style.visibility</p:attrName>
+                                        </p:attrNameLst>
+                                      </p:cBhvr>
+                                      <p:to>
+                                        <p:strVal val="visible"/>
+                                      </p:to>
+                                    </p:set>
+                                  </p:childTnLst>
+                                </p:cTn>
+                              </p:par>
+                              <p:par>
+                                <p:cTn id="35" presetID="1" presetClass="entr" presetSubtype="0" fill="hold" nodeType="withEffect">
+                                  <p:stCondLst>
+                                    <p:cond delay="0"/>
+                                  </p:stCondLst>
+                                  <p:childTnLst>
+                                    <p:set>
+                                      <p:cBhvr>
+                                        <p:cTn id="36" dur="1" fill="hold">
+                                          <p:stCondLst>
+                                            <p:cond delay="0"/>
+                                          </p:stCondLst>
+                                        </p:cTn>
+                                        <p:tgtEl>
+                                          <p:spTgt spid="3">
+                                            <p:txEl>
+                                              <p:pRg st="12" end="12"/>
+                                            </p:txEl>
+                                          </p:spTgt>
+                                        </p:tgtEl>
+                                        <p:attrNameLst>
+                                          <p:attrName>style.visibility</p:attrName>
+                                        </p:attrNameLst>
+                                      </p:cBhvr>
+                                      <p:to>
+                                        <p:strVal val="visible"/>
+                                      </p:to>
+                                    </p:set>
+                                  </p:childTnLst>
+                                </p:cTn>
+                              </p:par>
+                            </p:childTnLst>
+                          </p:cTn>
+                        </p:par>
+                      </p:childTnLst>
+                    </p:cTn>
+                  </p:par>
+                </p:childTnLst>
+              </p:cTn>
+              <p:prevCondLst>
+                <p:cond evt="onPrev" delay="0">
+                  <p:tgtEl>
+                    <p:sldTgt/>
+                  </p:tgtEl>
+                </p:cond>
+              </p:prevCondLst>
+              <p:nextCondLst>
+                <p:cond evt="onNext" delay="0">
+                  <p:tgtEl>
+                    <p:sldTgt/>
+                  </p:tgtEl>
+                </p:cond>
+              </p:nextCondLst>
+            </p:seq>
+          </p:childTnLst>
+        </p:cTn>
+      </p:par>
+    </p:tnLst>
+  </p:timing>
+</p:sld>
+</file>
+
+<file path=ppt/slides/slide11.xml><?xml version="1.0" encoding="utf-8"?>
+<p:sld xmlns:a="http://schemas.openxmlformats.org/drawingml/2006/main" xmlns:r="http://schemas.openxmlformats.org/officeDocument/2006/relationships" xmlns:p="http://schemas.openxmlformats.org/presentationml/2006/main">
+  <p:cSld>
+    <p:spTree>
+      <p:nvGrpSpPr>
+        <p:cNvPr id="1" name=""/>
+        <p:cNvGrpSpPr/>
+        <p:nvPr/>
+      </p:nvGrpSpPr>
+      <p:grpSpPr>
+        <a:xfrm>
+          <a:off x="0" y="0"/>
+          <a:ext cx="0" cy="0"/>
+          <a:chOff x="0" y="0"/>
+          <a:chExt cx="0" cy="0"/>
+        </a:xfrm>
+      </p:grpSpPr>
+      <p:sp>
+        <p:nvSpPr>
+          <p:cNvPr id="2" name="Title 1"/>
+          <p:cNvSpPr>
+            <a:spLocks noGrp="1"/>
+          </p:cNvSpPr>
+          <p:nvPr>
+            <p:ph type="title"/>
+          </p:nvPr>
+        </p:nvSpPr>
+        <p:spPr/>
+        <p:txBody>
+          <a:bodyPr/>
+          <a:lstStyle/>
+          <a:p>
+            <a:r>
               <a:rPr lang="en-US" dirty="0"/>
               <a:t>Dashboards and Tiles</a:t>
             </a:r>
@@ -4536,7 +5784,7 @@
 </p:sld>
 </file>
 
-<file path=ppt/slides/slide11.xml><?xml version="1.0" encoding="utf-8"?>
+<file path=ppt/slides/slide12.xml><?xml version="1.0" encoding="utf-8"?>
 <p:sld xmlns:a="http://schemas.openxmlformats.org/drawingml/2006/main" xmlns:r="http://schemas.openxmlformats.org/officeDocument/2006/relationships" xmlns:p="http://schemas.openxmlformats.org/presentationml/2006/main">
   <p:cSld>
     <p:spTree>
@@ -4808,7 +6056,7 @@
 </p:sld>
 </file>
 
-<file path=ppt/slides/slide12.xml><?xml version="1.0" encoding="utf-8"?>
+<file path=ppt/slides/slide13.xml><?xml version="1.0" encoding="utf-8"?>
 <p:sld xmlns:a="http://schemas.openxmlformats.org/drawingml/2006/main" xmlns:r="http://schemas.openxmlformats.org/officeDocument/2006/relationships" xmlns:p="http://schemas.openxmlformats.org/presentationml/2006/main">
   <p:cSld>
     <p:spTree>
@@ -5033,7 +6281,7 @@
 </p:sld>
 </file>
 
-<file path=ppt/slides/slide13.xml><?xml version="1.0" encoding="utf-8"?>
+<file path=ppt/slides/slide14.xml><?xml version="1.0" encoding="utf-8"?>
 <p:sld xmlns:a="http://schemas.openxmlformats.org/drawingml/2006/main" xmlns:r="http://schemas.openxmlformats.org/officeDocument/2006/relationships" xmlns:p="http://schemas.openxmlformats.org/presentationml/2006/main">
   <p:cSld>
     <p:spTree>
@@ -5241,7 +6489,7 @@
 </p:sld>
 </file>
 
-<file path=ppt/slides/slide14.xml><?xml version="1.0" encoding="utf-8"?>
+<file path=ppt/slides/slide15.xml><?xml version="1.0" encoding="utf-8"?>
 <p:sld xmlns:a="http://schemas.openxmlformats.org/drawingml/2006/main" xmlns:r="http://schemas.openxmlformats.org/officeDocument/2006/relationships" xmlns:p="http://schemas.openxmlformats.org/presentationml/2006/main">
   <p:cSld>
     <p:spTree>
@@ -5427,7 +6675,7 @@
 </p:sld>
 </file>
 
-<file path=ppt/slides/slide15.xml><?xml version="1.0" encoding="utf-8"?>
+<file path=ppt/slides/slide16.xml><?xml version="1.0" encoding="utf-8"?>
 <p:sld xmlns:a="http://schemas.openxmlformats.org/drawingml/2006/main" xmlns:r="http://schemas.openxmlformats.org/officeDocument/2006/relationships" xmlns:p="http://schemas.openxmlformats.org/presentationml/2006/main">
   <p:cSld>
     <p:spTree>
@@ -5910,7 +7158,7 @@
 </p:sld>
 </file>
 
-<file path=ppt/slides/slide16.xml><?xml version="1.0" encoding="utf-8"?>
+<file path=ppt/slides/slide17.xml><?xml version="1.0" encoding="utf-8"?>
 <p:sld xmlns:a="http://schemas.openxmlformats.org/drawingml/2006/main" xmlns:r="http://schemas.openxmlformats.org/officeDocument/2006/relationships" xmlns:p="http://schemas.openxmlformats.org/presentationml/2006/main">
   <p:cSld>
     <p:spTree>
@@ -6050,58 +7298,6 @@
 </p:sld>
 </file>
 
-<file path=ppt/slides/slide17.xml><?xml version="1.0" encoding="utf-8"?>
-<p:sld xmlns:a="http://schemas.openxmlformats.org/drawingml/2006/main" xmlns:r="http://schemas.openxmlformats.org/officeDocument/2006/relationships" xmlns:p="http://schemas.openxmlformats.org/presentationml/2006/main">
-  <p:cSld>
-    <p:spTree>
-      <p:nvGrpSpPr>
-        <p:cNvPr id="1" name=""/>
-        <p:cNvGrpSpPr/>
-        <p:nvPr/>
-      </p:nvGrpSpPr>
-      <p:grpSpPr>
-        <a:xfrm>
-          <a:off x="0" y="0"/>
-          <a:ext cx="0" cy="0"/>
-          <a:chOff x="0" y="0"/>
-          <a:chExt cx="0" cy="0"/>
-        </a:xfrm>
-      </p:grpSpPr>
-      <p:sp>
-        <p:nvSpPr>
-          <p:cNvPr id="2" name="Title 1"/>
-          <p:cNvSpPr>
-            <a:spLocks noGrp="1"/>
-          </p:cNvSpPr>
-          <p:nvPr>
-            <p:ph type="title"/>
-          </p:nvPr>
-        </p:nvSpPr>
-        <p:spPr/>
-        <p:txBody>
-          <a:bodyPr/>
-          <a:lstStyle/>
-          <a:p>
-            <a:r>
-              <a:rPr lang="en-US" dirty="0"/>
-              <a:t>Getting started with Datasets, Reports and Dashboards</a:t>
-            </a:r>
-          </a:p>
-        </p:txBody>
-      </p:sp>
-    </p:spTree>
-    <p:extLst>
-      <p:ext uri="{BB962C8B-B14F-4D97-AF65-F5344CB8AC3E}">
-        <p14:creationId xmlns:p14="http://schemas.microsoft.com/office/powerpoint/2010/main" val="517271456"/>
-      </p:ext>
-    </p:extLst>
-  </p:cSld>
-  <p:clrMapOvr>
-    <a:masterClrMapping/>
-  </p:clrMapOvr>
-</p:sld>
-</file>
-
 <file path=ppt/slides/slide18.xml><?xml version="1.0" encoding="utf-8"?>
 <p:sld xmlns:a="http://schemas.openxmlformats.org/drawingml/2006/main" xmlns:r="http://schemas.openxmlformats.org/officeDocument/2006/relationships" xmlns:p="http://schemas.openxmlformats.org/presentationml/2006/main">
   <p:cSld>
@@ -6136,62 +7332,7 @@
           <a:p>
             <a:r>
               <a:rPr lang="en-US" dirty="0"/>
-              <a:t>Agenda</a:t>
-            </a:r>
-          </a:p>
-        </p:txBody>
-      </p:sp>
-      <p:sp>
-        <p:nvSpPr>
-          <p:cNvPr id="3" name="Content Placeholder 2"/>
-          <p:cNvSpPr>
-            <a:spLocks noGrp="1"/>
-          </p:cNvSpPr>
-          <p:nvPr>
-            <p:ph idx="1"/>
-          </p:nvPr>
-        </p:nvSpPr>
-        <p:spPr>
-          <a:xfrm>
-            <a:off x="381000" y="1371600"/>
-            <a:ext cx="8382000" cy="5181600"/>
-          </a:xfrm>
-        </p:spPr>
-        <p:txBody>
-          <a:bodyPr>
-            <a:normAutofit/>
-          </a:bodyPr>
-          <a:lstStyle/>
-          <a:p>
-            <a:pPr>
-              <a:buFont typeface="Wingdings" panose="05000000000000000000" pitchFamily="2" charset="2"/>
-              <a:buChar char="ü"/>
-            </a:pPr>
-            <a:r>
-              <a:rPr lang="en-US" dirty="0"/>
-              <a:t>Developer Introduction to the Power BI Platform</a:t>
-            </a:r>
-          </a:p>
-          <a:p>
-            <a:pPr>
-              <a:buFont typeface="Wingdings" panose="05000000000000000000" pitchFamily="2" charset="2"/>
-              <a:buChar char="Ø"/>
-            </a:pPr>
-            <a:r>
-              <a:rPr lang="en-US" dirty="0"/>
-              <a:t>Developer Opportunities in Power BI</a:t>
-            </a:r>
-          </a:p>
-          <a:p>
-            <a:r>
-              <a:rPr lang="en-US" dirty="0"/>
-              <a:t>Creating PBIX Projects with Power BI Desktop</a:t>
-            </a:r>
-          </a:p>
-          <a:p>
-            <a:r>
-              <a:rPr lang="en-US" dirty="0"/>
-              <a:t>Getting Up and Running with App Workspaces</a:t>
+              <a:t>Getting started with Datasets, Reports and Dashboards</a:t>
             </a:r>
           </a:p>
         </p:txBody>
@@ -6199,7 +7340,7 @@
     </p:spTree>
     <p:extLst>
       <p:ext uri="{BB962C8B-B14F-4D97-AF65-F5344CB8AC3E}">
-        <p14:creationId xmlns:p14="http://schemas.microsoft.com/office/powerpoint/2010/main" val="3829581251"/>
+        <p14:creationId xmlns:p14="http://schemas.microsoft.com/office/powerpoint/2010/main" val="517271456"/>
       </p:ext>
     </p:extLst>
   </p:cSld>
@@ -6243,7 +7384,7 @@
           <a:p>
             <a:r>
               <a:rPr lang="en-US" dirty="0"/>
-              <a:t>Developer Opportunities in Power BI</a:t>
+              <a:t>Agenda</a:t>
             </a:r>
           </a:p>
         </p:txBody>
@@ -6258,48 +7399,47 @@
             <p:ph idx="1"/>
           </p:nvPr>
         </p:nvSpPr>
-        <p:spPr/>
+        <p:spPr>
+          <a:xfrm>
+            <a:off x="381000" y="1371600"/>
+            <a:ext cx="8382000" cy="5181600"/>
+          </a:xfrm>
+        </p:spPr>
         <p:txBody>
-          <a:bodyPr/>
+          <a:bodyPr>
+            <a:normAutofit/>
+          </a:bodyPr>
           <a:lstStyle/>
           <a:p>
-            <a:pPr marL="514350" indent="-514350">
-              <a:buFont typeface="+mj-lt"/>
-              <a:buAutoNum type="arabicPeriod"/>
+            <a:pPr>
+              <a:buFont typeface="Wingdings" panose="05000000000000000000" pitchFamily="2" charset="2"/>
+              <a:buChar char="ü"/>
             </a:pPr>
             <a:r>
               <a:rPr lang="en-US" dirty="0"/>
-              <a:t>Designing App Workspaces and Publishing Apps</a:t>
-            </a:r>
-          </a:p>
-          <a:p>
-            <a:pPr marL="514350" indent="-514350">
-              <a:buFont typeface="+mj-lt"/>
-              <a:buAutoNum type="arabicPeriod"/>
+              <a:t>Developer Introduction to the Power BI Platform</a:t>
+            </a:r>
+          </a:p>
+          <a:p>
+            <a:pPr>
+              <a:buFont typeface="Wingdings" panose="05000000000000000000" pitchFamily="2" charset="2"/>
+              <a:buChar char="Ø"/>
             </a:pPr>
             <a:r>
               <a:rPr lang="en-US" dirty="0"/>
-              <a:t>Programming the Power BI REST API</a:t>
-            </a:r>
-          </a:p>
-          <a:p>
-            <a:pPr marL="514350" indent="-514350">
-              <a:buFont typeface="+mj-lt"/>
-              <a:buAutoNum type="arabicPeriod"/>
-            </a:pPr>
-            <a:r>
-              <a:rPr lang="en-US" dirty="0"/>
-              <a:t>Embedding Power BI Content in Websites</a:t>
-            </a:r>
-          </a:p>
-          <a:p>
-            <a:pPr marL="514350" indent="-514350">
-              <a:buFont typeface="+mj-lt"/>
-              <a:buAutoNum type="arabicPeriod"/>
-            </a:pPr>
-            <a:r>
-              <a:rPr lang="en-US" dirty="0"/>
-              <a:t>Developing Custom Visuals</a:t>
+              <a:t>Developer Opportunities in Power BI</a:t>
+            </a:r>
+          </a:p>
+          <a:p>
+            <a:r>
+              <a:rPr lang="en-US" dirty="0"/>
+              <a:t>Creating PBIX Projects with Power BI Desktop</a:t>
+            </a:r>
+          </a:p>
+          <a:p>
+            <a:r>
+              <a:rPr lang="en-US" dirty="0"/>
+              <a:t>Getting Up and Running with App Workspaces</a:t>
             </a:r>
           </a:p>
         </p:txBody>
@@ -6307,7 +7447,7 @@
     </p:spTree>
     <p:extLst>
       <p:ext uri="{BB962C8B-B14F-4D97-AF65-F5344CB8AC3E}">
-        <p14:creationId xmlns:p14="http://schemas.microsoft.com/office/powerpoint/2010/main" val="2204188908"/>
+        <p14:creationId xmlns:p14="http://schemas.microsoft.com/office/powerpoint/2010/main" val="3829581251"/>
       </p:ext>
     </p:extLst>
   </p:cSld>
@@ -6350,10 +7490,9 @@
           <a:lstStyle/>
           <a:p>
             <a:r>
-              <a:rPr lang="en-US"/>
-              <a:t>Workshop Prerequisites</a:t>
-            </a:r>
-            <a:endParaRPr lang="en-US" dirty="0"/>
+              <a:rPr lang="en-US" dirty="0"/>
+              <a:t>Workshop Agenda</a:t>
+            </a:r>
           </a:p>
         </p:txBody>
       </p:sp>
@@ -6369,101 +7508,41 @@
         </p:nvSpPr>
         <p:spPr/>
         <p:txBody>
-          <a:bodyPr>
-            <a:normAutofit/>
-          </a:bodyPr>
+          <a:bodyPr/>
           <a:lstStyle/>
           <a:p>
             <a:r>
-              <a:rPr lang="en-US" sz="2400" dirty="0"/>
-              <a:t>The workshop assumes attendees are comfortable with…</a:t>
-            </a:r>
-          </a:p>
-          <a:p>
-            <a:pPr lvl="1"/>
-            <a:r>
-              <a:rPr lang="en-US" sz="2000" dirty="0"/>
-              <a:t>Working with the Power BI platform</a:t>
-            </a:r>
-          </a:p>
-          <a:p>
-            <a:pPr lvl="1"/>
-            <a:r>
-              <a:rPr lang="en-US" sz="2000" dirty="0"/>
-              <a:t>Creating PBIX projects with Power BI Desktop</a:t>
-            </a:r>
-          </a:p>
-          <a:p>
-            <a:pPr lvl="1"/>
-            <a:r>
-              <a:rPr lang="en-US" sz="2000" dirty="0"/>
-              <a:t>Developing with Visual Studio C# and ASP.NET MVC</a:t>
-            </a:r>
-          </a:p>
-          <a:p>
-            <a:pPr lvl="1"/>
-            <a:r>
-              <a:rPr lang="en-US" sz="2000" dirty="0"/>
-              <a:t>Programming with JavaScript and/or </a:t>
-            </a:r>
-            <a:r>
-              <a:rPr lang="en-US" sz="2000" dirty="0" err="1"/>
-              <a:t>TypeScript</a:t>
-            </a:r>
-            <a:endParaRPr lang="en-US" sz="2000" dirty="0"/>
-          </a:p>
-          <a:p>
-            <a:pPr lvl="1"/>
-            <a:r>
-              <a:rPr lang="en-US" sz="2000" dirty="0"/>
-              <a:t>Programming against APIs based on REST and ODATA</a:t>
-            </a:r>
-          </a:p>
-          <a:p>
-            <a:pPr lvl="1"/>
-            <a:endParaRPr lang="en-US" sz="2000" dirty="0"/>
-          </a:p>
-          <a:p>
-            <a:r>
-              <a:rPr lang="en-US" sz="2400" dirty="0"/>
-              <a:t>The workshop assume some attendees are new to…</a:t>
-            </a:r>
-          </a:p>
-          <a:p>
-            <a:pPr lvl="1"/>
-            <a:r>
-              <a:rPr lang="en-US" sz="2000" dirty="0"/>
-              <a:t>Developing with Microsoft Azure in the new Azure portal</a:t>
-            </a:r>
-          </a:p>
-          <a:p>
-            <a:pPr lvl="1"/>
-            <a:r>
-              <a:rPr lang="en-US" sz="2000" dirty="0"/>
-              <a:t>Developing with Node.js, </a:t>
-            </a:r>
-            <a:r>
-              <a:rPr lang="en-US" sz="2000" dirty="0" err="1"/>
-              <a:t>npm</a:t>
-            </a:r>
-            <a:r>
-              <a:rPr lang="en-US" sz="2000" dirty="0"/>
-              <a:t> and Visual Studio Code</a:t>
-            </a:r>
-          </a:p>
-          <a:p>
-            <a:pPr lvl="1"/>
-            <a:r>
-              <a:rPr lang="en-US" sz="2000" dirty="0"/>
-              <a:t>The new Power BI App Model and developing in App Workspaces</a:t>
-            </a:r>
+              <a:rPr lang="en-US" dirty="0"/>
+              <a:t>Developer Introduction to Power BI</a:t>
+            </a:r>
+          </a:p>
+          <a:p>
+            <a:r>
+              <a:rPr lang="en-US" dirty="0"/>
+              <a:t>Developing with the Power BI REST API</a:t>
+            </a:r>
+          </a:p>
+          <a:p>
+            <a:r>
+              <a:rPr lang="en-US" dirty="0"/>
+              <a:t>Creating Custom Visuals for Power BI</a:t>
+            </a:r>
+          </a:p>
+          <a:p>
+            <a:r>
+              <a:rPr lang="en-US" dirty="0"/>
+              <a:t>Working with Power BI Embedded</a:t>
+            </a:r>
+          </a:p>
+          <a:p>
+            <a:endParaRPr lang="en-US" dirty="0"/>
           </a:p>
         </p:txBody>
       </p:sp>
     </p:spTree>
     <p:extLst>
       <p:ext uri="{BB962C8B-B14F-4D97-AF65-F5344CB8AC3E}">
-        <p14:creationId xmlns:p14="http://schemas.microsoft.com/office/powerpoint/2010/main" val="3918967282"/>
+        <p14:creationId xmlns:p14="http://schemas.microsoft.com/office/powerpoint/2010/main" val="3928283159"/>
       </p:ext>
     </p:extLst>
   </p:cSld>
@@ -6507,7 +7586,7 @@
           <a:p>
             <a:r>
               <a:rPr lang="en-US" dirty="0"/>
-              <a:t>Understanding App Workspaces</a:t>
+              <a:t>Developer Opportunities in Power BI</a:t>
             </a:r>
           </a:p>
         </p:txBody>
@@ -6527,14 +7606,51 @@
           <a:bodyPr/>
           <a:lstStyle/>
           <a:p>
-            <a:endParaRPr lang="en-US"/>
+            <a:pPr marL="514350" indent="-514350">
+              <a:buFont typeface="+mj-lt"/>
+              <a:buAutoNum type="arabicPeriod"/>
+            </a:pPr>
+            <a:r>
+              <a:rPr lang="en-US" dirty="0"/>
+              <a:t>Designing App Workspaces and Publishing Apps</a:t>
+            </a:r>
+          </a:p>
+          <a:p>
+            <a:pPr marL="514350" indent="-514350">
+              <a:buFont typeface="+mj-lt"/>
+              <a:buAutoNum type="arabicPeriod"/>
+            </a:pPr>
+            <a:r>
+              <a:rPr lang="en-US" dirty="0"/>
+              <a:t>Programming the Power BI REST API</a:t>
+            </a:r>
+          </a:p>
+          <a:p>
+            <a:pPr marL="514350" indent="-514350">
+              <a:buFont typeface="+mj-lt"/>
+              <a:buAutoNum type="arabicPeriod"/>
+            </a:pPr>
+            <a:r>
+              <a:rPr lang="en-US" dirty="0"/>
+              <a:t>Developing Custom Visuals</a:t>
+            </a:r>
+          </a:p>
+          <a:p>
+            <a:pPr marL="514350" indent="-514350">
+              <a:buFont typeface="+mj-lt"/>
+              <a:buAutoNum type="arabicPeriod"/>
+            </a:pPr>
+            <a:r>
+              <a:rPr lang="en-US" dirty="0"/>
+              <a:t>Embedding Power BI Content in Websites</a:t>
+            </a:r>
           </a:p>
         </p:txBody>
       </p:sp>
     </p:spTree>
     <p:extLst>
       <p:ext uri="{BB962C8B-B14F-4D97-AF65-F5344CB8AC3E}">
-        <p14:creationId xmlns:p14="http://schemas.microsoft.com/office/powerpoint/2010/main" val="3442053967"/>
+        <p14:creationId xmlns:p14="http://schemas.microsoft.com/office/powerpoint/2010/main" val="2204188908"/>
       </p:ext>
     </p:extLst>
   </p:cSld>
@@ -6600,7 +7716,7 @@
           <a:p>
             <a:r>
               <a:rPr lang="en-US" dirty="0"/>
-              <a:t>Used to develop web and desktop applications</a:t>
+              <a:t>Used to develop desktop and web applications</a:t>
             </a:r>
           </a:p>
           <a:p>
@@ -6631,15 +7747,19 @@
             <a:pPr lvl="1"/>
             <a:r>
               <a:rPr lang="en-US" dirty="0"/>
-              <a:t>Embed PBI reports and dashboard tiles into web apps</a:t>
+              <a:t>Create streaming datasets for real-time dashboards</a:t>
             </a:r>
           </a:p>
           <a:p>
             <a:pPr lvl="1"/>
             <a:r>
               <a:rPr lang="en-US" dirty="0"/>
-              <a:t>Create streaming dataset for real-time dashboards</a:t>
-            </a:r>
+              <a:t>Embed reports, dashboards and tiles into web apps</a:t>
+            </a:r>
+          </a:p>
+          <a:p>
+            <a:pPr lvl="1"/>
+            <a:endParaRPr lang="en-US" dirty="0"/>
           </a:p>
           <a:p>
             <a:pPr lvl="1"/>
@@ -6694,19 +7814,7 @@
           <a:p>
             <a:r>
               <a:rPr lang="en-US" dirty="0"/>
-              <a:t>What </a:t>
-            </a:r>
-            <a:r>
-              <a:rPr lang="en-US" strike="sngStrike" dirty="0">
-                <a:solidFill>
-                  <a:srgbClr val="FF0000"/>
-                </a:solidFill>
-              </a:rPr>
-              <a:t>is</a:t>
-            </a:r>
-            <a:r>
-              <a:rPr lang="en-US" dirty="0"/>
-              <a:t> was Power BI Embedded?</a:t>
+              <a:t>Built-in Visualization Types</a:t>
             </a:r>
           </a:p>
         </p:txBody>
@@ -6721,6 +7829,243 @@
             <p:ph idx="1"/>
           </p:nvPr>
         </p:nvSpPr>
+        <p:spPr>
+          <a:xfrm>
+            <a:off x="533400" y="1295400"/>
+            <a:ext cx="4114800" cy="5257801"/>
+          </a:xfrm>
+        </p:spPr>
+        <p:txBody>
+          <a:bodyPr>
+            <a:noAutofit/>
+          </a:bodyPr>
+          <a:lstStyle/>
+          <a:p>
+            <a:pPr marL="182880">
+              <a:spcBef>
+                <a:spcPts val="200"/>
+              </a:spcBef>
+            </a:pPr>
+            <a:r>
+              <a:rPr lang="en-US" sz="2000" dirty="0"/>
+              <a:t>Table and Matrix</a:t>
+            </a:r>
+          </a:p>
+          <a:p>
+            <a:pPr marL="182880">
+              <a:spcBef>
+                <a:spcPts val="200"/>
+              </a:spcBef>
+            </a:pPr>
+            <a:r>
+              <a:rPr lang="en-US" sz="2000" dirty="0"/>
+              <a:t>Bar charts and Column charts</a:t>
+            </a:r>
+          </a:p>
+          <a:p>
+            <a:pPr marL="182880">
+              <a:spcBef>
+                <a:spcPts val="200"/>
+              </a:spcBef>
+            </a:pPr>
+            <a:r>
+              <a:rPr lang="en-US" sz="2000" dirty="0"/>
+              <a:t>Pie charts and Doughnut chart</a:t>
+            </a:r>
+          </a:p>
+          <a:p>
+            <a:pPr marL="182880">
+              <a:spcBef>
+                <a:spcPts val="200"/>
+              </a:spcBef>
+            </a:pPr>
+            <a:r>
+              <a:rPr lang="en-US" sz="2000" dirty="0"/>
+              <a:t>Line chart and Area chart</a:t>
+            </a:r>
+          </a:p>
+          <a:p>
+            <a:pPr marL="182880">
+              <a:spcBef>
+                <a:spcPts val="200"/>
+              </a:spcBef>
+            </a:pPr>
+            <a:r>
+              <a:rPr lang="en-US" sz="2000" dirty="0"/>
+              <a:t>Scatter chart and Combo charts</a:t>
+            </a:r>
+          </a:p>
+          <a:p>
+            <a:pPr marL="182880">
+              <a:spcBef>
+                <a:spcPts val="200"/>
+              </a:spcBef>
+            </a:pPr>
+            <a:r>
+              <a:rPr lang="en-US" sz="2000" dirty="0"/>
+              <a:t>Card and Multi-row Card</a:t>
+            </a:r>
+          </a:p>
+          <a:p>
+            <a:pPr marL="182880">
+              <a:spcBef>
+                <a:spcPts val="200"/>
+              </a:spcBef>
+            </a:pPr>
+            <a:r>
+              <a:rPr lang="en-US" sz="2000" dirty="0" err="1"/>
+              <a:t>Treemap</a:t>
+            </a:r>
+            <a:endParaRPr lang="en-US" sz="2000" dirty="0"/>
+          </a:p>
+          <a:p>
+            <a:pPr marL="182880">
+              <a:spcBef>
+                <a:spcPts val="200"/>
+              </a:spcBef>
+            </a:pPr>
+            <a:r>
+              <a:rPr lang="en-US" sz="2000" dirty="0"/>
+              <a:t>Waterfall charts</a:t>
+            </a:r>
+          </a:p>
+          <a:p>
+            <a:pPr marL="182880">
+              <a:spcBef>
+                <a:spcPts val="200"/>
+              </a:spcBef>
+            </a:pPr>
+            <a:r>
+              <a:rPr lang="en-US" sz="2000" dirty="0"/>
+              <a:t>Funnel charts</a:t>
+            </a:r>
+          </a:p>
+          <a:p>
+            <a:pPr marL="182880">
+              <a:spcBef>
+                <a:spcPts val="200"/>
+              </a:spcBef>
+            </a:pPr>
+            <a:r>
+              <a:rPr lang="en-US" sz="2000" dirty="0"/>
+              <a:t>Gauge charts</a:t>
+            </a:r>
+          </a:p>
+          <a:p>
+            <a:pPr marL="182880">
+              <a:spcBef>
+                <a:spcPts val="200"/>
+              </a:spcBef>
+            </a:pPr>
+            <a:r>
+              <a:rPr lang="en-US" sz="2000" dirty="0"/>
+              <a:t>Map and Filled Map</a:t>
+            </a:r>
+          </a:p>
+          <a:p>
+            <a:pPr marL="182880">
+              <a:spcBef>
+                <a:spcPts val="200"/>
+              </a:spcBef>
+            </a:pPr>
+            <a:r>
+              <a:rPr lang="en-US" sz="2000" dirty="0"/>
+              <a:t>Slicer</a:t>
+            </a:r>
+          </a:p>
+          <a:p>
+            <a:pPr marL="182880">
+              <a:spcBef>
+                <a:spcPts val="200"/>
+              </a:spcBef>
+            </a:pPr>
+            <a:r>
+              <a:rPr lang="en-US" sz="2000" dirty="0"/>
+              <a:t>R script visual</a:t>
+            </a:r>
+          </a:p>
+          <a:p>
+            <a:pPr marL="182880">
+              <a:spcBef>
+                <a:spcPts val="200"/>
+              </a:spcBef>
+            </a:pPr>
+            <a:r>
+              <a:rPr lang="en-US" sz="2000" dirty="0"/>
+              <a:t>Shape map (in preview)</a:t>
+            </a:r>
+          </a:p>
+        </p:txBody>
+      </p:sp>
+      <p:pic>
+        <p:nvPicPr>
+          <p:cNvPr id="4" name="Picture 3"/>
+          <p:cNvPicPr>
+            <a:picLocks noChangeAspect="1"/>
+          </p:cNvPicPr>
+          <p:nvPr/>
+        </p:nvPicPr>
+        <p:blipFill>
+          <a:blip r:embed="rId2"/>
+          <a:stretch>
+            <a:fillRect/>
+          </a:stretch>
+        </p:blipFill>
+        <p:spPr>
+          <a:xfrm>
+            <a:off x="5029200" y="1295400"/>
+            <a:ext cx="3581400" cy="3540235"/>
+          </a:xfrm>
+          <a:prstGeom prst="rect">
+            <a:avLst/>
+          </a:prstGeom>
+          <a:ln w="38100">
+            <a:solidFill>
+              <a:schemeClr val="tx1"/>
+            </a:solidFill>
+          </a:ln>
+        </p:spPr>
+      </p:pic>
+    </p:spTree>
+    <p:extLst>
+      <p:ext uri="{BB962C8B-B14F-4D97-AF65-F5344CB8AC3E}">
+        <p14:creationId xmlns:p14="http://schemas.microsoft.com/office/powerpoint/2010/main" val="1865048672"/>
+      </p:ext>
+    </p:extLst>
+  </p:cSld>
+  <p:clrMapOvr>
+    <a:masterClrMapping/>
+  </p:clrMapOvr>
+</p:sld>
+</file>
+
+<file path=ppt/slides/slide23.xml><?xml version="1.0" encoding="utf-8"?>
+<p:sld xmlns:a="http://schemas.openxmlformats.org/drawingml/2006/main" xmlns:r="http://schemas.openxmlformats.org/officeDocument/2006/relationships" xmlns:p="http://schemas.openxmlformats.org/presentationml/2006/main">
+  <p:cSld>
+    <p:spTree>
+      <p:nvGrpSpPr>
+        <p:cNvPr id="1" name=""/>
+        <p:cNvGrpSpPr/>
+        <p:nvPr/>
+      </p:nvGrpSpPr>
+      <p:grpSpPr>
+        <a:xfrm>
+          <a:off x="0" y="0"/>
+          <a:ext cx="0" cy="0"/>
+          <a:chOff x="0" y="0"/>
+          <a:chExt cx="0" cy="0"/>
+        </a:xfrm>
+      </p:grpSpPr>
+      <p:sp>
+        <p:nvSpPr>
+          <p:cNvPr id="2" name="Title 1"/>
+          <p:cNvSpPr>
+            <a:spLocks noGrp="1"/>
+          </p:cNvSpPr>
+          <p:nvPr>
+            <p:ph type="title"/>
+          </p:nvPr>
+        </p:nvSpPr>
         <p:spPr/>
         <p:txBody>
           <a:bodyPr/>
@@ -6728,7 +8073,158 @@
           <a:p>
             <a:r>
               <a:rPr lang="en-US" dirty="0"/>
-              <a:t>Power BI Embedded is an Azure Service</a:t>
+              <a:t>Developing Custom Visuals</a:t>
+            </a:r>
+          </a:p>
+        </p:txBody>
+      </p:sp>
+      <p:sp>
+        <p:nvSpPr>
+          <p:cNvPr id="3" name="Content Placeholder 2"/>
+          <p:cNvSpPr>
+            <a:spLocks noGrp="1"/>
+          </p:cNvSpPr>
+          <p:nvPr>
+            <p:ph idx="1"/>
+          </p:nvPr>
+        </p:nvSpPr>
+        <p:spPr/>
+        <p:txBody>
+          <a:bodyPr/>
+          <a:lstStyle/>
+          <a:p>
+            <a:r>
+              <a:rPr lang="en-US" dirty="0"/>
+              <a:t>What is involved?</a:t>
+            </a:r>
+          </a:p>
+          <a:p>
+            <a:pPr lvl="1"/>
+            <a:r>
+              <a:rPr lang="en-US" dirty="0"/>
+              <a:t>Learning to program in </a:t>
+            </a:r>
+            <a:r>
+              <a:rPr lang="en-US" dirty="0" err="1"/>
+              <a:t>TypeScript</a:t>
+            </a:r>
+            <a:r>
+              <a:rPr lang="en-US" dirty="0"/>
+              <a:t> instead of JavaScript</a:t>
+            </a:r>
+          </a:p>
+          <a:p>
+            <a:pPr lvl="1"/>
+            <a:r>
+              <a:rPr lang="en-US" dirty="0"/>
+              <a:t>Learning to use graphics libraries such as D3.js</a:t>
+            </a:r>
+          </a:p>
+          <a:p>
+            <a:pPr lvl="1"/>
+            <a:r>
+              <a:rPr lang="en-US" dirty="0"/>
+              <a:t>Getting up to speed on the cross-platform toolchain</a:t>
+            </a:r>
+          </a:p>
+          <a:p>
+            <a:pPr lvl="1"/>
+            <a:r>
+              <a:rPr lang="en-US" dirty="0"/>
+              <a:t>Creating and debugging custom visuals using Node.js</a:t>
+            </a:r>
+          </a:p>
+          <a:p>
+            <a:pPr lvl="1"/>
+            <a:r>
+              <a:rPr lang="en-US" dirty="0"/>
+              <a:t>Packaging custom visuals for distribution</a:t>
+            </a:r>
+          </a:p>
+        </p:txBody>
+      </p:sp>
+    </p:spTree>
+    <p:extLst>
+      <p:ext uri="{BB962C8B-B14F-4D97-AF65-F5344CB8AC3E}">
+        <p14:creationId xmlns:p14="http://schemas.microsoft.com/office/powerpoint/2010/main" val="453571107"/>
+      </p:ext>
+    </p:extLst>
+  </p:cSld>
+  <p:clrMapOvr>
+    <a:masterClrMapping/>
+  </p:clrMapOvr>
+</p:sld>
+</file>
+
+<file path=ppt/slides/slide24.xml><?xml version="1.0" encoding="utf-8"?>
+<p:sld xmlns:a="http://schemas.openxmlformats.org/drawingml/2006/main" xmlns:r="http://schemas.openxmlformats.org/officeDocument/2006/relationships" xmlns:p="http://schemas.openxmlformats.org/presentationml/2006/main">
+  <p:cSld>
+    <p:spTree>
+      <p:nvGrpSpPr>
+        <p:cNvPr id="1" name=""/>
+        <p:cNvGrpSpPr/>
+        <p:nvPr/>
+      </p:nvGrpSpPr>
+      <p:grpSpPr>
+        <a:xfrm>
+          <a:off x="0" y="0"/>
+          <a:ext cx="0" cy="0"/>
+          <a:chOff x="0" y="0"/>
+          <a:chExt cx="0" cy="0"/>
+        </a:xfrm>
+      </p:grpSpPr>
+      <p:sp>
+        <p:nvSpPr>
+          <p:cNvPr id="2" name="Title 1"/>
+          <p:cNvSpPr>
+            <a:spLocks noGrp="1"/>
+          </p:cNvSpPr>
+          <p:nvPr>
+            <p:ph type="title"/>
+          </p:nvPr>
+        </p:nvSpPr>
+        <p:spPr/>
+        <p:txBody>
+          <a:bodyPr/>
+          <a:lstStyle/>
+          <a:p>
+            <a:r>
+              <a:rPr lang="en-US" dirty="0"/>
+              <a:t>What </a:t>
+            </a:r>
+            <a:r>
+              <a:rPr lang="en-US" strike="sngStrike" dirty="0">
+                <a:solidFill>
+                  <a:srgbClr val="FF0000"/>
+                </a:solidFill>
+              </a:rPr>
+              <a:t>is</a:t>
+            </a:r>
+            <a:r>
+              <a:rPr lang="en-US" dirty="0"/>
+              <a:t> was Power BI Embedded V1?</a:t>
+            </a:r>
+          </a:p>
+        </p:txBody>
+      </p:sp>
+      <p:sp>
+        <p:nvSpPr>
+          <p:cNvPr id="3" name="Content Placeholder 2"/>
+          <p:cNvSpPr>
+            <a:spLocks noGrp="1"/>
+          </p:cNvSpPr>
+          <p:nvPr>
+            <p:ph idx="1"/>
+          </p:nvPr>
+        </p:nvSpPr>
+        <p:spPr/>
+        <p:txBody>
+          <a:bodyPr/>
+          <a:lstStyle/>
+          <a:p>
+            <a:r>
+              <a:rPr lang="en-US" dirty="0"/>
+              <a:t>Power BI Embedded V1 is an Azure Service</a:t>
             </a:r>
           </a:p>
           <a:p>
@@ -6759,7 +8255,7 @@
           <a:p>
             <a:r>
               <a:rPr lang="en-US" dirty="0"/>
-              <a:t>Power BI Embedded</a:t>
+              <a:t>Key Points about Power BI Embedded V1</a:t>
             </a:r>
           </a:p>
           <a:p>
@@ -6787,7 +8283,7 @@
             <a:pPr lvl="1"/>
             <a:r>
               <a:rPr lang="en-US" dirty="0"/>
-              <a:t>But it is now being replaced by new infrastructure</a:t>
+              <a:t>now being replaced by newer infrastructure</a:t>
             </a:r>
           </a:p>
         </p:txBody>
@@ -7150,915 +8646,7 @@
 </p:sld>
 </file>
 
-<file path=ppt/slides/slide23.xml><?xml version="1.0" encoding="utf-8"?>
-<p:sld xmlns:a="http://schemas.openxmlformats.org/drawingml/2006/main" xmlns:r="http://schemas.openxmlformats.org/officeDocument/2006/relationships" xmlns:p="http://schemas.openxmlformats.org/presentationml/2006/main">
-  <p:cSld>
-    <p:spTree>
-      <p:nvGrpSpPr>
-        <p:cNvPr id="1" name=""/>
-        <p:cNvGrpSpPr/>
-        <p:nvPr/>
-      </p:nvGrpSpPr>
-      <p:grpSpPr>
-        <a:xfrm>
-          <a:off x="0" y="0"/>
-          <a:ext cx="0" cy="0"/>
-          <a:chOff x="0" y="0"/>
-          <a:chExt cx="0" cy="0"/>
-        </a:xfrm>
-      </p:grpSpPr>
-      <p:sp>
-        <p:nvSpPr>
-          <p:cNvPr id="2" name="Title 1"/>
-          <p:cNvSpPr>
-            <a:spLocks noGrp="1"/>
-          </p:cNvSpPr>
-          <p:nvPr>
-            <p:ph type="title"/>
-          </p:nvPr>
-        </p:nvSpPr>
-        <p:spPr/>
-        <p:txBody>
-          <a:bodyPr/>
-          <a:lstStyle/>
-          <a:p>
-            <a:r>
-              <a:rPr lang="en-US" dirty="0"/>
-              <a:t>PowerBI.com versus Power BI Embedded</a:t>
-            </a:r>
-          </a:p>
-        </p:txBody>
-      </p:sp>
-      <p:sp>
-        <p:nvSpPr>
-          <p:cNvPr id="5" name="Rectangle 4"/>
-          <p:cNvSpPr/>
-          <p:nvPr/>
-        </p:nvSpPr>
-        <p:spPr>
-          <a:xfrm>
-            <a:off x="304800" y="1295400"/>
-            <a:ext cx="4191000" cy="3581400"/>
-          </a:xfrm>
-          <a:prstGeom prst="rect">
-            <a:avLst/>
-          </a:prstGeom>
-          <a:solidFill>
-            <a:schemeClr val="accent2">
-              <a:lumMod val="20000"/>
-              <a:lumOff val="80000"/>
-            </a:schemeClr>
-          </a:solidFill>
-          <a:ln>
-            <a:solidFill>
-              <a:schemeClr val="bg1">
-                <a:lumMod val="50000"/>
-              </a:schemeClr>
-            </a:solidFill>
-          </a:ln>
-        </p:spPr>
-        <p:style>
-          <a:lnRef idx="2">
-            <a:schemeClr val="accent1">
-              <a:shade val="50000"/>
-            </a:schemeClr>
-          </a:lnRef>
-          <a:fillRef idx="1">
-            <a:schemeClr val="accent1"/>
-          </a:fillRef>
-          <a:effectRef idx="0">
-            <a:schemeClr val="accent1"/>
-          </a:effectRef>
-          <a:fontRef idx="minor">
-            <a:schemeClr val="lt1"/>
-          </a:fontRef>
-        </p:style>
-        <p:txBody>
-          <a:bodyPr rtlCol="0" anchor="t"/>
-          <a:lstStyle/>
-          <a:p>
-            <a:pPr algn="ctr"/>
-            <a:r>
-              <a:rPr lang="en-US" sz="2400" b="1" dirty="0">
-                <a:solidFill>
-                  <a:schemeClr val="tx1"/>
-                </a:solidFill>
-              </a:rPr>
-              <a:t>PowerBI.com</a:t>
-            </a:r>
-          </a:p>
-          <a:p>
-            <a:pPr algn="ctr"/>
-            <a:r>
-              <a:rPr lang="en-US" sz="2000" dirty="0">
-                <a:solidFill>
-                  <a:schemeClr val="tx1"/>
-                </a:solidFill>
-              </a:rPr>
-              <a:t>-----------------------</a:t>
-            </a:r>
-          </a:p>
-          <a:p>
-            <a:pPr marL="285750" indent="-285750">
-              <a:lnSpc>
-                <a:spcPct val="200000"/>
-              </a:lnSpc>
-              <a:buFont typeface="Arial" panose="020B0604020202020204" pitchFamily="34" charset="0"/>
-              <a:buChar char="•"/>
-            </a:pPr>
-            <a:r>
-              <a:rPr lang="en-US" sz="1600" b="1" dirty="0">
-                <a:solidFill>
-                  <a:schemeClr val="tx1"/>
-                </a:solidFill>
-              </a:rPr>
-              <a:t>Accessed via </a:t>
-            </a:r>
-            <a:r>
-              <a:rPr lang="en-US" sz="1600" b="1" dirty="0">
-                <a:solidFill>
-                  <a:srgbClr val="002060"/>
-                </a:solidFill>
-              </a:rPr>
-              <a:t>https://app.powerbi.com</a:t>
-            </a:r>
-          </a:p>
-          <a:p>
-            <a:pPr marL="285750" indent="-285750">
-              <a:lnSpc>
-                <a:spcPct val="200000"/>
-              </a:lnSpc>
-              <a:buFont typeface="Arial" panose="020B0604020202020204" pitchFamily="34" charset="0"/>
-              <a:buChar char="•"/>
-            </a:pPr>
-            <a:r>
-              <a:rPr lang="en-US" sz="1600" b="1" dirty="0">
-                <a:solidFill>
-                  <a:schemeClr val="tx1"/>
-                </a:solidFill>
-              </a:rPr>
-              <a:t>Requires AAD user accounts</a:t>
-            </a:r>
-          </a:p>
-          <a:p>
-            <a:pPr marL="285750" indent="-285750">
-              <a:lnSpc>
-                <a:spcPct val="200000"/>
-              </a:lnSpc>
-              <a:buFont typeface="Arial" panose="020B0604020202020204" pitchFamily="34" charset="0"/>
-              <a:buChar char="•"/>
-            </a:pPr>
-            <a:r>
-              <a:rPr lang="en-US" sz="1600" b="1" dirty="0">
-                <a:solidFill>
-                  <a:schemeClr val="tx1"/>
-                </a:solidFill>
-              </a:rPr>
-              <a:t>Requires Power BI License</a:t>
-            </a:r>
-          </a:p>
-          <a:p>
-            <a:pPr marL="285750" indent="-285750">
-              <a:lnSpc>
-                <a:spcPct val="200000"/>
-              </a:lnSpc>
-              <a:buFont typeface="Arial" panose="020B0604020202020204" pitchFamily="34" charset="0"/>
-              <a:buChar char="•"/>
-            </a:pPr>
-            <a:r>
-              <a:rPr lang="en-US" sz="1600" b="1" dirty="0">
-                <a:solidFill>
-                  <a:schemeClr val="tx1"/>
-                </a:solidFill>
-              </a:rPr>
-              <a:t>Custom development not required</a:t>
-            </a:r>
-          </a:p>
-          <a:p>
-            <a:pPr marL="285750" indent="-285750">
-              <a:lnSpc>
-                <a:spcPct val="200000"/>
-              </a:lnSpc>
-              <a:buFont typeface="Arial" panose="020B0604020202020204" pitchFamily="34" charset="0"/>
-              <a:buChar char="•"/>
-            </a:pPr>
-            <a:r>
-              <a:rPr lang="en-US" sz="1600" b="1" dirty="0">
-                <a:solidFill>
-                  <a:schemeClr val="tx1"/>
-                </a:solidFill>
-              </a:rPr>
-              <a:t>Azure subscription not required</a:t>
-            </a:r>
-          </a:p>
-          <a:p>
-            <a:pPr algn="ctr"/>
-            <a:endParaRPr lang="en-US" sz="1600" dirty="0">
-              <a:solidFill>
-                <a:schemeClr val="tx1"/>
-              </a:solidFill>
-            </a:endParaRPr>
-          </a:p>
-        </p:txBody>
-      </p:sp>
-      <p:sp>
-        <p:nvSpPr>
-          <p:cNvPr id="6" name="Rectangle 5"/>
-          <p:cNvSpPr/>
-          <p:nvPr/>
-        </p:nvSpPr>
-        <p:spPr>
-          <a:xfrm>
-            <a:off x="4724400" y="1295400"/>
-            <a:ext cx="4191000" cy="3581400"/>
-          </a:xfrm>
-          <a:prstGeom prst="rect">
-            <a:avLst/>
-          </a:prstGeom>
-          <a:solidFill>
-            <a:schemeClr val="accent5">
-              <a:lumMod val="20000"/>
-              <a:lumOff val="80000"/>
-            </a:schemeClr>
-          </a:solidFill>
-          <a:ln>
-            <a:solidFill>
-              <a:schemeClr val="bg1">
-                <a:lumMod val="50000"/>
-              </a:schemeClr>
-            </a:solidFill>
-          </a:ln>
-        </p:spPr>
-        <p:style>
-          <a:lnRef idx="2">
-            <a:schemeClr val="accent1">
-              <a:shade val="50000"/>
-            </a:schemeClr>
-          </a:lnRef>
-          <a:fillRef idx="1">
-            <a:schemeClr val="accent1"/>
-          </a:fillRef>
-          <a:effectRef idx="0">
-            <a:schemeClr val="accent1"/>
-          </a:effectRef>
-          <a:fontRef idx="minor">
-            <a:schemeClr val="lt1"/>
-          </a:fontRef>
-        </p:style>
-        <p:txBody>
-          <a:bodyPr rtlCol="0" anchor="t"/>
-          <a:lstStyle/>
-          <a:p>
-            <a:pPr algn="ctr"/>
-            <a:r>
-              <a:rPr lang="en-US" sz="2400" b="1" dirty="0">
-                <a:solidFill>
-                  <a:schemeClr val="tx1"/>
-                </a:solidFill>
-              </a:rPr>
-              <a:t>Power BI Embedded</a:t>
-            </a:r>
-          </a:p>
-          <a:p>
-            <a:pPr algn="ctr"/>
-            <a:r>
-              <a:rPr lang="en-US" sz="2000" dirty="0">
-                <a:solidFill>
-                  <a:schemeClr val="tx1"/>
-                </a:solidFill>
-              </a:rPr>
-              <a:t>-----------------------</a:t>
-            </a:r>
-          </a:p>
-          <a:p>
-            <a:pPr marL="285750" indent="-285750">
-              <a:lnSpc>
-                <a:spcPct val="200000"/>
-              </a:lnSpc>
-              <a:buFont typeface="Arial" panose="020B0604020202020204" pitchFamily="34" charset="0"/>
-              <a:buChar char="•"/>
-            </a:pPr>
-            <a:r>
-              <a:rPr lang="en-US" sz="1600" b="1" dirty="0">
-                <a:solidFill>
-                  <a:schemeClr val="tx1"/>
-                </a:solidFill>
-              </a:rPr>
-              <a:t>Accessed via custom URL</a:t>
-            </a:r>
-          </a:p>
-          <a:p>
-            <a:pPr marL="285750" indent="-285750">
-              <a:lnSpc>
-                <a:spcPct val="200000"/>
-              </a:lnSpc>
-              <a:buFont typeface="Arial" panose="020B0604020202020204" pitchFamily="34" charset="0"/>
-              <a:buChar char="•"/>
-            </a:pPr>
-            <a:r>
-              <a:rPr lang="en-US" sz="1600" b="1" dirty="0">
-                <a:solidFill>
-                  <a:schemeClr val="tx1"/>
-                </a:solidFill>
-              </a:rPr>
-              <a:t>No Office 365 accounts required</a:t>
-            </a:r>
-          </a:p>
-          <a:p>
-            <a:pPr marL="285750" indent="-285750">
-              <a:lnSpc>
-                <a:spcPct val="200000"/>
-              </a:lnSpc>
-              <a:buFont typeface="Arial" panose="020B0604020202020204" pitchFamily="34" charset="0"/>
-              <a:buChar char="•"/>
-            </a:pPr>
-            <a:r>
-              <a:rPr lang="en-US" sz="1600" b="1" dirty="0">
-                <a:solidFill>
-                  <a:schemeClr val="tx1"/>
-                </a:solidFill>
-              </a:rPr>
-              <a:t>No Power BI user licenses required</a:t>
-            </a:r>
-          </a:p>
-          <a:p>
-            <a:pPr marL="285750" indent="-285750">
-              <a:lnSpc>
-                <a:spcPct val="200000"/>
-              </a:lnSpc>
-              <a:buFont typeface="Arial" panose="020B0604020202020204" pitchFamily="34" charset="0"/>
-              <a:buChar char="•"/>
-            </a:pPr>
-            <a:r>
-              <a:rPr lang="en-US" sz="1600" b="1" dirty="0">
-                <a:solidFill>
-                  <a:schemeClr val="tx1"/>
-                </a:solidFill>
-              </a:rPr>
-              <a:t>Requires custom development</a:t>
-            </a:r>
-          </a:p>
-          <a:p>
-            <a:pPr marL="285750" indent="-285750">
-              <a:lnSpc>
-                <a:spcPct val="200000"/>
-              </a:lnSpc>
-              <a:buFont typeface="Arial" panose="020B0604020202020204" pitchFamily="34" charset="0"/>
-              <a:buChar char="•"/>
-            </a:pPr>
-            <a:r>
-              <a:rPr lang="en-US" sz="1600" b="1" dirty="0">
-                <a:solidFill>
-                  <a:schemeClr val="tx1"/>
-                </a:solidFill>
-              </a:rPr>
-              <a:t>Requires Azure subscription</a:t>
-            </a:r>
-          </a:p>
-          <a:p>
-            <a:pPr algn="ctr"/>
-            <a:endParaRPr lang="en-US" sz="1600" dirty="0">
-              <a:solidFill>
-                <a:schemeClr val="tx1"/>
-              </a:solidFill>
-            </a:endParaRPr>
-          </a:p>
-        </p:txBody>
-      </p:sp>
-    </p:spTree>
-    <p:extLst>
-      <p:ext uri="{BB962C8B-B14F-4D97-AF65-F5344CB8AC3E}">
-        <p14:creationId xmlns:p14="http://schemas.microsoft.com/office/powerpoint/2010/main" val="2316409003"/>
-      </p:ext>
-    </p:extLst>
-  </p:cSld>
-  <p:clrMapOvr>
-    <a:masterClrMapping/>
-  </p:clrMapOvr>
-  <p:timing>
-    <p:tnLst>
-      <p:par>
-        <p:cTn id="1" dur="indefinite" restart="never" nodeType="tmRoot">
-          <p:childTnLst>
-            <p:seq concurrent="1" nextAc="seek">
-              <p:cTn id="2" dur="indefinite" nodeType="mainSeq">
-                <p:childTnLst>
-                  <p:par>
-                    <p:cTn id="3" fill="hold">
-                      <p:stCondLst>
-                        <p:cond delay="indefinite"/>
-                      </p:stCondLst>
-                      <p:childTnLst>
-                        <p:par>
-                          <p:cTn id="4" fill="hold">
-                            <p:stCondLst>
-                              <p:cond delay="0"/>
-                            </p:stCondLst>
-                            <p:childTnLst>
-                              <p:par>
-                                <p:cTn id="5" presetID="1" presetClass="entr" presetSubtype="0" fill="hold" nodeType="clickEffect">
-                                  <p:stCondLst>
-                                    <p:cond delay="0"/>
-                                  </p:stCondLst>
-                                  <p:childTnLst>
-                                    <p:set>
-                                      <p:cBhvr>
-                                        <p:cTn id="6" dur="1" fill="hold">
-                                          <p:stCondLst>
-                                            <p:cond delay="0"/>
-                                          </p:stCondLst>
-                                        </p:cTn>
-                                        <p:tgtEl>
-                                          <p:spTgt spid="5">
-                                            <p:txEl>
-                                              <p:pRg st="2" end="2"/>
-                                            </p:txEl>
-                                          </p:spTgt>
-                                        </p:tgtEl>
-                                        <p:attrNameLst>
-                                          <p:attrName>style.visibility</p:attrName>
-                                        </p:attrNameLst>
-                                      </p:cBhvr>
-                                      <p:to>
-                                        <p:strVal val="visible"/>
-                                      </p:to>
-                                    </p:set>
-                                  </p:childTnLst>
-                                </p:cTn>
-                              </p:par>
-                            </p:childTnLst>
-                          </p:cTn>
-                        </p:par>
-                      </p:childTnLst>
-                    </p:cTn>
-                  </p:par>
-                  <p:par>
-                    <p:cTn id="7" fill="hold">
-                      <p:stCondLst>
-                        <p:cond delay="indefinite"/>
-                      </p:stCondLst>
-                      <p:childTnLst>
-                        <p:par>
-                          <p:cTn id="8" fill="hold">
-                            <p:stCondLst>
-                              <p:cond delay="0"/>
-                            </p:stCondLst>
-                            <p:childTnLst>
-                              <p:par>
-                                <p:cTn id="9" presetID="1" presetClass="entr" presetSubtype="0" fill="hold" nodeType="clickEffect">
-                                  <p:stCondLst>
-                                    <p:cond delay="0"/>
-                                  </p:stCondLst>
-                                  <p:childTnLst>
-                                    <p:set>
-                                      <p:cBhvr>
-                                        <p:cTn id="10" dur="1" fill="hold">
-                                          <p:stCondLst>
-                                            <p:cond delay="0"/>
-                                          </p:stCondLst>
-                                        </p:cTn>
-                                        <p:tgtEl>
-                                          <p:spTgt spid="6">
-                                            <p:txEl>
-                                              <p:pRg st="2" end="2"/>
-                                            </p:txEl>
-                                          </p:spTgt>
-                                        </p:tgtEl>
-                                        <p:attrNameLst>
-                                          <p:attrName>style.visibility</p:attrName>
-                                        </p:attrNameLst>
-                                      </p:cBhvr>
-                                      <p:to>
-                                        <p:strVal val="visible"/>
-                                      </p:to>
-                                    </p:set>
-                                  </p:childTnLst>
-                                </p:cTn>
-                              </p:par>
-                            </p:childTnLst>
-                          </p:cTn>
-                        </p:par>
-                      </p:childTnLst>
-                    </p:cTn>
-                  </p:par>
-                  <p:par>
-                    <p:cTn id="11" fill="hold">
-                      <p:stCondLst>
-                        <p:cond delay="indefinite"/>
-                      </p:stCondLst>
-                      <p:childTnLst>
-                        <p:par>
-                          <p:cTn id="12" fill="hold">
-                            <p:stCondLst>
-                              <p:cond delay="0"/>
-                            </p:stCondLst>
-                            <p:childTnLst>
-                              <p:par>
-                                <p:cTn id="13" presetID="1" presetClass="entr" presetSubtype="0" fill="hold" nodeType="clickEffect">
-                                  <p:stCondLst>
-                                    <p:cond delay="0"/>
-                                  </p:stCondLst>
-                                  <p:childTnLst>
-                                    <p:set>
-                                      <p:cBhvr>
-                                        <p:cTn id="14" dur="1" fill="hold">
-                                          <p:stCondLst>
-                                            <p:cond delay="0"/>
-                                          </p:stCondLst>
-                                        </p:cTn>
-                                        <p:tgtEl>
-                                          <p:spTgt spid="5">
-                                            <p:txEl>
-                                              <p:pRg st="3" end="3"/>
-                                            </p:txEl>
-                                          </p:spTgt>
-                                        </p:tgtEl>
-                                        <p:attrNameLst>
-                                          <p:attrName>style.visibility</p:attrName>
-                                        </p:attrNameLst>
-                                      </p:cBhvr>
-                                      <p:to>
-                                        <p:strVal val="visible"/>
-                                      </p:to>
-                                    </p:set>
-                                  </p:childTnLst>
-                                </p:cTn>
-                              </p:par>
-                            </p:childTnLst>
-                          </p:cTn>
-                        </p:par>
-                      </p:childTnLst>
-                    </p:cTn>
-                  </p:par>
-                  <p:par>
-                    <p:cTn id="15" fill="hold">
-                      <p:stCondLst>
-                        <p:cond delay="indefinite"/>
-                      </p:stCondLst>
-                      <p:childTnLst>
-                        <p:par>
-                          <p:cTn id="16" fill="hold">
-                            <p:stCondLst>
-                              <p:cond delay="0"/>
-                            </p:stCondLst>
-                            <p:childTnLst>
-                              <p:par>
-                                <p:cTn id="17" presetID="1" presetClass="entr" presetSubtype="0" fill="hold" nodeType="clickEffect">
-                                  <p:stCondLst>
-                                    <p:cond delay="0"/>
-                                  </p:stCondLst>
-                                  <p:childTnLst>
-                                    <p:set>
-                                      <p:cBhvr>
-                                        <p:cTn id="18" dur="1" fill="hold">
-                                          <p:stCondLst>
-                                            <p:cond delay="0"/>
-                                          </p:stCondLst>
-                                        </p:cTn>
-                                        <p:tgtEl>
-                                          <p:spTgt spid="6">
-                                            <p:txEl>
-                                              <p:pRg st="3" end="3"/>
-                                            </p:txEl>
-                                          </p:spTgt>
-                                        </p:tgtEl>
-                                        <p:attrNameLst>
-                                          <p:attrName>style.visibility</p:attrName>
-                                        </p:attrNameLst>
-                                      </p:cBhvr>
-                                      <p:to>
-                                        <p:strVal val="visible"/>
-                                      </p:to>
-                                    </p:set>
-                                  </p:childTnLst>
-                                </p:cTn>
-                              </p:par>
-                            </p:childTnLst>
-                          </p:cTn>
-                        </p:par>
-                      </p:childTnLst>
-                    </p:cTn>
-                  </p:par>
-                  <p:par>
-                    <p:cTn id="19" fill="hold">
-                      <p:stCondLst>
-                        <p:cond delay="indefinite"/>
-                      </p:stCondLst>
-                      <p:childTnLst>
-                        <p:par>
-                          <p:cTn id="20" fill="hold">
-                            <p:stCondLst>
-                              <p:cond delay="0"/>
-                            </p:stCondLst>
-                            <p:childTnLst>
-                              <p:par>
-                                <p:cTn id="21" presetID="1" presetClass="entr" presetSubtype="0" fill="hold" nodeType="clickEffect">
-                                  <p:stCondLst>
-                                    <p:cond delay="0"/>
-                                  </p:stCondLst>
-                                  <p:childTnLst>
-                                    <p:set>
-                                      <p:cBhvr>
-                                        <p:cTn id="22" dur="1" fill="hold">
-                                          <p:stCondLst>
-                                            <p:cond delay="0"/>
-                                          </p:stCondLst>
-                                        </p:cTn>
-                                        <p:tgtEl>
-                                          <p:spTgt spid="5">
-                                            <p:txEl>
-                                              <p:pRg st="4" end="4"/>
-                                            </p:txEl>
-                                          </p:spTgt>
-                                        </p:tgtEl>
-                                        <p:attrNameLst>
-                                          <p:attrName>style.visibility</p:attrName>
-                                        </p:attrNameLst>
-                                      </p:cBhvr>
-                                      <p:to>
-                                        <p:strVal val="visible"/>
-                                      </p:to>
-                                    </p:set>
-                                  </p:childTnLst>
-                                </p:cTn>
-                              </p:par>
-                            </p:childTnLst>
-                          </p:cTn>
-                        </p:par>
-                      </p:childTnLst>
-                    </p:cTn>
-                  </p:par>
-                  <p:par>
-                    <p:cTn id="23" fill="hold">
-                      <p:stCondLst>
-                        <p:cond delay="indefinite"/>
-                      </p:stCondLst>
-                      <p:childTnLst>
-                        <p:par>
-                          <p:cTn id="24" fill="hold">
-                            <p:stCondLst>
-                              <p:cond delay="0"/>
-                            </p:stCondLst>
-                            <p:childTnLst>
-                              <p:par>
-                                <p:cTn id="25" presetID="1" presetClass="entr" presetSubtype="0" fill="hold" nodeType="clickEffect">
-                                  <p:stCondLst>
-                                    <p:cond delay="0"/>
-                                  </p:stCondLst>
-                                  <p:childTnLst>
-                                    <p:set>
-                                      <p:cBhvr>
-                                        <p:cTn id="26" dur="1" fill="hold">
-                                          <p:stCondLst>
-                                            <p:cond delay="0"/>
-                                          </p:stCondLst>
-                                        </p:cTn>
-                                        <p:tgtEl>
-                                          <p:spTgt spid="6">
-                                            <p:txEl>
-                                              <p:pRg st="4" end="4"/>
-                                            </p:txEl>
-                                          </p:spTgt>
-                                        </p:tgtEl>
-                                        <p:attrNameLst>
-                                          <p:attrName>style.visibility</p:attrName>
-                                        </p:attrNameLst>
-                                      </p:cBhvr>
-                                      <p:to>
-                                        <p:strVal val="visible"/>
-                                      </p:to>
-                                    </p:set>
-                                  </p:childTnLst>
-                                </p:cTn>
-                              </p:par>
-                            </p:childTnLst>
-                          </p:cTn>
-                        </p:par>
-                      </p:childTnLst>
-                    </p:cTn>
-                  </p:par>
-                  <p:par>
-                    <p:cTn id="27" fill="hold">
-                      <p:stCondLst>
-                        <p:cond delay="indefinite"/>
-                      </p:stCondLst>
-                      <p:childTnLst>
-                        <p:par>
-                          <p:cTn id="28" fill="hold">
-                            <p:stCondLst>
-                              <p:cond delay="0"/>
-                            </p:stCondLst>
-                            <p:childTnLst>
-                              <p:par>
-                                <p:cTn id="29" presetID="1" presetClass="entr" presetSubtype="0" fill="hold" nodeType="clickEffect">
-                                  <p:stCondLst>
-                                    <p:cond delay="0"/>
-                                  </p:stCondLst>
-                                  <p:childTnLst>
-                                    <p:set>
-                                      <p:cBhvr>
-                                        <p:cTn id="30" dur="1" fill="hold">
-                                          <p:stCondLst>
-                                            <p:cond delay="0"/>
-                                          </p:stCondLst>
-                                        </p:cTn>
-                                        <p:tgtEl>
-                                          <p:spTgt spid="5">
-                                            <p:txEl>
-                                              <p:pRg st="5" end="5"/>
-                                            </p:txEl>
-                                          </p:spTgt>
-                                        </p:tgtEl>
-                                        <p:attrNameLst>
-                                          <p:attrName>style.visibility</p:attrName>
-                                        </p:attrNameLst>
-                                      </p:cBhvr>
-                                      <p:to>
-                                        <p:strVal val="visible"/>
-                                      </p:to>
-                                    </p:set>
-                                  </p:childTnLst>
-                                </p:cTn>
-                              </p:par>
-                            </p:childTnLst>
-                          </p:cTn>
-                        </p:par>
-                      </p:childTnLst>
-                    </p:cTn>
-                  </p:par>
-                  <p:par>
-                    <p:cTn id="31" fill="hold">
-                      <p:stCondLst>
-                        <p:cond delay="indefinite"/>
-                      </p:stCondLst>
-                      <p:childTnLst>
-                        <p:par>
-                          <p:cTn id="32" fill="hold">
-                            <p:stCondLst>
-                              <p:cond delay="0"/>
-                            </p:stCondLst>
-                            <p:childTnLst>
-                              <p:par>
-                                <p:cTn id="33" presetID="1" presetClass="entr" presetSubtype="0" fill="hold" nodeType="clickEffect">
-                                  <p:stCondLst>
-                                    <p:cond delay="0"/>
-                                  </p:stCondLst>
-                                  <p:childTnLst>
-                                    <p:set>
-                                      <p:cBhvr>
-                                        <p:cTn id="34" dur="1" fill="hold">
-                                          <p:stCondLst>
-                                            <p:cond delay="0"/>
-                                          </p:stCondLst>
-                                        </p:cTn>
-                                        <p:tgtEl>
-                                          <p:spTgt spid="6">
-                                            <p:txEl>
-                                              <p:pRg st="5" end="5"/>
-                                            </p:txEl>
-                                          </p:spTgt>
-                                        </p:tgtEl>
-                                        <p:attrNameLst>
-                                          <p:attrName>style.visibility</p:attrName>
-                                        </p:attrNameLst>
-                                      </p:cBhvr>
-                                      <p:to>
-                                        <p:strVal val="visible"/>
-                                      </p:to>
-                                    </p:set>
-                                  </p:childTnLst>
-                                </p:cTn>
-                              </p:par>
-                            </p:childTnLst>
-                          </p:cTn>
-                        </p:par>
-                      </p:childTnLst>
-                    </p:cTn>
-                  </p:par>
-                  <p:par>
-                    <p:cTn id="35" fill="hold">
-                      <p:stCondLst>
-                        <p:cond delay="indefinite"/>
-                      </p:stCondLst>
-                      <p:childTnLst>
-                        <p:par>
-                          <p:cTn id="36" fill="hold">
-                            <p:stCondLst>
-                              <p:cond delay="0"/>
-                            </p:stCondLst>
-                            <p:childTnLst>
-                              <p:par>
-                                <p:cTn id="37" presetID="1" presetClass="entr" presetSubtype="0" fill="hold" nodeType="clickEffect">
-                                  <p:stCondLst>
-                                    <p:cond delay="0"/>
-                                  </p:stCondLst>
-                                  <p:childTnLst>
-                                    <p:set>
-                                      <p:cBhvr>
-                                        <p:cTn id="38" dur="1" fill="hold">
-                                          <p:stCondLst>
-                                            <p:cond delay="0"/>
-                                          </p:stCondLst>
-                                        </p:cTn>
-                                        <p:tgtEl>
-                                          <p:spTgt spid="5">
-                                            <p:txEl>
-                                              <p:pRg st="6" end="6"/>
-                                            </p:txEl>
-                                          </p:spTgt>
-                                        </p:tgtEl>
-                                        <p:attrNameLst>
-                                          <p:attrName>style.visibility</p:attrName>
-                                        </p:attrNameLst>
-                                      </p:cBhvr>
-                                      <p:to>
-                                        <p:strVal val="visible"/>
-                                      </p:to>
-                                    </p:set>
-                                  </p:childTnLst>
-                                </p:cTn>
-                              </p:par>
-                            </p:childTnLst>
-                          </p:cTn>
-                        </p:par>
-                      </p:childTnLst>
-                    </p:cTn>
-                  </p:par>
-                  <p:par>
-                    <p:cTn id="39" fill="hold">
-                      <p:stCondLst>
-                        <p:cond delay="indefinite"/>
-                      </p:stCondLst>
-                      <p:childTnLst>
-                        <p:par>
-                          <p:cTn id="40" fill="hold">
-                            <p:stCondLst>
-                              <p:cond delay="0"/>
-                            </p:stCondLst>
-                            <p:childTnLst>
-                              <p:par>
-                                <p:cTn id="41" presetID="1" presetClass="entr" presetSubtype="0" fill="hold" nodeType="clickEffect">
-                                  <p:stCondLst>
-                                    <p:cond delay="0"/>
-                                  </p:stCondLst>
-                                  <p:childTnLst>
-                                    <p:set>
-                                      <p:cBhvr>
-                                        <p:cTn id="42" dur="1" fill="hold">
-                                          <p:stCondLst>
-                                            <p:cond delay="0"/>
-                                          </p:stCondLst>
-                                        </p:cTn>
-                                        <p:tgtEl>
-                                          <p:spTgt spid="6">
-                                            <p:txEl>
-                                              <p:pRg st="6" end="6"/>
-                                            </p:txEl>
-                                          </p:spTgt>
-                                        </p:tgtEl>
-                                        <p:attrNameLst>
-                                          <p:attrName>style.visibility</p:attrName>
-                                        </p:attrNameLst>
-                                      </p:cBhvr>
-                                      <p:to>
-                                        <p:strVal val="visible"/>
-                                      </p:to>
-                                    </p:set>
-                                  </p:childTnLst>
-                                </p:cTn>
-                              </p:par>
-                            </p:childTnLst>
-                          </p:cTn>
-                        </p:par>
-                      </p:childTnLst>
-                    </p:cTn>
-                  </p:par>
-                </p:childTnLst>
-              </p:cTn>
-              <p:prevCondLst>
-                <p:cond evt="onPrev" delay="0">
-                  <p:tgtEl>
-                    <p:sldTgt/>
-                  </p:tgtEl>
-                </p:cond>
-              </p:prevCondLst>
-              <p:nextCondLst>
-                <p:cond evt="onNext" delay="0">
-                  <p:tgtEl>
-                    <p:sldTgt/>
-                  </p:tgtEl>
-                </p:cond>
-              </p:nextCondLst>
-            </p:seq>
-          </p:childTnLst>
-        </p:cTn>
-      </p:par>
-    </p:tnLst>
-  </p:timing>
-</p:sld>
-</file>
-
-<file path=ppt/slides/slide24.xml><?xml version="1.0" encoding="utf-8"?>
+<file path=ppt/slides/slide25.xml><?xml version="1.0" encoding="utf-8"?>
 <p:sld xmlns:a="http://schemas.openxmlformats.org/drawingml/2006/main" xmlns:r="http://schemas.openxmlformats.org/officeDocument/2006/relationships" xmlns:p="http://schemas.openxmlformats.org/presentationml/2006/main">
   <p:cSld>
     <p:spTree>
@@ -8551,123 +9139,6 @@
       </p:par>
     </p:tnLst>
   </p:timing>
-</p:sld>
-</file>
-
-<file path=ppt/slides/slide25.xml><?xml version="1.0" encoding="utf-8"?>
-<p:sld xmlns:a="http://schemas.openxmlformats.org/drawingml/2006/main" xmlns:r="http://schemas.openxmlformats.org/officeDocument/2006/relationships" xmlns:p="http://schemas.openxmlformats.org/presentationml/2006/main">
-  <p:cSld>
-    <p:spTree>
-      <p:nvGrpSpPr>
-        <p:cNvPr id="1" name=""/>
-        <p:cNvGrpSpPr/>
-        <p:nvPr/>
-      </p:nvGrpSpPr>
-      <p:grpSpPr>
-        <a:xfrm>
-          <a:off x="0" y="0"/>
-          <a:ext cx="0" cy="0"/>
-          <a:chOff x="0" y="0"/>
-          <a:chExt cx="0" cy="0"/>
-        </a:xfrm>
-      </p:grpSpPr>
-      <p:sp>
-        <p:nvSpPr>
-          <p:cNvPr id="2" name="Title 1"/>
-          <p:cNvSpPr>
-            <a:spLocks noGrp="1"/>
-          </p:cNvSpPr>
-          <p:nvPr>
-            <p:ph type="title"/>
-          </p:nvPr>
-        </p:nvSpPr>
-        <p:spPr/>
-        <p:txBody>
-          <a:bodyPr/>
-          <a:lstStyle/>
-          <a:p>
-            <a:r>
-              <a:rPr lang="en-US" dirty="0"/>
-              <a:t>Developing Custom Visuals</a:t>
-            </a:r>
-          </a:p>
-        </p:txBody>
-      </p:sp>
-      <p:sp>
-        <p:nvSpPr>
-          <p:cNvPr id="3" name="Content Placeholder 2"/>
-          <p:cNvSpPr>
-            <a:spLocks noGrp="1"/>
-          </p:cNvSpPr>
-          <p:nvPr>
-            <p:ph idx="1"/>
-          </p:nvPr>
-        </p:nvSpPr>
-        <p:spPr/>
-        <p:txBody>
-          <a:bodyPr/>
-          <a:lstStyle/>
-          <a:p>
-            <a:r>
-              <a:rPr lang="en-US" dirty="0"/>
-              <a:t>What is involved?</a:t>
-            </a:r>
-          </a:p>
-          <a:p>
-            <a:pPr lvl="1"/>
-            <a:r>
-              <a:rPr lang="en-US" dirty="0"/>
-              <a:t>Learning to program in </a:t>
-            </a:r>
-            <a:r>
-              <a:rPr lang="en-US" dirty="0" err="1"/>
-              <a:t>TypeScript</a:t>
-            </a:r>
-            <a:r>
-              <a:rPr lang="en-US" dirty="0"/>
-              <a:t> instead of JavaScript</a:t>
-            </a:r>
-          </a:p>
-          <a:p>
-            <a:pPr lvl="1"/>
-            <a:r>
-              <a:rPr lang="en-US" dirty="0"/>
-              <a:t>Learning to use graphics libraries such as D3.js</a:t>
-            </a:r>
-          </a:p>
-          <a:p>
-            <a:pPr lvl="1"/>
-            <a:r>
-              <a:rPr lang="en-US" dirty="0"/>
-              <a:t>Getting up to speed on the cross-platform toolchain</a:t>
-            </a:r>
-          </a:p>
-          <a:p>
-            <a:pPr lvl="1"/>
-            <a:r>
-              <a:rPr lang="en-US" dirty="0"/>
-              <a:t>Creating and debugging custom visuals using Node.js</a:t>
-            </a:r>
-          </a:p>
-          <a:p>
-            <a:pPr lvl="1"/>
-            <a:r>
-              <a:rPr lang="en-US" dirty="0"/>
-              <a:t>Packaging custom visuals for distribution</a:t>
-            </a:r>
-          </a:p>
-        </p:txBody>
-      </p:sp>
-    </p:spTree>
-    <p:extLst>
-      <p:ext uri="{BB962C8B-B14F-4D97-AF65-F5344CB8AC3E}">
-        <p14:creationId xmlns:p14="http://schemas.microsoft.com/office/powerpoint/2010/main" val="453571107"/>
-      </p:ext>
-    </p:extLst>
-  </p:cSld>
-  <p:clrMapOvr>
-    <a:masterClrMapping/>
-  </p:clrMapOvr>
 </p:sld>
 </file>
 
@@ -9599,9 +10070,10 @@
           <a:lstStyle/>
           <a:p>
             <a:r>
-              <a:rPr lang="en-US" dirty="0"/>
-              <a:t>Attendee Workshop Materials</a:t>
-            </a:r>
+              <a:rPr lang="en-US"/>
+              <a:t>Workshop Prerequisites</a:t>
+            </a:r>
+            <a:endParaRPr lang="en-US" dirty="0"/>
           </a:p>
         </p:txBody>
       </p:sp>
@@ -9617,6 +10089,2649 @@
         </p:nvSpPr>
         <p:spPr/>
         <p:txBody>
+          <a:bodyPr>
+            <a:normAutofit/>
+          </a:bodyPr>
+          <a:lstStyle/>
+          <a:p>
+            <a:r>
+              <a:rPr lang="en-US" sz="2400" dirty="0"/>
+              <a:t>The workshop assumes attendees are comfortable with…</a:t>
+            </a:r>
+          </a:p>
+          <a:p>
+            <a:pPr lvl="1"/>
+            <a:r>
+              <a:rPr lang="en-US" sz="2000" dirty="0"/>
+              <a:t>Working with the Power BI platform</a:t>
+            </a:r>
+          </a:p>
+          <a:p>
+            <a:pPr lvl="1"/>
+            <a:r>
+              <a:rPr lang="en-US" sz="2000" dirty="0"/>
+              <a:t>Creating PBIX projects with Power BI Desktop</a:t>
+            </a:r>
+          </a:p>
+          <a:p>
+            <a:pPr lvl="1"/>
+            <a:r>
+              <a:rPr lang="en-US" sz="2000" dirty="0"/>
+              <a:t>Developing with Visual Studio, C# and ASP.NET MVC</a:t>
+            </a:r>
+          </a:p>
+          <a:p>
+            <a:pPr lvl="1"/>
+            <a:r>
+              <a:rPr lang="en-US" sz="2000" dirty="0"/>
+              <a:t>Programming with JavaScript and/or </a:t>
+            </a:r>
+            <a:r>
+              <a:rPr lang="en-US" sz="2000" dirty="0" err="1"/>
+              <a:t>TypeScript</a:t>
+            </a:r>
+            <a:endParaRPr lang="en-US" sz="2000" dirty="0"/>
+          </a:p>
+          <a:p>
+            <a:pPr lvl="1"/>
+            <a:r>
+              <a:rPr lang="en-US" sz="2000" dirty="0"/>
+              <a:t>Programming against APIs based on REST and ODATA</a:t>
+            </a:r>
+          </a:p>
+          <a:p>
+            <a:pPr lvl="1"/>
+            <a:endParaRPr lang="en-US" sz="2000" dirty="0"/>
+          </a:p>
+          <a:p>
+            <a:r>
+              <a:rPr lang="en-US" sz="2400" dirty="0"/>
+              <a:t>The workshop assumes attendees are new to…</a:t>
+            </a:r>
+          </a:p>
+          <a:p>
+            <a:pPr lvl="1"/>
+            <a:r>
+              <a:rPr lang="en-US" sz="2000" dirty="0"/>
+              <a:t>Developing with Microsoft Azure in the new Azure portal</a:t>
+            </a:r>
+          </a:p>
+          <a:p>
+            <a:pPr lvl="1"/>
+            <a:r>
+              <a:rPr lang="en-US" sz="2000" dirty="0"/>
+              <a:t>Developing with Node.js, </a:t>
+            </a:r>
+            <a:r>
+              <a:rPr lang="en-US" sz="2000" dirty="0" err="1"/>
+              <a:t>npm</a:t>
+            </a:r>
+            <a:r>
+              <a:rPr lang="en-US" sz="2000" dirty="0"/>
+              <a:t> and Visual Studio Code</a:t>
+            </a:r>
+          </a:p>
+          <a:p>
+            <a:pPr lvl="1"/>
+            <a:r>
+              <a:rPr lang="en-US" sz="2000" dirty="0"/>
+              <a:t>The new Power BI App Model and developing in App Workspaces</a:t>
+            </a:r>
+          </a:p>
+        </p:txBody>
+      </p:sp>
+    </p:spTree>
+    <p:extLst>
+      <p:ext uri="{BB962C8B-B14F-4D97-AF65-F5344CB8AC3E}">
+        <p14:creationId xmlns:p14="http://schemas.microsoft.com/office/powerpoint/2010/main" val="3918967282"/>
+      </p:ext>
+    </p:extLst>
+  </p:cSld>
+  <p:clrMapOvr>
+    <a:masterClrMapping/>
+  </p:clrMapOvr>
+</p:sld>
+</file>
+
+<file path=ppt/slides/slide30.xml><?xml version="1.0" encoding="utf-8"?>
+<p:sld xmlns:a="http://schemas.openxmlformats.org/drawingml/2006/main" xmlns:r="http://schemas.openxmlformats.org/officeDocument/2006/relationships" xmlns:p="http://schemas.openxmlformats.org/presentationml/2006/main">
+  <p:cSld>
+    <p:spTree>
+      <p:nvGrpSpPr>
+        <p:cNvPr id="1" name=""/>
+        <p:cNvGrpSpPr/>
+        <p:nvPr/>
+      </p:nvGrpSpPr>
+      <p:grpSpPr>
+        <a:xfrm>
+          <a:off x="0" y="0"/>
+          <a:ext cx="0" cy="0"/>
+          <a:chOff x="0" y="0"/>
+          <a:chExt cx="0" cy="0"/>
+        </a:xfrm>
+      </p:grpSpPr>
+      <p:sp>
+        <p:nvSpPr>
+          <p:cNvPr id="2" name="Title 1"/>
+          <p:cNvSpPr>
+            <a:spLocks noGrp="1"/>
+          </p:cNvSpPr>
+          <p:nvPr>
+            <p:ph type="title"/>
+          </p:nvPr>
+        </p:nvSpPr>
+        <p:spPr/>
+        <p:txBody>
+          <a:bodyPr/>
+          <a:lstStyle/>
+          <a:p>
+            <a:r>
+              <a:rPr lang="en-US" dirty="0"/>
+              <a:t>Power BI Desktop is an ETL Tool</a:t>
+            </a:r>
+          </a:p>
+        </p:txBody>
+      </p:sp>
+      <p:sp>
+        <p:nvSpPr>
+          <p:cNvPr id="3" name="Content Placeholder 2"/>
+          <p:cNvSpPr>
+            <a:spLocks noGrp="1"/>
+          </p:cNvSpPr>
+          <p:nvPr>
+            <p:ph idx="1"/>
+          </p:nvPr>
+        </p:nvSpPr>
+        <p:spPr/>
+        <p:txBody>
+          <a:bodyPr/>
+          <a:lstStyle/>
+          <a:p>
+            <a:r>
+              <a:rPr lang="en-US" dirty="0"/>
+              <a:t>ETL process is essential part of any BI Project</a:t>
+            </a:r>
+          </a:p>
+          <a:p>
+            <a:pPr lvl="1"/>
+            <a:r>
+              <a:rPr lang="en-US" b="1" dirty="0">
+                <a:solidFill>
+                  <a:schemeClr val="tx2">
+                    <a:lumMod val="90000"/>
+                    <a:lumOff val="10000"/>
+                  </a:schemeClr>
+                </a:solidFill>
+              </a:rPr>
+              <a:t>Extract</a:t>
+            </a:r>
+            <a:r>
+              <a:rPr lang="en-US" dirty="0">
+                <a:solidFill>
+                  <a:schemeClr val="tx2">
+                    <a:lumMod val="90000"/>
+                    <a:lumOff val="10000"/>
+                  </a:schemeClr>
+                </a:solidFill>
+              </a:rPr>
+              <a:t> </a:t>
+            </a:r>
+            <a:r>
+              <a:rPr lang="en-US" dirty="0"/>
+              <a:t>the data from wherever it lives</a:t>
+            </a:r>
+          </a:p>
+          <a:p>
+            <a:pPr lvl="1"/>
+            <a:r>
+              <a:rPr lang="en-US" b="1" dirty="0">
+                <a:solidFill>
+                  <a:schemeClr val="tx2">
+                    <a:lumMod val="90000"/>
+                    <a:lumOff val="10000"/>
+                  </a:schemeClr>
+                </a:solidFill>
+              </a:rPr>
+              <a:t>Transform</a:t>
+            </a:r>
+            <a:r>
+              <a:rPr lang="en-US" dirty="0"/>
+              <a:t> the shape of the data for better analysis</a:t>
+            </a:r>
+          </a:p>
+          <a:p>
+            <a:pPr lvl="1"/>
+            <a:r>
+              <a:rPr lang="en-US" b="1" dirty="0">
+                <a:solidFill>
+                  <a:schemeClr val="tx2">
+                    <a:lumMod val="90000"/>
+                    <a:lumOff val="10000"/>
+                  </a:schemeClr>
+                </a:solidFill>
+              </a:rPr>
+              <a:t>Load</a:t>
+            </a:r>
+            <a:r>
+              <a:rPr lang="en-US" dirty="0">
+                <a:solidFill>
+                  <a:schemeClr val="tx2">
+                    <a:lumMod val="90000"/>
+                    <a:lumOff val="10000"/>
+                  </a:schemeClr>
+                </a:solidFill>
+              </a:rPr>
+              <a:t> </a:t>
+            </a:r>
+            <a:r>
+              <a:rPr lang="en-US" dirty="0"/>
+              <a:t>the data into dataset for analysis and reporting</a:t>
+            </a:r>
+          </a:p>
+        </p:txBody>
+      </p:sp>
+      <p:sp>
+        <p:nvSpPr>
+          <p:cNvPr id="7" name="Rectangle 6"/>
+          <p:cNvSpPr/>
+          <p:nvPr/>
+        </p:nvSpPr>
+        <p:spPr>
+          <a:xfrm>
+            <a:off x="5033475" y="3763536"/>
+            <a:ext cx="3348525" cy="1973624"/>
+          </a:xfrm>
+          <a:prstGeom prst="rect">
+            <a:avLst/>
+          </a:prstGeom>
+          <a:solidFill>
+            <a:schemeClr val="accent5">
+              <a:lumMod val="20000"/>
+              <a:lumOff val="80000"/>
+            </a:schemeClr>
+          </a:solidFill>
+          <a:ln w="3175">
+            <a:solidFill>
+              <a:schemeClr val="tx1">
+                <a:lumMod val="65000"/>
+                <a:lumOff val="35000"/>
+              </a:schemeClr>
+            </a:solidFill>
+          </a:ln>
+        </p:spPr>
+        <p:style>
+          <a:lnRef idx="2">
+            <a:schemeClr val="accent1">
+              <a:shade val="50000"/>
+            </a:schemeClr>
+          </a:lnRef>
+          <a:fillRef idx="1">
+            <a:schemeClr val="accent1"/>
+          </a:fillRef>
+          <a:effectRef idx="0">
+            <a:schemeClr val="accent1"/>
+          </a:effectRef>
+          <a:fontRef idx="minor">
+            <a:schemeClr val="lt1"/>
+          </a:fontRef>
+        </p:style>
+        <p:txBody>
+          <a:bodyPr tIns="91440" rtlCol="0" anchor="t" anchorCtr="0"/>
+          <a:lstStyle/>
+          <a:p>
+            <a:pPr algn="ctr"/>
+            <a:r>
+              <a:rPr lang="en-US" sz="1600" b="1" dirty="0">
+                <a:solidFill>
+                  <a:schemeClr val="tx1"/>
+                </a:solidFill>
+              </a:rPr>
+              <a:t>Power BI Desktop Project (PBIX)</a:t>
+            </a:r>
+          </a:p>
+        </p:txBody>
+      </p:sp>
+      <p:sp>
+        <p:nvSpPr>
+          <p:cNvPr id="8" name="Rounded Rectangle 7"/>
+          <p:cNvSpPr/>
+          <p:nvPr/>
+        </p:nvSpPr>
+        <p:spPr>
+          <a:xfrm>
+            <a:off x="5156063" y="4246966"/>
+            <a:ext cx="3077114" cy="1274890"/>
+          </a:xfrm>
+          <a:prstGeom prst="roundRect">
+            <a:avLst/>
+          </a:prstGeom>
+          <a:solidFill>
+            <a:schemeClr val="accent4">
+              <a:lumMod val="20000"/>
+              <a:lumOff val="80000"/>
+            </a:schemeClr>
+          </a:solidFill>
+          <a:ln w="28575">
+            <a:solidFill>
+              <a:schemeClr val="tx1"/>
+            </a:solidFill>
+          </a:ln>
+        </p:spPr>
+        <p:style>
+          <a:lnRef idx="2">
+            <a:schemeClr val="accent1">
+              <a:shade val="50000"/>
+            </a:schemeClr>
+          </a:lnRef>
+          <a:fillRef idx="1">
+            <a:schemeClr val="accent1"/>
+          </a:fillRef>
+          <a:effectRef idx="0">
+            <a:schemeClr val="accent1"/>
+          </a:effectRef>
+          <a:fontRef idx="minor">
+            <a:schemeClr val="lt1"/>
+          </a:fontRef>
+        </p:style>
+        <p:txBody>
+          <a:bodyPr rtlCol="0" anchor="ctr"/>
+          <a:lstStyle/>
+          <a:p>
+            <a:pPr algn="ctr"/>
+            <a:r>
+              <a:rPr lang="en-US" sz="2000" dirty="0">
+                <a:solidFill>
+                  <a:schemeClr val="accent1"/>
+                </a:solidFill>
+              </a:rPr>
+              <a:t>Dataset</a:t>
+            </a:r>
+          </a:p>
+        </p:txBody>
+      </p:sp>
+      <p:cxnSp>
+        <p:nvCxnSpPr>
+          <p:cNvPr id="13" name="Straight Arrow Connector 12"/>
+          <p:cNvCxnSpPr/>
+          <p:nvPr/>
+        </p:nvCxnSpPr>
+        <p:spPr>
+          <a:xfrm>
+            <a:off x="2458154" y="3935456"/>
+            <a:ext cx="789441" cy="0"/>
+          </a:xfrm>
+          <a:prstGeom prst="straightConnector1">
+            <a:avLst/>
+          </a:prstGeom>
+          <a:ln w="57150">
+            <a:tailEnd type="triangle"/>
+          </a:ln>
+        </p:spPr>
+        <p:style>
+          <a:lnRef idx="1">
+            <a:schemeClr val="accent1"/>
+          </a:lnRef>
+          <a:fillRef idx="0">
+            <a:schemeClr val="accent1"/>
+          </a:fillRef>
+          <a:effectRef idx="0">
+            <a:schemeClr val="accent1"/>
+          </a:effectRef>
+          <a:fontRef idx="minor">
+            <a:schemeClr val="tx1"/>
+          </a:fontRef>
+        </p:style>
+      </p:cxnSp>
+      <p:cxnSp>
+        <p:nvCxnSpPr>
+          <p:cNvPr id="16" name="Straight Arrow Connector 15"/>
+          <p:cNvCxnSpPr/>
+          <p:nvPr/>
+        </p:nvCxnSpPr>
+        <p:spPr>
+          <a:xfrm>
+            <a:off x="2458154" y="4784459"/>
+            <a:ext cx="789441" cy="0"/>
+          </a:xfrm>
+          <a:prstGeom prst="straightConnector1">
+            <a:avLst/>
+          </a:prstGeom>
+          <a:ln w="57150">
+            <a:tailEnd type="triangle"/>
+          </a:ln>
+        </p:spPr>
+        <p:style>
+          <a:lnRef idx="1">
+            <a:schemeClr val="accent1"/>
+          </a:lnRef>
+          <a:fillRef idx="0">
+            <a:schemeClr val="accent1"/>
+          </a:fillRef>
+          <a:effectRef idx="0">
+            <a:schemeClr val="accent1"/>
+          </a:effectRef>
+          <a:fontRef idx="minor">
+            <a:schemeClr val="tx1"/>
+          </a:fontRef>
+        </p:style>
+      </p:cxnSp>
+      <p:cxnSp>
+        <p:nvCxnSpPr>
+          <p:cNvPr id="17" name="Straight Arrow Connector 16"/>
+          <p:cNvCxnSpPr/>
+          <p:nvPr/>
+        </p:nvCxnSpPr>
+        <p:spPr>
+          <a:xfrm>
+            <a:off x="2429067" y="5797784"/>
+            <a:ext cx="789441" cy="0"/>
+          </a:xfrm>
+          <a:prstGeom prst="straightConnector1">
+            <a:avLst/>
+          </a:prstGeom>
+          <a:ln w="57150">
+            <a:tailEnd type="triangle"/>
+          </a:ln>
+        </p:spPr>
+        <p:style>
+          <a:lnRef idx="1">
+            <a:schemeClr val="accent1"/>
+          </a:lnRef>
+          <a:fillRef idx="0">
+            <a:schemeClr val="accent1"/>
+          </a:fillRef>
+          <a:effectRef idx="0">
+            <a:schemeClr val="accent1"/>
+          </a:effectRef>
+          <a:fontRef idx="minor">
+            <a:schemeClr val="tx1"/>
+          </a:fontRef>
+        </p:style>
+      </p:cxnSp>
+      <p:cxnSp>
+        <p:nvCxnSpPr>
+          <p:cNvPr id="18" name="Straight Arrow Connector 17"/>
+          <p:cNvCxnSpPr/>
+          <p:nvPr/>
+        </p:nvCxnSpPr>
+        <p:spPr>
+          <a:xfrm>
+            <a:off x="4810240" y="4549977"/>
+            <a:ext cx="789441" cy="0"/>
+          </a:xfrm>
+          <a:prstGeom prst="straightConnector1">
+            <a:avLst/>
+          </a:prstGeom>
+          <a:ln w="57150">
+            <a:tailEnd type="triangle"/>
+          </a:ln>
+        </p:spPr>
+        <p:style>
+          <a:lnRef idx="1">
+            <a:schemeClr val="accent1"/>
+          </a:lnRef>
+          <a:fillRef idx="0">
+            <a:schemeClr val="accent1"/>
+          </a:fillRef>
+          <a:effectRef idx="0">
+            <a:schemeClr val="accent1"/>
+          </a:effectRef>
+          <a:fontRef idx="minor">
+            <a:schemeClr val="tx1"/>
+          </a:fontRef>
+        </p:style>
+      </p:cxnSp>
+      <p:cxnSp>
+        <p:nvCxnSpPr>
+          <p:cNvPr id="19" name="Straight Arrow Connector 18"/>
+          <p:cNvCxnSpPr/>
+          <p:nvPr/>
+        </p:nvCxnSpPr>
+        <p:spPr>
+          <a:xfrm>
+            <a:off x="4810240" y="4804174"/>
+            <a:ext cx="789441" cy="0"/>
+          </a:xfrm>
+          <a:prstGeom prst="straightConnector1">
+            <a:avLst/>
+          </a:prstGeom>
+          <a:ln w="57150">
+            <a:tailEnd type="triangle"/>
+          </a:ln>
+        </p:spPr>
+        <p:style>
+          <a:lnRef idx="1">
+            <a:schemeClr val="accent1"/>
+          </a:lnRef>
+          <a:fillRef idx="0">
+            <a:schemeClr val="accent1"/>
+          </a:fillRef>
+          <a:effectRef idx="0">
+            <a:schemeClr val="accent1"/>
+          </a:effectRef>
+          <a:fontRef idx="minor">
+            <a:schemeClr val="tx1"/>
+          </a:fontRef>
+        </p:style>
+      </p:cxnSp>
+      <p:cxnSp>
+        <p:nvCxnSpPr>
+          <p:cNvPr id="20" name="Straight Arrow Connector 19"/>
+          <p:cNvCxnSpPr/>
+          <p:nvPr/>
+        </p:nvCxnSpPr>
+        <p:spPr>
+          <a:xfrm>
+            <a:off x="4810240" y="5019479"/>
+            <a:ext cx="789441" cy="0"/>
+          </a:xfrm>
+          <a:prstGeom prst="straightConnector1">
+            <a:avLst/>
+          </a:prstGeom>
+          <a:ln w="57150">
+            <a:tailEnd type="triangle"/>
+          </a:ln>
+        </p:spPr>
+        <p:style>
+          <a:lnRef idx="1">
+            <a:schemeClr val="accent1"/>
+          </a:lnRef>
+          <a:fillRef idx="0">
+            <a:schemeClr val="accent1"/>
+          </a:fillRef>
+          <a:effectRef idx="0">
+            <a:schemeClr val="accent1"/>
+          </a:effectRef>
+          <a:fontRef idx="minor">
+            <a:schemeClr val="tx1"/>
+          </a:fontRef>
+        </p:style>
+      </p:cxnSp>
+      <p:cxnSp>
+        <p:nvCxnSpPr>
+          <p:cNvPr id="21" name="Straight Arrow Connector 20"/>
+          <p:cNvCxnSpPr/>
+          <p:nvPr/>
+        </p:nvCxnSpPr>
+        <p:spPr>
+          <a:xfrm>
+            <a:off x="4810240" y="5234783"/>
+            <a:ext cx="789441" cy="0"/>
+          </a:xfrm>
+          <a:prstGeom prst="straightConnector1">
+            <a:avLst/>
+          </a:prstGeom>
+          <a:ln w="57150">
+            <a:tailEnd type="triangle"/>
+          </a:ln>
+        </p:spPr>
+        <p:style>
+          <a:lnRef idx="1">
+            <a:schemeClr val="accent1"/>
+          </a:lnRef>
+          <a:fillRef idx="0">
+            <a:schemeClr val="accent1"/>
+          </a:fillRef>
+          <a:effectRef idx="0">
+            <a:schemeClr val="accent1"/>
+          </a:effectRef>
+          <a:fontRef idx="minor">
+            <a:schemeClr val="tx1"/>
+          </a:fontRef>
+        </p:style>
+      </p:cxnSp>
+      <p:sp>
+        <p:nvSpPr>
+          <p:cNvPr id="11" name="Rectangle 10"/>
+          <p:cNvSpPr/>
+          <p:nvPr/>
+        </p:nvSpPr>
+        <p:spPr>
+          <a:xfrm>
+            <a:off x="3336724" y="3520483"/>
+            <a:ext cx="1466020" cy="2575517"/>
+          </a:xfrm>
+          <a:prstGeom prst="rect">
+            <a:avLst/>
+          </a:prstGeom>
+          <a:solidFill>
+            <a:schemeClr val="accent4">
+              <a:lumMod val="20000"/>
+              <a:lumOff val="80000"/>
+            </a:schemeClr>
+          </a:solidFill>
+          <a:ln w="28575">
+            <a:solidFill>
+              <a:schemeClr val="tx1"/>
+            </a:solidFill>
+          </a:ln>
+        </p:spPr>
+        <p:style>
+          <a:lnRef idx="2">
+            <a:schemeClr val="accent1">
+              <a:shade val="50000"/>
+            </a:schemeClr>
+          </a:lnRef>
+          <a:fillRef idx="1">
+            <a:schemeClr val="accent1"/>
+          </a:fillRef>
+          <a:effectRef idx="0">
+            <a:schemeClr val="accent1"/>
+          </a:effectRef>
+          <a:fontRef idx="minor">
+            <a:schemeClr val="lt1"/>
+          </a:fontRef>
+        </p:style>
+        <p:txBody>
+          <a:bodyPr rtlCol="0" anchor="ctr"/>
+          <a:lstStyle/>
+          <a:p>
+            <a:pPr algn="ctr"/>
+            <a:r>
+              <a:rPr lang="en-US" b="1" dirty="0">
+                <a:solidFill>
+                  <a:schemeClr val="accent1"/>
+                </a:solidFill>
+              </a:rPr>
+              <a:t>Power BI Desktop</a:t>
+            </a:r>
+          </a:p>
+        </p:txBody>
+      </p:sp>
+      <p:sp>
+        <p:nvSpPr>
+          <p:cNvPr id="4" name="Rounded Rectangle 3"/>
+          <p:cNvSpPr/>
+          <p:nvPr/>
+        </p:nvSpPr>
+        <p:spPr>
+          <a:xfrm>
+            <a:off x="990600" y="5347166"/>
+            <a:ext cx="1494135" cy="901234"/>
+          </a:xfrm>
+          <a:prstGeom prst="roundRect">
+            <a:avLst/>
+          </a:prstGeom>
+          <a:solidFill>
+            <a:schemeClr val="accent5">
+              <a:lumMod val="20000"/>
+              <a:lumOff val="80000"/>
+            </a:schemeClr>
+          </a:solidFill>
+          <a:ln w="12700">
+            <a:solidFill>
+              <a:schemeClr val="tx1">
+                <a:lumMod val="65000"/>
+                <a:lumOff val="35000"/>
+              </a:schemeClr>
+            </a:solidFill>
+          </a:ln>
+        </p:spPr>
+        <p:style>
+          <a:lnRef idx="2">
+            <a:schemeClr val="accent1">
+              <a:shade val="50000"/>
+            </a:schemeClr>
+          </a:lnRef>
+          <a:fillRef idx="1">
+            <a:schemeClr val="accent1"/>
+          </a:fillRef>
+          <a:effectRef idx="0">
+            <a:schemeClr val="accent1"/>
+          </a:effectRef>
+          <a:fontRef idx="minor">
+            <a:schemeClr val="lt1"/>
+          </a:fontRef>
+        </p:style>
+        <p:txBody>
+          <a:bodyPr rtlCol="0" anchor="ctr"/>
+          <a:lstStyle/>
+          <a:p>
+            <a:pPr algn="ctr"/>
+            <a:r>
+              <a:rPr lang="en-US" sz="1600" b="1" dirty="0">
+                <a:solidFill>
+                  <a:schemeClr val="tx1"/>
+                </a:solidFill>
+              </a:rPr>
+              <a:t>OLTP</a:t>
+            </a:r>
+          </a:p>
+          <a:p>
+            <a:pPr algn="ctr"/>
+            <a:r>
+              <a:rPr lang="en-US" sz="1600" b="1" dirty="0">
+                <a:solidFill>
+                  <a:schemeClr val="tx1"/>
+                </a:solidFill>
+              </a:rPr>
+              <a:t>Database</a:t>
+            </a:r>
+          </a:p>
+        </p:txBody>
+      </p:sp>
+      <p:sp>
+        <p:nvSpPr>
+          <p:cNvPr id="5" name="Rounded Rectangle 4"/>
+          <p:cNvSpPr/>
+          <p:nvPr/>
+        </p:nvSpPr>
+        <p:spPr>
+          <a:xfrm>
+            <a:off x="1009344" y="4458494"/>
+            <a:ext cx="1494135" cy="708113"/>
+          </a:xfrm>
+          <a:prstGeom prst="roundRect">
+            <a:avLst/>
+          </a:prstGeom>
+          <a:solidFill>
+            <a:schemeClr val="accent3">
+              <a:lumMod val="20000"/>
+              <a:lumOff val="80000"/>
+            </a:schemeClr>
+          </a:solidFill>
+          <a:ln w="12700">
+            <a:solidFill>
+              <a:schemeClr val="tx1">
+                <a:lumMod val="65000"/>
+                <a:lumOff val="35000"/>
+              </a:schemeClr>
+            </a:solidFill>
+          </a:ln>
+        </p:spPr>
+        <p:style>
+          <a:lnRef idx="2">
+            <a:schemeClr val="accent1">
+              <a:shade val="50000"/>
+            </a:schemeClr>
+          </a:lnRef>
+          <a:fillRef idx="1">
+            <a:schemeClr val="accent1"/>
+          </a:fillRef>
+          <a:effectRef idx="0">
+            <a:schemeClr val="accent1"/>
+          </a:effectRef>
+          <a:fontRef idx="minor">
+            <a:schemeClr val="lt1"/>
+          </a:fontRef>
+        </p:style>
+        <p:txBody>
+          <a:bodyPr rtlCol="0" anchor="ctr"/>
+          <a:lstStyle/>
+          <a:p>
+            <a:pPr algn="ctr"/>
+            <a:r>
+              <a:rPr lang="en-US" sz="1600" b="1" dirty="0">
+                <a:solidFill>
+                  <a:schemeClr val="tx1"/>
+                </a:solidFill>
+              </a:rPr>
+              <a:t>Excel</a:t>
+            </a:r>
+          </a:p>
+          <a:p>
+            <a:pPr algn="ctr"/>
+            <a:r>
+              <a:rPr lang="en-US" sz="1600" b="1" dirty="0">
+                <a:solidFill>
+                  <a:schemeClr val="tx1"/>
+                </a:solidFill>
+              </a:rPr>
+              <a:t>Workbook</a:t>
+            </a:r>
+          </a:p>
+        </p:txBody>
+      </p:sp>
+      <p:sp>
+        <p:nvSpPr>
+          <p:cNvPr id="9" name="Rounded Rectangle 8"/>
+          <p:cNvSpPr/>
+          <p:nvPr/>
+        </p:nvSpPr>
+        <p:spPr>
+          <a:xfrm>
+            <a:off x="1009344" y="3581400"/>
+            <a:ext cx="1494135" cy="708113"/>
+          </a:xfrm>
+          <a:prstGeom prst="roundRect">
+            <a:avLst/>
+          </a:prstGeom>
+          <a:solidFill>
+            <a:schemeClr val="accent4">
+              <a:lumMod val="40000"/>
+              <a:lumOff val="60000"/>
+            </a:schemeClr>
+          </a:solidFill>
+          <a:ln w="12700">
+            <a:solidFill>
+              <a:schemeClr val="tx1">
+                <a:lumMod val="65000"/>
+                <a:lumOff val="35000"/>
+              </a:schemeClr>
+            </a:solidFill>
+          </a:ln>
+        </p:spPr>
+        <p:style>
+          <a:lnRef idx="2">
+            <a:schemeClr val="accent1">
+              <a:shade val="50000"/>
+            </a:schemeClr>
+          </a:lnRef>
+          <a:fillRef idx="1">
+            <a:schemeClr val="accent1"/>
+          </a:fillRef>
+          <a:effectRef idx="0">
+            <a:schemeClr val="accent1"/>
+          </a:effectRef>
+          <a:fontRef idx="minor">
+            <a:schemeClr val="lt1"/>
+          </a:fontRef>
+        </p:style>
+        <p:txBody>
+          <a:bodyPr rtlCol="0" anchor="ctr"/>
+          <a:lstStyle/>
+          <a:p>
+            <a:pPr algn="ctr"/>
+            <a:r>
+              <a:rPr lang="en-US" sz="1600" b="1" dirty="0">
+                <a:solidFill>
+                  <a:schemeClr val="tx1"/>
+                </a:solidFill>
+              </a:rPr>
+              <a:t>CSV</a:t>
+            </a:r>
+          </a:p>
+          <a:p>
+            <a:pPr algn="ctr"/>
+            <a:r>
+              <a:rPr lang="en-US" sz="1600" b="1" dirty="0">
+                <a:solidFill>
+                  <a:schemeClr val="tx1"/>
+                </a:solidFill>
+              </a:rPr>
+              <a:t>File</a:t>
+            </a:r>
+          </a:p>
+        </p:txBody>
+      </p:sp>
+    </p:spTree>
+    <p:extLst>
+      <p:ext uri="{BB962C8B-B14F-4D97-AF65-F5344CB8AC3E}">
+        <p14:creationId xmlns:p14="http://schemas.microsoft.com/office/powerpoint/2010/main" val="791741714"/>
+      </p:ext>
+    </p:extLst>
+  </p:cSld>
+  <p:clrMapOvr>
+    <a:masterClrMapping/>
+  </p:clrMapOvr>
+</p:sld>
+</file>
+
+<file path=ppt/slides/slide31.xml><?xml version="1.0" encoding="utf-8"?>
+<p:sld xmlns:a="http://schemas.openxmlformats.org/drawingml/2006/main" xmlns:r="http://schemas.openxmlformats.org/officeDocument/2006/relationships" xmlns:p="http://schemas.openxmlformats.org/presentationml/2006/main">
+  <p:cSld>
+    <p:spTree>
+      <p:nvGrpSpPr>
+        <p:cNvPr id="1" name=""/>
+        <p:cNvGrpSpPr/>
+        <p:nvPr/>
+      </p:nvGrpSpPr>
+      <p:grpSpPr>
+        <a:xfrm>
+          <a:off x="0" y="0"/>
+          <a:ext cx="0" cy="0"/>
+          <a:chOff x="0" y="0"/>
+          <a:chExt cx="0" cy="0"/>
+        </a:xfrm>
+      </p:grpSpPr>
+      <p:sp>
+        <p:nvSpPr>
+          <p:cNvPr id="3" name="Content Placeholder 2"/>
+          <p:cNvSpPr>
+            <a:spLocks noGrp="1"/>
+          </p:cNvSpPr>
+          <p:nvPr>
+            <p:ph idx="1"/>
+          </p:nvPr>
+        </p:nvSpPr>
+        <p:spPr/>
+        <p:txBody>
+          <a:bodyPr>
+            <a:normAutofit/>
+          </a:bodyPr>
+          <a:lstStyle/>
+          <a:p>
+            <a:r>
+              <a:rPr lang="en-US" sz="2400" dirty="0"/>
+              <a:t>A query is created as a sequence of steps</a:t>
+            </a:r>
+          </a:p>
+          <a:p>
+            <a:pPr lvl="1"/>
+            <a:r>
+              <a:rPr lang="en-US" sz="2000" dirty="0"/>
+              <a:t>Each step is a parameterized operation on the data</a:t>
+            </a:r>
+          </a:p>
+          <a:p>
+            <a:pPr lvl="1"/>
+            <a:r>
+              <a:rPr lang="en-US" sz="2000" dirty="0"/>
+              <a:t>Each step has formula which can be viewed/edited in formula bar</a:t>
+            </a:r>
+          </a:p>
+          <a:p>
+            <a:pPr lvl="1"/>
+            <a:r>
+              <a:rPr lang="en-US" sz="2000" dirty="0"/>
+              <a:t>Query starts with Source step to extract data from a data source</a:t>
+            </a:r>
+          </a:p>
+          <a:p>
+            <a:pPr lvl="1"/>
+            <a:r>
+              <a:rPr lang="en-US" sz="2000" dirty="0"/>
+              <a:t>Additional steps added to perform transform operations on data</a:t>
+            </a:r>
+          </a:p>
+          <a:p>
+            <a:pPr lvl="1"/>
+            <a:r>
+              <a:rPr lang="en-US" sz="2000" dirty="0"/>
+              <a:t>You can replay query operations one by one by clicking on steps</a:t>
+            </a:r>
+          </a:p>
+        </p:txBody>
+      </p:sp>
+      <p:sp>
+        <p:nvSpPr>
+          <p:cNvPr id="2" name="Title 1"/>
+          <p:cNvSpPr>
+            <a:spLocks noGrp="1"/>
+          </p:cNvSpPr>
+          <p:nvPr>
+            <p:ph type="title"/>
+          </p:nvPr>
+        </p:nvSpPr>
+        <p:spPr/>
+        <p:txBody>
+          <a:bodyPr/>
+          <a:lstStyle/>
+          <a:p>
+            <a:r>
+              <a:rPr lang="en-US" dirty="0"/>
+              <a:t>Query Steps</a:t>
+            </a:r>
+          </a:p>
+        </p:txBody>
+      </p:sp>
+      <p:pic>
+        <p:nvPicPr>
+          <p:cNvPr id="4" name="Picture 3"/>
+          <p:cNvPicPr>
+            <a:picLocks noChangeAspect="1"/>
+          </p:cNvPicPr>
+          <p:nvPr/>
+        </p:nvPicPr>
+        <p:blipFill>
+          <a:blip r:embed="rId3"/>
+          <a:stretch>
+            <a:fillRect/>
+          </a:stretch>
+        </p:blipFill>
+        <p:spPr>
+          <a:xfrm>
+            <a:off x="533400" y="3842716"/>
+            <a:ext cx="6677295" cy="2827751"/>
+          </a:xfrm>
+          <a:prstGeom prst="rect">
+            <a:avLst/>
+          </a:prstGeom>
+          <a:ln>
+            <a:solidFill>
+              <a:schemeClr val="tx1"/>
+            </a:solidFill>
+          </a:ln>
+        </p:spPr>
+      </p:pic>
+      <p:grpSp>
+        <p:nvGrpSpPr>
+          <p:cNvPr id="21" name="Group 20"/>
+          <p:cNvGrpSpPr/>
+          <p:nvPr/>
+        </p:nvGrpSpPr>
+        <p:grpSpPr>
+          <a:xfrm>
+            <a:off x="1458125" y="4021853"/>
+            <a:ext cx="5519157" cy="714953"/>
+            <a:chOff x="1804291" y="3994638"/>
+            <a:chExt cx="5519157" cy="714953"/>
+          </a:xfrm>
+        </p:grpSpPr>
+        <p:sp>
+          <p:nvSpPr>
+            <p:cNvPr id="9" name="Rectangle 8"/>
+            <p:cNvSpPr/>
+            <p:nvPr/>
+          </p:nvSpPr>
+          <p:spPr>
+            <a:xfrm>
+              <a:off x="1804291" y="4572001"/>
+              <a:ext cx="3995842" cy="137590"/>
+            </a:xfrm>
+            <a:prstGeom prst="rect">
+              <a:avLst/>
+            </a:prstGeom>
+            <a:noFill/>
+            <a:ln w="28575">
+              <a:solidFill>
+                <a:srgbClr val="FF0000"/>
+              </a:solidFill>
+              <a:prstDash val="sysDot"/>
+            </a:ln>
+          </p:spPr>
+          <p:style>
+            <a:lnRef idx="2">
+              <a:schemeClr val="accent1">
+                <a:shade val="50000"/>
+              </a:schemeClr>
+            </a:lnRef>
+            <a:fillRef idx="1">
+              <a:schemeClr val="accent1"/>
+            </a:fillRef>
+            <a:effectRef idx="0">
+              <a:schemeClr val="accent1"/>
+            </a:effectRef>
+            <a:fontRef idx="minor">
+              <a:schemeClr val="lt1"/>
+            </a:fontRef>
+          </p:style>
+          <p:txBody>
+            <a:bodyPr rtlCol="0" anchor="ctr"/>
+            <a:lstStyle/>
+            <a:p>
+              <a:pPr algn="ctr"/>
+              <a:endParaRPr lang="en-US"/>
+            </a:p>
+          </p:txBody>
+        </p:sp>
+        <p:cxnSp>
+          <p:nvCxnSpPr>
+            <p:cNvPr id="12" name="Straight Arrow Connector 11"/>
+            <p:cNvCxnSpPr/>
+            <p:nvPr/>
+          </p:nvCxnSpPr>
+          <p:spPr>
+            <a:xfrm flipH="1">
+              <a:off x="5391228" y="4135315"/>
+              <a:ext cx="304800" cy="344571"/>
+            </a:xfrm>
+            <a:prstGeom prst="straightConnector1">
+              <a:avLst/>
+            </a:prstGeom>
+            <a:ln w="28575">
+              <a:solidFill>
+                <a:srgbClr val="FF0000"/>
+              </a:solidFill>
+              <a:prstDash val="sysDash"/>
+              <a:tailEnd type="triangle"/>
+            </a:ln>
+          </p:spPr>
+          <p:style>
+            <a:lnRef idx="1">
+              <a:schemeClr val="accent1"/>
+            </a:lnRef>
+            <a:fillRef idx="0">
+              <a:schemeClr val="accent1"/>
+            </a:fillRef>
+            <a:effectRef idx="0">
+              <a:schemeClr val="accent1"/>
+            </a:effectRef>
+            <a:fontRef idx="minor">
+              <a:schemeClr val="tx1"/>
+            </a:fontRef>
+          </p:style>
+        </p:cxnSp>
+        <p:sp>
+          <p:nvSpPr>
+            <p:cNvPr id="7" name="Rectangle 6"/>
+            <p:cNvSpPr/>
+            <p:nvPr/>
+          </p:nvSpPr>
+          <p:spPr>
+            <a:xfrm>
+              <a:off x="5606517" y="3994638"/>
+              <a:ext cx="1716931" cy="304800"/>
+            </a:xfrm>
+            <a:prstGeom prst="rect">
+              <a:avLst/>
+            </a:prstGeom>
+            <a:solidFill>
+              <a:schemeClr val="accent2">
+                <a:lumMod val="20000"/>
+                <a:lumOff val="80000"/>
+              </a:schemeClr>
+            </a:solidFill>
+            <a:ln w="12700">
+              <a:solidFill>
+                <a:schemeClr val="tx1"/>
+              </a:solidFill>
+            </a:ln>
+          </p:spPr>
+          <p:style>
+            <a:lnRef idx="2">
+              <a:schemeClr val="accent1">
+                <a:shade val="50000"/>
+              </a:schemeClr>
+            </a:lnRef>
+            <a:fillRef idx="1">
+              <a:schemeClr val="accent1"/>
+            </a:fillRef>
+            <a:effectRef idx="0">
+              <a:schemeClr val="accent1"/>
+            </a:effectRef>
+            <a:fontRef idx="minor">
+              <a:schemeClr val="lt1"/>
+            </a:fontRef>
+          </p:style>
+          <p:txBody>
+            <a:bodyPr rtlCol="0" anchor="ctr"/>
+            <a:lstStyle/>
+            <a:p>
+              <a:pPr algn="ctr"/>
+              <a:r>
+                <a:rPr lang="en-US" sz="1200" dirty="0">
+                  <a:solidFill>
+                    <a:schemeClr val="tx2"/>
+                  </a:solidFill>
+                </a:rPr>
+                <a:t>step formula bar</a:t>
+              </a:r>
+            </a:p>
+          </p:txBody>
+        </p:sp>
+      </p:grpSp>
+      <p:grpSp>
+        <p:nvGrpSpPr>
+          <p:cNvPr id="20" name="Group 19"/>
+          <p:cNvGrpSpPr/>
+          <p:nvPr/>
+        </p:nvGrpSpPr>
+        <p:grpSpPr>
+          <a:xfrm>
+            <a:off x="5783101" y="5584370"/>
+            <a:ext cx="3159987" cy="1104901"/>
+            <a:chOff x="5857461" y="5417946"/>
+            <a:chExt cx="3159987" cy="1104901"/>
+          </a:xfrm>
+        </p:grpSpPr>
+        <p:sp>
+          <p:nvSpPr>
+            <p:cNvPr id="8" name="Rectangle 7"/>
+            <p:cNvSpPr/>
+            <p:nvPr/>
+          </p:nvSpPr>
+          <p:spPr>
+            <a:xfrm>
+              <a:off x="7543800" y="5486400"/>
+              <a:ext cx="1473648" cy="533400"/>
+            </a:xfrm>
+            <a:prstGeom prst="rect">
+              <a:avLst/>
+            </a:prstGeom>
+            <a:solidFill>
+              <a:schemeClr val="accent2">
+                <a:lumMod val="20000"/>
+                <a:lumOff val="80000"/>
+              </a:schemeClr>
+            </a:solidFill>
+            <a:ln w="12700">
+              <a:solidFill>
+                <a:schemeClr val="tx1"/>
+              </a:solidFill>
+            </a:ln>
+          </p:spPr>
+          <p:style>
+            <a:lnRef idx="2">
+              <a:schemeClr val="accent1">
+                <a:shade val="50000"/>
+              </a:schemeClr>
+            </a:lnRef>
+            <a:fillRef idx="1">
+              <a:schemeClr val="accent1"/>
+            </a:fillRef>
+            <a:effectRef idx="0">
+              <a:schemeClr val="accent1"/>
+            </a:effectRef>
+            <a:fontRef idx="minor">
+              <a:schemeClr val="lt1"/>
+            </a:fontRef>
+          </p:style>
+          <p:txBody>
+            <a:bodyPr rtlCol="0" anchor="ctr"/>
+            <a:lstStyle/>
+            <a:p>
+              <a:pPr algn="ctr"/>
+              <a:r>
+                <a:rPr lang="en-US" sz="1200" dirty="0">
+                  <a:solidFill>
+                    <a:schemeClr val="tx2"/>
+                  </a:solidFill>
+                </a:rPr>
+                <a:t>sequential list of steps for query</a:t>
+              </a:r>
+            </a:p>
+          </p:txBody>
+        </p:sp>
+        <p:sp>
+          <p:nvSpPr>
+            <p:cNvPr id="10" name="Rectangle 9"/>
+            <p:cNvSpPr/>
+            <p:nvPr/>
+          </p:nvSpPr>
+          <p:spPr>
+            <a:xfrm>
+              <a:off x="5857461" y="5417946"/>
+              <a:ext cx="1303499" cy="1104901"/>
+            </a:xfrm>
+            <a:prstGeom prst="rect">
+              <a:avLst/>
+            </a:prstGeom>
+            <a:noFill/>
+            <a:ln w="28575">
+              <a:solidFill>
+                <a:srgbClr val="FF0000"/>
+              </a:solidFill>
+              <a:prstDash val="sysDot"/>
+            </a:ln>
+          </p:spPr>
+          <p:style>
+            <a:lnRef idx="2">
+              <a:schemeClr val="accent1">
+                <a:shade val="50000"/>
+              </a:schemeClr>
+            </a:lnRef>
+            <a:fillRef idx="1">
+              <a:schemeClr val="accent1"/>
+            </a:fillRef>
+            <a:effectRef idx="0">
+              <a:schemeClr val="accent1"/>
+            </a:effectRef>
+            <a:fontRef idx="minor">
+              <a:schemeClr val="lt1"/>
+            </a:fontRef>
+          </p:style>
+          <p:txBody>
+            <a:bodyPr rtlCol="0" anchor="ctr"/>
+            <a:lstStyle/>
+            <a:p>
+              <a:pPr algn="ctr"/>
+              <a:endParaRPr lang="en-US"/>
+            </a:p>
+          </p:txBody>
+        </p:sp>
+        <p:cxnSp>
+          <p:nvCxnSpPr>
+            <p:cNvPr id="14" name="Straight Arrow Connector 13"/>
+            <p:cNvCxnSpPr>
+              <a:stCxn id="8" idx="1"/>
+            </p:cNvCxnSpPr>
+            <p:nvPr/>
+          </p:nvCxnSpPr>
+          <p:spPr>
+            <a:xfrm flipH="1">
+              <a:off x="7088718" y="5753100"/>
+              <a:ext cx="455082" cy="61129"/>
+            </a:xfrm>
+            <a:prstGeom prst="straightConnector1">
+              <a:avLst/>
+            </a:prstGeom>
+            <a:ln w="28575">
+              <a:solidFill>
+                <a:srgbClr val="FF0000"/>
+              </a:solidFill>
+              <a:prstDash val="sysDash"/>
+              <a:tailEnd type="triangle"/>
+            </a:ln>
+          </p:spPr>
+          <p:style>
+            <a:lnRef idx="1">
+              <a:schemeClr val="accent1"/>
+            </a:lnRef>
+            <a:fillRef idx="0">
+              <a:schemeClr val="accent1"/>
+            </a:fillRef>
+            <a:effectRef idx="0">
+              <a:schemeClr val="accent1"/>
+            </a:effectRef>
+            <a:fontRef idx="minor">
+              <a:schemeClr val="tx1"/>
+            </a:fontRef>
+          </p:style>
+        </p:cxnSp>
+      </p:grpSp>
+    </p:spTree>
+    <p:extLst>
+      <p:ext uri="{BB962C8B-B14F-4D97-AF65-F5344CB8AC3E}">
+        <p14:creationId xmlns:p14="http://schemas.microsoft.com/office/powerpoint/2010/main" val="1597518111"/>
+      </p:ext>
+    </p:extLst>
+  </p:cSld>
+  <p:clrMapOvr>
+    <a:masterClrMapping/>
+  </p:clrMapOvr>
+  <p:timing>
+    <p:tnLst>
+      <p:par>
+        <p:cTn id="1" dur="indefinite" restart="never" nodeType="tmRoot">
+          <p:childTnLst>
+            <p:seq concurrent="1" nextAc="seek">
+              <p:cTn id="2" dur="indefinite" nodeType="mainSeq">
+                <p:childTnLst>
+                  <p:par>
+                    <p:cTn id="3" fill="hold">
+                      <p:stCondLst>
+                        <p:cond delay="indefinite"/>
+                      </p:stCondLst>
+                      <p:childTnLst>
+                        <p:par>
+                          <p:cTn id="4" fill="hold">
+                            <p:stCondLst>
+                              <p:cond delay="0"/>
+                            </p:stCondLst>
+                            <p:childTnLst>
+                              <p:par>
+                                <p:cTn id="5" presetID="1" presetClass="entr" presetSubtype="0" fill="hold" nodeType="clickEffect">
+                                  <p:stCondLst>
+                                    <p:cond delay="0"/>
+                                  </p:stCondLst>
+                                  <p:childTnLst>
+                                    <p:set>
+                                      <p:cBhvr>
+                                        <p:cTn id="6" dur="1" fill="hold">
+                                          <p:stCondLst>
+                                            <p:cond delay="0"/>
+                                          </p:stCondLst>
+                                        </p:cTn>
+                                        <p:tgtEl>
+                                          <p:spTgt spid="21"/>
+                                        </p:tgtEl>
+                                        <p:attrNameLst>
+                                          <p:attrName>style.visibility</p:attrName>
+                                        </p:attrNameLst>
+                                      </p:cBhvr>
+                                      <p:to>
+                                        <p:strVal val="visible"/>
+                                      </p:to>
+                                    </p:set>
+                                  </p:childTnLst>
+                                </p:cTn>
+                              </p:par>
+                            </p:childTnLst>
+                          </p:cTn>
+                        </p:par>
+                      </p:childTnLst>
+                    </p:cTn>
+                  </p:par>
+                  <p:par>
+                    <p:cTn id="7" fill="hold">
+                      <p:stCondLst>
+                        <p:cond delay="indefinite"/>
+                      </p:stCondLst>
+                      <p:childTnLst>
+                        <p:par>
+                          <p:cTn id="8" fill="hold">
+                            <p:stCondLst>
+                              <p:cond delay="0"/>
+                            </p:stCondLst>
+                            <p:childTnLst>
+                              <p:par>
+                                <p:cTn id="9" presetID="1" presetClass="entr" presetSubtype="0" fill="hold" nodeType="clickEffect">
+                                  <p:stCondLst>
+                                    <p:cond delay="0"/>
+                                  </p:stCondLst>
+                                  <p:childTnLst>
+                                    <p:set>
+                                      <p:cBhvr>
+                                        <p:cTn id="10" dur="1" fill="hold">
+                                          <p:stCondLst>
+                                            <p:cond delay="0"/>
+                                          </p:stCondLst>
+                                        </p:cTn>
+                                        <p:tgtEl>
+                                          <p:spTgt spid="20"/>
+                                        </p:tgtEl>
+                                        <p:attrNameLst>
+                                          <p:attrName>style.visibility</p:attrName>
+                                        </p:attrNameLst>
+                                      </p:cBhvr>
+                                      <p:to>
+                                        <p:strVal val="visible"/>
+                                      </p:to>
+                                    </p:set>
+                                  </p:childTnLst>
+                                </p:cTn>
+                              </p:par>
+                            </p:childTnLst>
+                          </p:cTn>
+                        </p:par>
+                      </p:childTnLst>
+                    </p:cTn>
+                  </p:par>
+                </p:childTnLst>
+              </p:cTn>
+              <p:prevCondLst>
+                <p:cond evt="onPrev" delay="0">
+                  <p:tgtEl>
+                    <p:sldTgt/>
+                  </p:tgtEl>
+                </p:cond>
+              </p:prevCondLst>
+              <p:nextCondLst>
+                <p:cond evt="onNext" delay="0">
+                  <p:tgtEl>
+                    <p:sldTgt/>
+                  </p:tgtEl>
+                </p:cond>
+              </p:nextCondLst>
+            </p:seq>
+          </p:childTnLst>
+        </p:cTn>
+      </p:par>
+    </p:tnLst>
+  </p:timing>
+</p:sld>
+</file>
+
+<file path=ppt/slides/slide32.xml><?xml version="1.0" encoding="utf-8"?>
+<p:sld xmlns:a="http://schemas.openxmlformats.org/drawingml/2006/main" xmlns:r="http://schemas.openxmlformats.org/officeDocument/2006/relationships" xmlns:p="http://schemas.openxmlformats.org/presentationml/2006/main">
+  <p:cSld>
+    <p:spTree>
+      <p:nvGrpSpPr>
+        <p:cNvPr id="1" name=""/>
+        <p:cNvGrpSpPr/>
+        <p:nvPr/>
+      </p:nvGrpSpPr>
+      <p:grpSpPr>
+        <a:xfrm>
+          <a:off x="0" y="0"/>
+          <a:ext cx="0" cy="0"/>
+          <a:chOff x="0" y="0"/>
+          <a:chExt cx="0" cy="0"/>
+        </a:xfrm>
+      </p:grpSpPr>
+      <p:sp>
+        <p:nvSpPr>
+          <p:cNvPr id="3" name="Content Placeholder 2"/>
+          <p:cNvSpPr>
+            <a:spLocks noGrp="1"/>
+          </p:cNvSpPr>
+          <p:nvPr>
+            <p:ph idx="1"/>
+          </p:nvPr>
+        </p:nvSpPr>
+        <p:spPr/>
+        <p:txBody>
+          <a:bodyPr>
+            <a:normAutofit/>
+          </a:bodyPr>
+          <a:lstStyle/>
+          <a:p>
+            <a:r>
+              <a:rPr lang="en-US" sz="2400" dirty="0"/>
+              <a:t>Power BI Desktop based on "M" functional language</a:t>
+            </a:r>
+          </a:p>
+          <a:p>
+            <a:pPr lvl="1"/>
+            <a:r>
+              <a:rPr lang="en-US" sz="2000" dirty="0"/>
+              <a:t>Query in Power BI Desktop saved as set of M statements in code</a:t>
+            </a:r>
+          </a:p>
+          <a:p>
+            <a:pPr lvl="1"/>
+            <a:r>
+              <a:rPr lang="en-US" sz="2000" dirty="0"/>
+              <a:t>Query Editor generates code in M behind the scenes</a:t>
+            </a:r>
+          </a:p>
+          <a:p>
+            <a:pPr lvl="1"/>
+            <a:r>
+              <a:rPr lang="en-US" sz="2000" dirty="0"/>
+              <a:t>Advanced users can view &amp; modify query code in Advanced Editor</a:t>
+            </a:r>
+          </a:p>
+        </p:txBody>
+      </p:sp>
+      <p:pic>
+        <p:nvPicPr>
+          <p:cNvPr id="6" name="Picture 5"/>
+          <p:cNvPicPr>
+            <a:picLocks noChangeAspect="1"/>
+          </p:cNvPicPr>
+          <p:nvPr/>
+        </p:nvPicPr>
+        <p:blipFill>
+          <a:blip r:embed="rId3"/>
+          <a:stretch>
+            <a:fillRect/>
+          </a:stretch>
+        </p:blipFill>
+        <p:spPr>
+          <a:xfrm>
+            <a:off x="1143000" y="3200400"/>
+            <a:ext cx="4562475" cy="2560135"/>
+          </a:xfrm>
+          <a:prstGeom prst="rect">
+            <a:avLst/>
+          </a:prstGeom>
+          <a:ln>
+            <a:solidFill>
+              <a:schemeClr val="bg1">
+                <a:lumMod val="50000"/>
+              </a:schemeClr>
+            </a:solidFill>
+          </a:ln>
+        </p:spPr>
+      </p:pic>
+      <p:sp>
+        <p:nvSpPr>
+          <p:cNvPr id="2" name="Title 1"/>
+          <p:cNvSpPr>
+            <a:spLocks noGrp="1"/>
+          </p:cNvSpPr>
+          <p:nvPr>
+            <p:ph type="title"/>
+          </p:nvPr>
+        </p:nvSpPr>
+        <p:spPr/>
+        <p:txBody>
+          <a:bodyPr/>
+          <a:lstStyle/>
+          <a:p>
+            <a:r>
+              <a:rPr lang="en-US"/>
+              <a:t>Advanced Editor</a:t>
+            </a:r>
+            <a:endParaRPr lang="en-US" dirty="0"/>
+          </a:p>
+        </p:txBody>
+      </p:sp>
+      <p:sp>
+        <p:nvSpPr>
+          <p:cNvPr id="8" name="Rounded Rectangle 7"/>
+          <p:cNvSpPr/>
+          <p:nvPr/>
+        </p:nvSpPr>
+        <p:spPr>
+          <a:xfrm>
+            <a:off x="1458960" y="3553090"/>
+            <a:ext cx="484548" cy="602762"/>
+          </a:xfrm>
+          <a:prstGeom prst="roundRect">
+            <a:avLst/>
+          </a:prstGeom>
+          <a:noFill/>
+          <a:ln w="38100">
+            <a:solidFill>
+              <a:srgbClr val="FF0000"/>
+            </a:solidFill>
+            <a:prstDash val="sysDot"/>
+          </a:ln>
+        </p:spPr>
+        <p:style>
+          <a:lnRef idx="2">
+            <a:schemeClr val="accent1">
+              <a:shade val="50000"/>
+            </a:schemeClr>
+          </a:lnRef>
+          <a:fillRef idx="1">
+            <a:schemeClr val="accent1"/>
+          </a:fillRef>
+          <a:effectRef idx="0">
+            <a:schemeClr val="accent1"/>
+          </a:effectRef>
+          <a:fontRef idx="minor">
+            <a:schemeClr val="lt1"/>
+          </a:fontRef>
+        </p:style>
+        <p:txBody>
+          <a:bodyPr rtlCol="0" anchor="ctr"/>
+          <a:lstStyle/>
+          <a:p>
+            <a:pPr algn="ctr"/>
+            <a:endParaRPr lang="en-US"/>
+          </a:p>
+        </p:txBody>
+      </p:sp>
+      <p:pic>
+        <p:nvPicPr>
+          <p:cNvPr id="5" name="Picture 4"/>
+          <p:cNvPicPr>
+            <a:picLocks noChangeAspect="1"/>
+          </p:cNvPicPr>
+          <p:nvPr/>
+        </p:nvPicPr>
+        <p:blipFill>
+          <a:blip r:embed="rId4"/>
+          <a:stretch>
+            <a:fillRect/>
+          </a:stretch>
+        </p:blipFill>
+        <p:spPr>
+          <a:xfrm>
+            <a:off x="2259468" y="3854471"/>
+            <a:ext cx="5981700" cy="2823362"/>
+          </a:xfrm>
+          <a:prstGeom prst="rect">
+            <a:avLst/>
+          </a:prstGeom>
+          <a:ln>
+            <a:solidFill>
+              <a:schemeClr val="bg1">
+                <a:lumMod val="50000"/>
+              </a:schemeClr>
+            </a:solidFill>
+          </a:ln>
+        </p:spPr>
+      </p:pic>
+      <p:sp>
+        <p:nvSpPr>
+          <p:cNvPr id="9" name="Freeform 8"/>
+          <p:cNvSpPr/>
+          <p:nvPr/>
+        </p:nvSpPr>
+        <p:spPr>
+          <a:xfrm>
+            <a:off x="1906708" y="3531749"/>
+            <a:ext cx="1198725" cy="624103"/>
+          </a:xfrm>
+          <a:custGeom>
+            <a:avLst/>
+            <a:gdLst>
+              <a:gd name="connsiteX0" fmla="*/ 0 w 1937406"/>
+              <a:gd name="connsiteY0" fmla="*/ 243649 h 579980"/>
+              <a:gd name="connsiteX1" fmla="*/ 714703 w 1937406"/>
+              <a:gd name="connsiteY1" fmla="*/ 12421 h 579980"/>
+              <a:gd name="connsiteX2" fmla="*/ 1937406 w 1937406"/>
+              <a:gd name="connsiteY2" fmla="*/ 579980 h 579980"/>
+            </a:gdLst>
+            <a:ahLst/>
+            <a:cxnLst>
+              <a:cxn ang="0">
+                <a:pos x="connsiteX0" y="connsiteY0"/>
+              </a:cxn>
+              <a:cxn ang="0">
+                <a:pos x="connsiteX1" y="connsiteY1"/>
+              </a:cxn>
+              <a:cxn ang="0">
+                <a:pos x="connsiteX2" y="connsiteY2"/>
+              </a:cxn>
+            </a:cxnLst>
+            <a:rect l="l" t="t" r="r" b="b"/>
+            <a:pathLst>
+              <a:path w="1937406" h="579980">
+                <a:moveTo>
+                  <a:pt x="0" y="243649"/>
+                </a:moveTo>
+                <a:cubicBezTo>
+                  <a:pt x="195901" y="100007"/>
+                  <a:pt x="391802" y="-43634"/>
+                  <a:pt x="714703" y="12421"/>
+                </a:cubicBezTo>
+                <a:cubicBezTo>
+                  <a:pt x="1037604" y="68476"/>
+                  <a:pt x="1487505" y="324228"/>
+                  <a:pt x="1937406" y="579980"/>
+                </a:cubicBezTo>
+              </a:path>
+            </a:pathLst>
+          </a:custGeom>
+          <a:noFill/>
+          <a:ln w="38100">
+            <a:solidFill>
+              <a:srgbClr val="FF0000"/>
+            </a:solidFill>
+            <a:prstDash val="sysDot"/>
+            <a:headEnd type="none" w="med" len="med"/>
+            <a:tailEnd type="triangle" w="med" len="med"/>
+          </a:ln>
+        </p:spPr>
+        <p:style>
+          <a:lnRef idx="2">
+            <a:schemeClr val="accent1">
+              <a:shade val="50000"/>
+            </a:schemeClr>
+          </a:lnRef>
+          <a:fillRef idx="1">
+            <a:schemeClr val="accent1"/>
+          </a:fillRef>
+          <a:effectRef idx="0">
+            <a:schemeClr val="accent1"/>
+          </a:effectRef>
+          <a:fontRef idx="minor">
+            <a:schemeClr val="lt1"/>
+          </a:fontRef>
+        </p:style>
+        <p:txBody>
+          <a:bodyPr rtlCol="0" anchor="ctr"/>
+          <a:lstStyle/>
+          <a:p>
+            <a:pPr algn="ctr"/>
+            <a:endParaRPr lang="en-US"/>
+          </a:p>
+        </p:txBody>
+      </p:sp>
+    </p:spTree>
+    <p:extLst>
+      <p:ext uri="{BB962C8B-B14F-4D97-AF65-F5344CB8AC3E}">
+        <p14:creationId xmlns:p14="http://schemas.microsoft.com/office/powerpoint/2010/main" val="2763818806"/>
+      </p:ext>
+    </p:extLst>
+  </p:cSld>
+  <p:clrMapOvr>
+    <a:masterClrMapping/>
+  </p:clrMapOvr>
+</p:sld>
+</file>
+
+<file path=ppt/slides/slide33.xml><?xml version="1.0" encoding="utf-8"?>
+<p:sld xmlns:a="http://schemas.openxmlformats.org/drawingml/2006/main" xmlns:r="http://schemas.openxmlformats.org/officeDocument/2006/relationships" xmlns:p="http://schemas.openxmlformats.org/presentationml/2006/main">
+  <p:cSld>
+    <p:spTree>
+      <p:nvGrpSpPr>
+        <p:cNvPr id="1" name=""/>
+        <p:cNvGrpSpPr/>
+        <p:nvPr/>
+      </p:nvGrpSpPr>
+      <p:grpSpPr>
+        <a:xfrm>
+          <a:off x="0" y="0"/>
+          <a:ext cx="0" cy="0"/>
+          <a:chOff x="0" y="0"/>
+          <a:chExt cx="0" cy="0"/>
+        </a:xfrm>
+      </p:grpSpPr>
+      <p:sp>
+        <p:nvSpPr>
+          <p:cNvPr id="2" name="Title 1"/>
+          <p:cNvSpPr>
+            <a:spLocks noGrp="1"/>
+          </p:cNvSpPr>
+          <p:nvPr>
+            <p:ph type="title"/>
+          </p:nvPr>
+        </p:nvSpPr>
+        <p:spPr/>
+        <p:txBody>
+          <a:bodyPr/>
+          <a:lstStyle/>
+          <a:p>
+            <a:r>
+              <a:rPr lang="en-US" dirty="0"/>
+              <a:t>Data Modeling with Power BI Desktop</a:t>
+            </a:r>
+          </a:p>
+        </p:txBody>
+      </p:sp>
+      <p:sp>
+        <p:nvSpPr>
+          <p:cNvPr id="3" name="Content Placeholder 2"/>
+          <p:cNvSpPr>
+            <a:spLocks noGrp="1"/>
+          </p:cNvSpPr>
+          <p:nvPr>
+            <p:ph idx="1"/>
+          </p:nvPr>
+        </p:nvSpPr>
+        <p:spPr/>
+        <p:txBody>
+          <a:bodyPr/>
+          <a:lstStyle/>
+          <a:p>
+            <a:r>
+              <a:rPr lang="en-US" dirty="0"/>
+              <a:t>Steps to create a data model with Power Pivot</a:t>
+            </a:r>
+          </a:p>
+          <a:p>
+            <a:pPr lvl="1"/>
+            <a:r>
+              <a:rPr lang="en-US" dirty="0"/>
+              <a:t>Create relationships between tables</a:t>
+            </a:r>
+          </a:p>
+          <a:p>
+            <a:pPr lvl="1"/>
+            <a:r>
+              <a:rPr lang="en-US" dirty="0"/>
+              <a:t>Modify columns </a:t>
+            </a:r>
+            <a:r>
+              <a:rPr lang="en-US" sz="2000" dirty="0"/>
+              <a:t>(rename, set formatting, convert type)</a:t>
+            </a:r>
+            <a:endParaRPr lang="en-US" dirty="0"/>
+          </a:p>
+          <a:p>
+            <a:pPr lvl="1"/>
+            <a:r>
+              <a:rPr lang="en-US" dirty="0"/>
+              <a:t>Create calculated columns</a:t>
+            </a:r>
+          </a:p>
+          <a:p>
+            <a:pPr lvl="1"/>
+            <a:r>
+              <a:rPr lang="en-US" dirty="0"/>
+              <a:t>Create measures</a:t>
+            </a:r>
+          </a:p>
+          <a:p>
+            <a:pPr lvl="1"/>
+            <a:r>
+              <a:rPr lang="en-US" dirty="0"/>
+              <a:t>Add column metadata</a:t>
+            </a:r>
+          </a:p>
+          <a:p>
+            <a:pPr lvl="1"/>
+            <a:r>
+              <a:rPr lang="en-US" dirty="0"/>
+              <a:t>Create dimensional hierarchies</a:t>
+            </a:r>
+          </a:p>
+          <a:p>
+            <a:pPr lvl="1"/>
+            <a:r>
+              <a:rPr lang="en-US" dirty="0"/>
+              <a:t>Add Calendar table(s)</a:t>
+            </a:r>
+          </a:p>
+        </p:txBody>
+      </p:sp>
+    </p:spTree>
+    <p:extLst>
+      <p:ext uri="{BB962C8B-B14F-4D97-AF65-F5344CB8AC3E}">
+        <p14:creationId xmlns:p14="http://schemas.microsoft.com/office/powerpoint/2010/main" val="4151299431"/>
+      </p:ext>
+    </p:extLst>
+  </p:cSld>
+  <p:clrMapOvr>
+    <a:masterClrMapping/>
+  </p:clrMapOvr>
+</p:sld>
+</file>
+
+<file path=ppt/slides/slide34.xml><?xml version="1.0" encoding="utf-8"?>
+<p:sld xmlns:a="http://schemas.openxmlformats.org/drawingml/2006/main" xmlns:r="http://schemas.openxmlformats.org/officeDocument/2006/relationships" xmlns:p="http://schemas.openxmlformats.org/presentationml/2006/main">
+  <p:cSld>
+    <p:spTree>
+      <p:nvGrpSpPr>
+        <p:cNvPr id="1" name=""/>
+        <p:cNvGrpSpPr/>
+        <p:nvPr/>
+      </p:nvGrpSpPr>
+      <p:grpSpPr>
+        <a:xfrm>
+          <a:off x="0" y="0"/>
+          <a:ext cx="0" cy="0"/>
+          <a:chOff x="0" y="0"/>
+          <a:chExt cx="0" cy="0"/>
+        </a:xfrm>
+      </p:grpSpPr>
+      <p:sp>
+        <p:nvSpPr>
+          <p:cNvPr id="2" name="Title 1"/>
+          <p:cNvSpPr>
+            <a:spLocks noGrp="1"/>
+          </p:cNvSpPr>
+          <p:nvPr>
+            <p:ph type="title"/>
+          </p:nvPr>
+        </p:nvSpPr>
+        <p:spPr/>
+        <p:txBody>
+          <a:bodyPr/>
+          <a:lstStyle/>
+          <a:p>
+            <a:r>
+              <a:rPr lang="en-US" dirty="0"/>
+              <a:t>Agenda</a:t>
+            </a:r>
+          </a:p>
+        </p:txBody>
+      </p:sp>
+      <p:sp>
+        <p:nvSpPr>
+          <p:cNvPr id="3" name="Content Placeholder 2"/>
+          <p:cNvSpPr>
+            <a:spLocks noGrp="1"/>
+          </p:cNvSpPr>
+          <p:nvPr>
+            <p:ph idx="1"/>
+          </p:nvPr>
+        </p:nvSpPr>
+        <p:spPr>
+          <a:xfrm>
+            <a:off x="381000" y="1371600"/>
+            <a:ext cx="8382000" cy="5181600"/>
+          </a:xfrm>
+        </p:spPr>
+        <p:txBody>
+          <a:bodyPr>
+            <a:normAutofit/>
+          </a:bodyPr>
+          <a:lstStyle/>
+          <a:p>
+            <a:pPr>
+              <a:buFont typeface="Wingdings" panose="05000000000000000000" pitchFamily="2" charset="2"/>
+              <a:buChar char="ü"/>
+            </a:pPr>
+            <a:r>
+              <a:rPr lang="en-US" dirty="0"/>
+              <a:t>Developer Introduction to the Power BI Platform</a:t>
+            </a:r>
+          </a:p>
+          <a:p>
+            <a:pPr>
+              <a:buFont typeface="Wingdings" panose="05000000000000000000" pitchFamily="2" charset="2"/>
+              <a:buChar char="ü"/>
+            </a:pPr>
+            <a:r>
+              <a:rPr lang="en-US" dirty="0"/>
+              <a:t>Developer Opportunities in Power BI</a:t>
+            </a:r>
+          </a:p>
+          <a:p>
+            <a:pPr>
+              <a:buFont typeface="Wingdings" panose="05000000000000000000" pitchFamily="2" charset="2"/>
+              <a:buChar char="ü"/>
+            </a:pPr>
+            <a:r>
+              <a:rPr lang="en-US" dirty="0"/>
+              <a:t>Creating PBIX Projects with Power BI Desktop</a:t>
+            </a:r>
+          </a:p>
+          <a:p>
+            <a:pPr>
+              <a:buFont typeface="Wingdings" panose="05000000000000000000" pitchFamily="2" charset="2"/>
+              <a:buChar char="Ø"/>
+            </a:pPr>
+            <a:r>
+              <a:rPr lang="en-US" dirty="0"/>
+              <a:t>Getting Up and Running with App Workspaces</a:t>
+            </a:r>
+          </a:p>
+        </p:txBody>
+      </p:sp>
+    </p:spTree>
+    <p:extLst>
+      <p:ext uri="{BB962C8B-B14F-4D97-AF65-F5344CB8AC3E}">
+        <p14:creationId xmlns:p14="http://schemas.microsoft.com/office/powerpoint/2010/main" val="454494643"/>
+      </p:ext>
+    </p:extLst>
+  </p:cSld>
+  <p:clrMapOvr>
+    <a:masterClrMapping/>
+  </p:clrMapOvr>
+</p:sld>
+</file>
+
+<file path=ppt/slides/slide35.xml><?xml version="1.0" encoding="utf-8"?>
+<p:sld xmlns:a="http://schemas.openxmlformats.org/drawingml/2006/main" xmlns:r="http://schemas.openxmlformats.org/officeDocument/2006/relationships" xmlns:p="http://schemas.openxmlformats.org/presentationml/2006/main">
+  <p:cSld>
+    <p:spTree>
+      <p:nvGrpSpPr>
+        <p:cNvPr id="1" name=""/>
+        <p:cNvGrpSpPr/>
+        <p:nvPr/>
+      </p:nvGrpSpPr>
+      <p:grpSpPr>
+        <a:xfrm>
+          <a:off x="0" y="0"/>
+          <a:ext cx="0" cy="0"/>
+          <a:chOff x="0" y="0"/>
+          <a:chExt cx="0" cy="0"/>
+        </a:xfrm>
+      </p:grpSpPr>
+      <p:sp>
+        <p:nvSpPr>
+          <p:cNvPr id="2" name="Title 1"/>
+          <p:cNvSpPr>
+            <a:spLocks noGrp="1"/>
+          </p:cNvSpPr>
+          <p:nvPr>
+            <p:ph type="title"/>
+          </p:nvPr>
+        </p:nvSpPr>
+        <p:spPr/>
+        <p:txBody>
+          <a:bodyPr/>
+          <a:lstStyle/>
+          <a:p>
+            <a:r>
+              <a:rPr lang="en-US" dirty="0"/>
+              <a:t>Understanding App Workspaces</a:t>
+            </a:r>
+          </a:p>
+        </p:txBody>
+      </p:sp>
+      <p:sp>
+        <p:nvSpPr>
+          <p:cNvPr id="3" name="Content Placeholder 2"/>
+          <p:cNvSpPr>
+            <a:spLocks noGrp="1"/>
+          </p:cNvSpPr>
+          <p:nvPr>
+            <p:ph idx="1"/>
+          </p:nvPr>
+        </p:nvSpPr>
+        <p:spPr/>
+        <p:txBody>
+          <a:bodyPr>
+            <a:normAutofit/>
+          </a:bodyPr>
+          <a:lstStyle/>
+          <a:p>
+            <a:r>
+              <a:rPr lang="en-US" sz="2400" dirty="0"/>
+              <a:t>App workspaces required for team-based development</a:t>
+            </a:r>
+          </a:p>
+          <a:p>
+            <a:pPr lvl="1"/>
+            <a:r>
+              <a:rPr lang="en-US" sz="2000" dirty="0"/>
+              <a:t>Assets in personal workspaces can only be edited by one person</a:t>
+            </a:r>
+          </a:p>
+          <a:p>
+            <a:pPr lvl="1"/>
+            <a:r>
+              <a:rPr lang="en-US" sz="2000" dirty="0"/>
+              <a:t>Assets in app workspace can be edited by team members</a:t>
+            </a:r>
+          </a:p>
+          <a:p>
+            <a:r>
+              <a:rPr lang="en-US" sz="2400" dirty="0"/>
+              <a:t>App workspaces provide secure, updatable deployment</a:t>
+            </a:r>
+          </a:p>
+          <a:p>
+            <a:pPr lvl="1"/>
+            <a:r>
+              <a:rPr lang="en-US" sz="2000" dirty="0"/>
+              <a:t>App workspace can be secured using private membership</a:t>
+            </a:r>
+          </a:p>
+        </p:txBody>
+      </p:sp>
+    </p:spTree>
+    <p:extLst>
+      <p:ext uri="{BB962C8B-B14F-4D97-AF65-F5344CB8AC3E}">
+        <p14:creationId xmlns:p14="http://schemas.microsoft.com/office/powerpoint/2010/main" val="2402575837"/>
+      </p:ext>
+    </p:extLst>
+  </p:cSld>
+  <p:clrMapOvr>
+    <a:masterClrMapping/>
+  </p:clrMapOvr>
+</p:sld>
+</file>
+
+<file path=ppt/slides/slide36.xml><?xml version="1.0" encoding="utf-8"?>
+<p:sld xmlns:a="http://schemas.openxmlformats.org/drawingml/2006/main" xmlns:r="http://schemas.openxmlformats.org/officeDocument/2006/relationships" xmlns:p="http://schemas.openxmlformats.org/presentationml/2006/main">
+  <p:cSld>
+    <p:spTree>
+      <p:nvGrpSpPr>
+        <p:cNvPr id="1" name=""/>
+        <p:cNvGrpSpPr/>
+        <p:nvPr/>
+      </p:nvGrpSpPr>
+      <p:grpSpPr>
+        <a:xfrm>
+          <a:off x="0" y="0"/>
+          <a:ext cx="0" cy="0"/>
+          <a:chOff x="0" y="0"/>
+          <a:chExt cx="0" cy="0"/>
+        </a:xfrm>
+      </p:grpSpPr>
+      <p:sp>
+        <p:nvSpPr>
+          <p:cNvPr id="2" name="Title 1"/>
+          <p:cNvSpPr>
+            <a:spLocks noGrp="1"/>
+          </p:cNvSpPr>
+          <p:nvPr>
+            <p:ph type="title"/>
+          </p:nvPr>
+        </p:nvSpPr>
+        <p:spPr/>
+        <p:txBody>
+          <a:bodyPr/>
+          <a:lstStyle/>
+          <a:p>
+            <a:r>
+              <a:rPr lang="en-US" dirty="0"/>
+              <a:t>Using an App Workspace to Design and Publish a Power BI App</a:t>
+            </a:r>
+          </a:p>
+        </p:txBody>
+      </p:sp>
+    </p:spTree>
+    <p:extLst>
+      <p:ext uri="{BB962C8B-B14F-4D97-AF65-F5344CB8AC3E}">
+        <p14:creationId xmlns:p14="http://schemas.microsoft.com/office/powerpoint/2010/main" val="3743426297"/>
+      </p:ext>
+    </p:extLst>
+  </p:cSld>
+  <p:clrMapOvr>
+    <a:masterClrMapping/>
+  </p:clrMapOvr>
+</p:sld>
+</file>
+
+<file path=ppt/slides/slide37.xml><?xml version="1.0" encoding="utf-8"?>
+<p:sld xmlns:a="http://schemas.openxmlformats.org/drawingml/2006/main" xmlns:r="http://schemas.openxmlformats.org/officeDocument/2006/relationships" xmlns:p="http://schemas.openxmlformats.org/presentationml/2006/main">
+  <p:cSld>
+    <p:spTree>
+      <p:nvGrpSpPr>
+        <p:cNvPr id="1" name=""/>
+        <p:cNvGrpSpPr/>
+        <p:nvPr/>
+      </p:nvGrpSpPr>
+      <p:grpSpPr>
+        <a:xfrm>
+          <a:off x="0" y="0"/>
+          <a:ext cx="0" cy="0"/>
+          <a:chOff x="0" y="0"/>
+          <a:chExt cx="0" cy="0"/>
+        </a:xfrm>
+      </p:grpSpPr>
+      <p:sp>
+        <p:nvSpPr>
+          <p:cNvPr id="2" name="Title 1"/>
+          <p:cNvSpPr>
+            <a:spLocks noGrp="1"/>
+          </p:cNvSpPr>
+          <p:nvPr>
+            <p:ph type="title"/>
+          </p:nvPr>
+        </p:nvSpPr>
+        <p:spPr/>
+        <p:txBody>
+          <a:bodyPr/>
+          <a:lstStyle/>
+          <a:p>
+            <a:r>
+              <a:rPr lang="en-US" dirty="0"/>
+              <a:t>Publish to Web</a:t>
+            </a:r>
+          </a:p>
+        </p:txBody>
+      </p:sp>
+      <p:sp>
+        <p:nvSpPr>
+          <p:cNvPr id="7" name="Content Placeholder 6"/>
+          <p:cNvSpPr>
+            <a:spLocks noGrp="1"/>
+          </p:cNvSpPr>
+          <p:nvPr>
+            <p:ph idx="1"/>
+          </p:nvPr>
+        </p:nvSpPr>
+        <p:spPr/>
+        <p:txBody>
+          <a:bodyPr>
+            <a:normAutofit/>
+          </a:bodyPr>
+          <a:lstStyle/>
+          <a:p>
+            <a:r>
+              <a:rPr lang="en-US" sz="2400" b="1" dirty="0"/>
+              <a:t>Publish to Web </a:t>
+            </a:r>
+            <a:r>
+              <a:rPr lang="en-US" sz="2400" dirty="0"/>
+              <a:t>command available on reports</a:t>
+            </a:r>
+          </a:p>
+          <a:p>
+            <a:pPr lvl="1"/>
+            <a:r>
+              <a:rPr lang="en-US" sz="2000" dirty="0"/>
+              <a:t>Not supported for reports and datasets which implement RLS</a:t>
+            </a:r>
+          </a:p>
+          <a:p>
+            <a:pPr lvl="1"/>
+            <a:endParaRPr lang="en-US" sz="2000" dirty="0"/>
+          </a:p>
+          <a:p>
+            <a:pPr lvl="1"/>
+            <a:endParaRPr lang="en-US" sz="2000" dirty="0"/>
+          </a:p>
+          <a:p>
+            <a:pPr lvl="1"/>
+            <a:endParaRPr lang="en-US" sz="2000" dirty="0"/>
+          </a:p>
+          <a:p>
+            <a:pPr lvl="1"/>
+            <a:endParaRPr lang="en-US" sz="2000" dirty="0"/>
+          </a:p>
+          <a:p>
+            <a:pPr lvl="1"/>
+            <a:endParaRPr lang="en-US" sz="2000" dirty="0"/>
+          </a:p>
+          <a:p>
+            <a:pPr lvl="1"/>
+            <a:r>
+              <a:rPr lang="en-US" sz="2000" b="1" dirty="0"/>
+              <a:t>Publish to Web</a:t>
+            </a:r>
+            <a:r>
+              <a:rPr lang="en-US" sz="2000" dirty="0"/>
+              <a:t> command used to generate embed codes</a:t>
+            </a:r>
+          </a:p>
+        </p:txBody>
+      </p:sp>
+      <p:pic>
+        <p:nvPicPr>
+          <p:cNvPr id="3" name="Picture 2"/>
+          <p:cNvPicPr>
+            <a:picLocks noChangeAspect="1"/>
+          </p:cNvPicPr>
+          <p:nvPr/>
+        </p:nvPicPr>
+        <p:blipFill>
+          <a:blip r:embed="rId2"/>
+          <a:stretch>
+            <a:fillRect/>
+          </a:stretch>
+        </p:blipFill>
+        <p:spPr>
+          <a:xfrm>
+            <a:off x="1178751" y="2401241"/>
+            <a:ext cx="3933825" cy="1617526"/>
+          </a:xfrm>
+          <a:prstGeom prst="rect">
+            <a:avLst/>
+          </a:prstGeom>
+          <a:ln w="28575">
+            <a:solidFill>
+              <a:schemeClr val="tx1"/>
+            </a:solidFill>
+          </a:ln>
+        </p:spPr>
+      </p:pic>
+      <p:pic>
+        <p:nvPicPr>
+          <p:cNvPr id="4" name="Picture 3"/>
+          <p:cNvPicPr>
+            <a:picLocks noChangeAspect="1"/>
+          </p:cNvPicPr>
+          <p:nvPr/>
+        </p:nvPicPr>
+        <p:blipFill>
+          <a:blip r:embed="rId3"/>
+          <a:stretch>
+            <a:fillRect/>
+          </a:stretch>
+        </p:blipFill>
+        <p:spPr>
+          <a:xfrm>
+            <a:off x="1178751" y="4648200"/>
+            <a:ext cx="4038600" cy="1837790"/>
+          </a:xfrm>
+          <a:prstGeom prst="rect">
+            <a:avLst/>
+          </a:prstGeom>
+          <a:ln>
+            <a:solidFill>
+              <a:schemeClr val="tx1"/>
+            </a:solidFill>
+          </a:ln>
+        </p:spPr>
+      </p:pic>
+    </p:spTree>
+    <p:extLst>
+      <p:ext uri="{BB962C8B-B14F-4D97-AF65-F5344CB8AC3E}">
+        <p14:creationId xmlns:p14="http://schemas.microsoft.com/office/powerpoint/2010/main" val="3718234267"/>
+      </p:ext>
+    </p:extLst>
+  </p:cSld>
+  <p:clrMapOvr>
+    <a:masterClrMapping/>
+  </p:clrMapOvr>
+</p:sld>
+</file>
+
+<file path=ppt/slides/slide38.xml><?xml version="1.0" encoding="utf-8"?>
+<p:sld xmlns:a="http://schemas.openxmlformats.org/drawingml/2006/main" xmlns:r="http://schemas.openxmlformats.org/officeDocument/2006/relationships" xmlns:p="http://schemas.openxmlformats.org/presentationml/2006/main">
+  <p:cSld>
+    <p:spTree>
+      <p:nvGrpSpPr>
+        <p:cNvPr id="1" name=""/>
+        <p:cNvGrpSpPr/>
+        <p:nvPr/>
+      </p:nvGrpSpPr>
+      <p:grpSpPr>
+        <a:xfrm>
+          <a:off x="0" y="0"/>
+          <a:ext cx="0" cy="0"/>
+          <a:chOff x="0" y="0"/>
+          <a:chExt cx="0" cy="0"/>
+        </a:xfrm>
+      </p:grpSpPr>
+      <p:sp>
+        <p:nvSpPr>
+          <p:cNvPr id="2" name="Title 1"/>
+          <p:cNvSpPr>
+            <a:spLocks noGrp="1"/>
+          </p:cNvSpPr>
+          <p:nvPr>
+            <p:ph type="title"/>
+          </p:nvPr>
+        </p:nvSpPr>
+        <p:spPr/>
+        <p:txBody>
+          <a:bodyPr/>
+          <a:lstStyle/>
+          <a:p>
+            <a:r>
+              <a:rPr lang="en-US" dirty="0"/>
+              <a:t>Generating Embed Codes</a:t>
+            </a:r>
+          </a:p>
+        </p:txBody>
+      </p:sp>
+      <p:sp>
+        <p:nvSpPr>
+          <p:cNvPr id="3" name="Content Placeholder 2"/>
+          <p:cNvSpPr>
+            <a:spLocks noGrp="1"/>
+          </p:cNvSpPr>
+          <p:nvPr>
+            <p:ph idx="1"/>
+          </p:nvPr>
+        </p:nvSpPr>
+        <p:spPr>
+          <a:xfrm>
+            <a:off x="304800" y="1219200"/>
+            <a:ext cx="8382000" cy="5181600"/>
+          </a:xfrm>
+        </p:spPr>
+        <p:txBody>
+          <a:bodyPr>
+            <a:normAutofit/>
+          </a:bodyPr>
+          <a:lstStyle/>
+          <a:p>
+            <a:r>
+              <a:rPr lang="en-US" sz="2400" dirty="0"/>
+              <a:t>Used to provide anonymous access to report</a:t>
+            </a:r>
+          </a:p>
+          <a:p>
+            <a:pPr lvl="1"/>
+            <a:r>
+              <a:rPr lang="en-US" sz="2000" dirty="0"/>
+              <a:t>Provide link which can be posted, emailed or texted</a:t>
+            </a:r>
+          </a:p>
+          <a:p>
+            <a:pPr lvl="1"/>
+            <a:r>
+              <a:rPr lang="en-US" sz="2000" dirty="0"/>
+              <a:t>Provides </a:t>
+            </a:r>
+            <a:r>
+              <a:rPr lang="en-US" sz="1600" b="1" dirty="0" err="1">
+                <a:solidFill>
+                  <a:srgbClr val="74001E"/>
+                </a:solidFill>
+              </a:rPr>
+              <a:t>iFrame</a:t>
+            </a:r>
+            <a:r>
+              <a:rPr lang="en-US" sz="2000" dirty="0"/>
+              <a:t> HTML element for embedding in public web site</a:t>
+            </a:r>
+          </a:p>
+          <a:p>
+            <a:pPr lvl="1"/>
+            <a:endParaRPr lang="en-US" sz="2000" dirty="0"/>
+          </a:p>
+        </p:txBody>
+      </p:sp>
+      <p:pic>
+        <p:nvPicPr>
+          <p:cNvPr id="4" name="Picture 3"/>
+          <p:cNvPicPr>
+            <a:picLocks noChangeAspect="1"/>
+          </p:cNvPicPr>
+          <p:nvPr/>
+        </p:nvPicPr>
+        <p:blipFill>
+          <a:blip r:embed="rId2"/>
+          <a:stretch>
+            <a:fillRect/>
+          </a:stretch>
+        </p:blipFill>
+        <p:spPr>
+          <a:xfrm>
+            <a:off x="502607" y="2653641"/>
+            <a:ext cx="3944655" cy="2676469"/>
+          </a:xfrm>
+          <a:prstGeom prst="rect">
+            <a:avLst/>
+          </a:prstGeom>
+          <a:ln>
+            <a:solidFill>
+              <a:schemeClr val="bg1">
+                <a:lumMod val="50000"/>
+              </a:schemeClr>
+            </a:solidFill>
+          </a:ln>
+        </p:spPr>
+      </p:pic>
+      <p:pic>
+        <p:nvPicPr>
+          <p:cNvPr id="6" name="Picture 5"/>
+          <p:cNvPicPr>
+            <a:picLocks noChangeAspect="1"/>
+          </p:cNvPicPr>
+          <p:nvPr/>
+        </p:nvPicPr>
+        <p:blipFill>
+          <a:blip r:embed="rId3"/>
+          <a:stretch>
+            <a:fillRect/>
+          </a:stretch>
+        </p:blipFill>
+        <p:spPr>
+          <a:xfrm>
+            <a:off x="4876800" y="2653641"/>
+            <a:ext cx="4191000" cy="4128159"/>
+          </a:xfrm>
+          <a:prstGeom prst="rect">
+            <a:avLst/>
+          </a:prstGeom>
+          <a:ln>
+            <a:solidFill>
+              <a:schemeClr val="bg1">
+                <a:lumMod val="50000"/>
+              </a:schemeClr>
+            </a:solidFill>
+          </a:ln>
+        </p:spPr>
+      </p:pic>
+      <p:cxnSp>
+        <p:nvCxnSpPr>
+          <p:cNvPr id="8" name="Straight Arrow Connector 7"/>
+          <p:cNvCxnSpPr/>
+          <p:nvPr/>
+        </p:nvCxnSpPr>
+        <p:spPr>
+          <a:xfrm>
+            <a:off x="4267200" y="4191000"/>
+            <a:ext cx="1447800" cy="457200"/>
+          </a:xfrm>
+          <a:prstGeom prst="straightConnector1">
+            <a:avLst/>
+          </a:prstGeom>
+          <a:ln w="38100">
+            <a:solidFill>
+              <a:srgbClr val="FF0000"/>
+            </a:solidFill>
+            <a:prstDash val="sysDot"/>
+            <a:tailEnd type="triangle"/>
+          </a:ln>
+        </p:spPr>
+        <p:style>
+          <a:lnRef idx="1">
+            <a:schemeClr val="accent1"/>
+          </a:lnRef>
+          <a:fillRef idx="0">
+            <a:schemeClr val="accent1"/>
+          </a:fillRef>
+          <a:effectRef idx="0">
+            <a:schemeClr val="accent1"/>
+          </a:effectRef>
+          <a:fontRef idx="minor">
+            <a:schemeClr val="tx1"/>
+          </a:fontRef>
+        </p:style>
+      </p:cxnSp>
+    </p:spTree>
+    <p:extLst>
+      <p:ext uri="{BB962C8B-B14F-4D97-AF65-F5344CB8AC3E}">
+        <p14:creationId xmlns:p14="http://schemas.microsoft.com/office/powerpoint/2010/main" val="4045590646"/>
+      </p:ext>
+    </p:extLst>
+  </p:cSld>
+  <p:clrMapOvr>
+    <a:masterClrMapping/>
+  </p:clrMapOvr>
+</p:sld>
+</file>
+
+<file path=ppt/slides/slide39.xml><?xml version="1.0" encoding="utf-8"?>
+<p:sld xmlns:a="http://schemas.openxmlformats.org/drawingml/2006/main" xmlns:r="http://schemas.openxmlformats.org/officeDocument/2006/relationships" xmlns:p="http://schemas.openxmlformats.org/presentationml/2006/main">
+  <p:cSld>
+    <p:spTree>
+      <p:nvGrpSpPr>
+        <p:cNvPr id="1" name=""/>
+        <p:cNvGrpSpPr/>
+        <p:nvPr/>
+      </p:nvGrpSpPr>
+      <p:grpSpPr>
+        <a:xfrm>
+          <a:off x="0" y="0"/>
+          <a:ext cx="0" cy="0"/>
+          <a:chOff x="0" y="0"/>
+          <a:chExt cx="0" cy="0"/>
+        </a:xfrm>
+      </p:grpSpPr>
+      <p:sp>
+        <p:nvSpPr>
+          <p:cNvPr id="2" name="Title 1"/>
+          <p:cNvSpPr>
+            <a:spLocks noGrp="1"/>
+          </p:cNvSpPr>
+          <p:nvPr>
+            <p:ph type="title"/>
+          </p:nvPr>
+        </p:nvSpPr>
+        <p:spPr/>
+        <p:txBody>
+          <a:bodyPr/>
+          <a:lstStyle/>
+          <a:p>
+            <a:r>
+              <a:rPr lang="en-US" dirty="0"/>
+              <a:t>Embedding a Report in a Web </a:t>
+            </a:r>
+            <a:r>
+              <a:rPr lang="en-US" dirty="0" err="1"/>
+              <a:t>Appp</a:t>
+            </a:r>
+            <a:r>
+              <a:rPr lang="en-US" dirty="0"/>
+              <a:t> using the Publish to Web Feature</a:t>
+            </a:r>
+          </a:p>
+        </p:txBody>
+      </p:sp>
+    </p:spTree>
+    <p:extLst>
+      <p:ext uri="{BB962C8B-B14F-4D97-AF65-F5344CB8AC3E}">
+        <p14:creationId xmlns:p14="http://schemas.microsoft.com/office/powerpoint/2010/main" val="3098956696"/>
+      </p:ext>
+    </p:extLst>
+  </p:cSld>
+  <p:clrMapOvr>
+    <a:masterClrMapping/>
+  </p:clrMapOvr>
+</p:sld>
+</file>
+
+<file path=ppt/slides/slide4.xml><?xml version="1.0" encoding="utf-8"?>
+<p:sld xmlns:a="http://schemas.openxmlformats.org/drawingml/2006/main" xmlns:r="http://schemas.openxmlformats.org/officeDocument/2006/relationships" xmlns:p="http://schemas.openxmlformats.org/presentationml/2006/main">
+  <p:cSld>
+    <p:spTree>
+      <p:nvGrpSpPr>
+        <p:cNvPr id="1" name=""/>
+        <p:cNvGrpSpPr/>
+        <p:nvPr/>
+      </p:nvGrpSpPr>
+      <p:grpSpPr>
+        <a:xfrm>
+          <a:off x="0" y="0"/>
+          <a:ext cx="0" cy="0"/>
+          <a:chOff x="0" y="0"/>
+          <a:chExt cx="0" cy="0"/>
+        </a:xfrm>
+      </p:grpSpPr>
+      <p:sp>
+        <p:nvSpPr>
+          <p:cNvPr id="2" name="Title 1"/>
+          <p:cNvSpPr>
+            <a:spLocks noGrp="1"/>
+          </p:cNvSpPr>
+          <p:nvPr>
+            <p:ph type="title"/>
+          </p:nvPr>
+        </p:nvSpPr>
+        <p:spPr/>
+        <p:txBody>
+          <a:bodyPr/>
+          <a:lstStyle/>
+          <a:p>
+            <a:r>
+              <a:rPr lang="en-US" dirty="0"/>
+              <a:t>Attendee Workshop Materials</a:t>
+            </a:r>
+          </a:p>
+        </p:txBody>
+      </p:sp>
+      <p:sp>
+        <p:nvSpPr>
+          <p:cNvPr id="3" name="Content Placeholder 2"/>
+          <p:cNvSpPr>
+            <a:spLocks noGrp="1"/>
+          </p:cNvSpPr>
+          <p:nvPr>
+            <p:ph idx="1"/>
+          </p:nvPr>
+        </p:nvSpPr>
+        <p:spPr/>
+        <p:txBody>
           <a:bodyPr/>
           <a:lstStyle/>
           <a:p>
@@ -9651,7 +12766,6 @@
               <a:rPr lang="en-US" dirty="0"/>
               <a:t> </a:t>
             </a:r>
-            <a:endParaRPr lang="en-US" dirty="0"/>
           </a:p>
           <a:p>
             <a:pPr lvl="1"/>
@@ -9713,7 +12827,7 @@
 </p:sld>
 </file>
 
-<file path=ppt/slides/slide30.xml><?xml version="1.0" encoding="utf-8"?>
+<file path=ppt/slides/slide40.xml><?xml version="1.0" encoding="utf-8"?>
 <p:sld xmlns:a="http://schemas.openxmlformats.org/drawingml/2006/main" xmlns:r="http://schemas.openxmlformats.org/officeDocument/2006/relationships" xmlns:p="http://schemas.openxmlformats.org/presentationml/2006/main">
   <p:cSld>
     <p:spTree>
@@ -9747,7 +12861,7 @@
           <a:p>
             <a:r>
               <a:rPr lang="en-US" dirty="0"/>
-              <a:t>Agenda</a:t>
+              <a:t>Summary</a:t>
             </a:r>
           </a:p>
         </p:txBody>
@@ -9806,11 +12920,11 @@
           <a:p>
             <a:pPr>
               <a:buFont typeface="Wingdings" panose="05000000000000000000" pitchFamily="2" charset="2"/>
-              <a:buChar char="Ø"/>
+              <a:buChar char="ü"/>
             </a:pPr>
             <a:r>
               <a:rPr lang="en-US" dirty="0"/>
-              <a:t>Getting Up and Running with App Workspaces</a:t>
+              <a:t>Getting up and Running with App Workspaces</a:t>
             </a:r>
           </a:p>
         </p:txBody>
@@ -9818,7 +12932,7 @@
     </p:spTree>
     <p:extLst>
       <p:ext uri="{BB962C8B-B14F-4D97-AF65-F5344CB8AC3E}">
-        <p14:creationId xmlns:p14="http://schemas.microsoft.com/office/powerpoint/2010/main" val="454494643"/>
+        <p14:creationId xmlns:p14="http://schemas.microsoft.com/office/powerpoint/2010/main" val="2392388857"/>
       </p:ext>
     </p:extLst>
   </p:cSld>
@@ -9828,7 +12942,7 @@
 </p:sld>
 </file>
 
-<file path=ppt/slides/slide31.xml><?xml version="1.0" encoding="utf-8"?>
+<file path=ppt/slides/slide5.xml><?xml version="1.0" encoding="utf-8"?>
 <p:sld xmlns:a="http://schemas.openxmlformats.org/drawingml/2006/main" xmlns:r="http://schemas.openxmlformats.org/officeDocument/2006/relationships" xmlns:p="http://schemas.openxmlformats.org/presentationml/2006/main">
   <p:cSld>
     <p:spTree>
@@ -9862,59 +12976,7 @@
           <a:p>
             <a:r>
               <a:rPr lang="en-US" dirty="0"/>
-              <a:t>Managing Users and Subscriptions in the Office 365 admin center</a:t>
-            </a:r>
-          </a:p>
-        </p:txBody>
-      </p:sp>
-    </p:spTree>
-    <p:extLst>
-      <p:ext uri="{BB962C8B-B14F-4D97-AF65-F5344CB8AC3E}">
-        <p14:creationId xmlns:p14="http://schemas.microsoft.com/office/powerpoint/2010/main" val="3743426297"/>
-      </p:ext>
-    </p:extLst>
-  </p:cSld>
-  <p:clrMapOvr>
-    <a:masterClrMapping/>
-  </p:clrMapOvr>
-</p:sld>
-</file>
-
-<file path=ppt/slides/slide32.xml><?xml version="1.0" encoding="utf-8"?>
-<p:sld xmlns:a="http://schemas.openxmlformats.org/drawingml/2006/main" xmlns:r="http://schemas.openxmlformats.org/officeDocument/2006/relationships" xmlns:p="http://schemas.openxmlformats.org/presentationml/2006/main">
-  <p:cSld>
-    <p:spTree>
-      <p:nvGrpSpPr>
-        <p:cNvPr id="1" name=""/>
-        <p:cNvGrpSpPr/>
-        <p:nvPr/>
-      </p:nvGrpSpPr>
-      <p:grpSpPr>
-        <a:xfrm>
-          <a:off x="0" y="0"/>
-          <a:ext cx="0" cy="0"/>
-          <a:chOff x="0" y="0"/>
-          <a:chExt cx="0" cy="0"/>
-        </a:xfrm>
-      </p:grpSpPr>
-      <p:sp>
-        <p:nvSpPr>
-          <p:cNvPr id="2" name="Title 1"/>
-          <p:cNvSpPr>
-            <a:spLocks noGrp="1"/>
-          </p:cNvSpPr>
-          <p:nvPr>
-            <p:ph type="title"/>
-          </p:nvPr>
-        </p:nvSpPr>
-        <p:spPr/>
-        <p:txBody>
-          <a:bodyPr/>
-          <a:lstStyle/>
-          <a:p>
-            <a:r>
-              <a:rPr lang="en-US" dirty="0"/>
-              <a:t>Summary</a:t>
+              <a:t>Agenda</a:t>
             </a:r>
           </a:p>
         </p:txBody>
@@ -9943,119 +13005,8 @@
           <a:p>
             <a:pPr>
               <a:buFont typeface="Wingdings" panose="05000000000000000000" pitchFamily="2" charset="2"/>
-              <a:buChar char="ü"/>
+              <a:buChar char="Ø"/>
             </a:pPr>
-            <a:r>
-              <a:rPr lang="en-US" dirty="0"/>
-              <a:t>Developer Introduction to the Power BI Platform</a:t>
-            </a:r>
-          </a:p>
-          <a:p>
-            <a:pPr>
-              <a:buFont typeface="Wingdings" panose="05000000000000000000" pitchFamily="2" charset="2"/>
-              <a:buChar char="ü"/>
-            </a:pPr>
-            <a:r>
-              <a:rPr lang="en-US" dirty="0"/>
-              <a:t>Developer Opportunities in Power BI</a:t>
-            </a:r>
-          </a:p>
-          <a:p>
-            <a:pPr>
-              <a:buFont typeface="Wingdings" panose="05000000000000000000" pitchFamily="2" charset="2"/>
-              <a:buChar char="ü"/>
-            </a:pPr>
-            <a:r>
-              <a:rPr lang="en-US" dirty="0"/>
-              <a:t>Creating PBIX Projects with Power BI Desktop</a:t>
-            </a:r>
-          </a:p>
-          <a:p>
-            <a:pPr>
-              <a:buFont typeface="Wingdings" panose="05000000000000000000" pitchFamily="2" charset="2"/>
-              <a:buChar char="ü"/>
-            </a:pPr>
-            <a:r>
-              <a:rPr lang="en-US" dirty="0"/>
-              <a:t>Getting up and Running with App Workspaces</a:t>
-            </a:r>
-          </a:p>
-        </p:txBody>
-      </p:sp>
-    </p:spTree>
-    <p:extLst>
-      <p:ext uri="{BB962C8B-B14F-4D97-AF65-F5344CB8AC3E}">
-        <p14:creationId xmlns:p14="http://schemas.microsoft.com/office/powerpoint/2010/main" val="2392388857"/>
-      </p:ext>
-    </p:extLst>
-  </p:cSld>
-  <p:clrMapOvr>
-    <a:masterClrMapping/>
-  </p:clrMapOvr>
-</p:sld>
-</file>
-
-<file path=ppt/slides/slide4.xml><?xml version="1.0" encoding="utf-8"?>
-<p:sld xmlns:a="http://schemas.openxmlformats.org/drawingml/2006/main" xmlns:r="http://schemas.openxmlformats.org/officeDocument/2006/relationships" xmlns:p="http://schemas.openxmlformats.org/presentationml/2006/main">
-  <p:cSld>
-    <p:spTree>
-      <p:nvGrpSpPr>
-        <p:cNvPr id="1" name=""/>
-        <p:cNvGrpSpPr/>
-        <p:nvPr/>
-      </p:nvGrpSpPr>
-      <p:grpSpPr>
-        <a:xfrm>
-          <a:off x="0" y="0"/>
-          <a:ext cx="0" cy="0"/>
-          <a:chOff x="0" y="0"/>
-          <a:chExt cx="0" cy="0"/>
-        </a:xfrm>
-      </p:grpSpPr>
-      <p:sp>
-        <p:nvSpPr>
-          <p:cNvPr id="2" name="Title 1"/>
-          <p:cNvSpPr>
-            <a:spLocks noGrp="1"/>
-          </p:cNvSpPr>
-          <p:nvPr>
-            <p:ph type="title"/>
-          </p:nvPr>
-        </p:nvSpPr>
-        <p:spPr/>
-        <p:txBody>
-          <a:bodyPr/>
-          <a:lstStyle/>
-          <a:p>
-            <a:r>
-              <a:rPr lang="en-US" dirty="0"/>
-              <a:t>Agenda</a:t>
-            </a:r>
-          </a:p>
-        </p:txBody>
-      </p:sp>
-      <p:sp>
-        <p:nvSpPr>
-          <p:cNvPr id="3" name="Content Placeholder 2"/>
-          <p:cNvSpPr>
-            <a:spLocks noGrp="1"/>
-          </p:cNvSpPr>
-          <p:nvPr>
-            <p:ph idx="1"/>
-          </p:nvPr>
-        </p:nvSpPr>
-        <p:spPr>
-          <a:xfrm>
-            <a:off x="381000" y="1371600"/>
-            <a:ext cx="8382000" cy="5181600"/>
-          </a:xfrm>
-        </p:spPr>
-        <p:txBody>
-          <a:bodyPr>
-            <a:normAutofit/>
-          </a:bodyPr>
-          <a:lstStyle/>
-          <a:p>
             <a:r>
               <a:rPr lang="en-US" dirty="0"/>
               <a:t>Developer Introduction to the Power BI Platform</a:t>
@@ -10094,7 +13045,7 @@
 </p:sld>
 </file>
 
-<file path=ppt/slides/slide5.xml><?xml version="1.0" encoding="utf-8"?>
+<file path=ppt/slides/slide6.xml><?xml version="1.0" encoding="utf-8"?>
 <p:sld xmlns:a="http://schemas.openxmlformats.org/drawingml/2006/main" xmlns:r="http://schemas.openxmlformats.org/officeDocument/2006/relationships" xmlns:p="http://schemas.openxmlformats.org/presentationml/2006/main">
   <p:cSld>
     <p:spTree>
@@ -10220,81 +13171,6 @@
 </p:sld>
 </file>
 
-<file path=ppt/slides/slide6.xml><?xml version="1.0" encoding="utf-8"?>
-<p:sld xmlns:a="http://schemas.openxmlformats.org/drawingml/2006/main" xmlns:r="http://schemas.openxmlformats.org/officeDocument/2006/relationships" xmlns:p="http://schemas.openxmlformats.org/presentationml/2006/main">
-  <p:cSld>
-    <p:spTree>
-      <p:nvGrpSpPr>
-        <p:cNvPr id="1" name=""/>
-        <p:cNvGrpSpPr/>
-        <p:nvPr/>
-      </p:nvGrpSpPr>
-      <p:grpSpPr>
-        <a:xfrm>
-          <a:off x="0" y="0"/>
-          <a:ext cx="0" cy="0"/>
-          <a:chOff x="0" y="0"/>
-          <a:chExt cx="0" cy="0"/>
-        </a:xfrm>
-      </p:grpSpPr>
-      <p:sp>
-        <p:nvSpPr>
-          <p:cNvPr id="2" name="Title 1"/>
-          <p:cNvSpPr>
-            <a:spLocks noGrp="1"/>
-          </p:cNvSpPr>
-          <p:nvPr>
-            <p:ph type="title"/>
-          </p:nvPr>
-        </p:nvSpPr>
-        <p:spPr/>
-        <p:txBody>
-          <a:bodyPr/>
-          <a:lstStyle/>
-          <a:p>
-            <a:r>
-              <a:rPr lang="en-US" dirty="0"/>
-              <a:t>The New Navigation Experience</a:t>
-            </a:r>
-          </a:p>
-        </p:txBody>
-      </p:sp>
-      <p:sp>
-        <p:nvSpPr>
-          <p:cNvPr id="3" name="Content Placeholder 2"/>
-          <p:cNvSpPr>
-            <a:spLocks noGrp="1"/>
-          </p:cNvSpPr>
-          <p:nvPr>
-            <p:ph idx="1"/>
-          </p:nvPr>
-        </p:nvSpPr>
-        <p:spPr/>
-        <p:txBody>
-          <a:bodyPr/>
-          <a:lstStyle/>
-          <a:p>
-            <a:r>
-              <a:rPr lang="en-US" dirty="0" err="1"/>
-              <a:t>dddd</a:t>
-            </a:r>
-            <a:endParaRPr lang="en-US" dirty="0"/>
-          </a:p>
-        </p:txBody>
-      </p:sp>
-    </p:spTree>
-    <p:extLst>
-      <p:ext uri="{BB962C8B-B14F-4D97-AF65-F5344CB8AC3E}">
-        <p14:creationId xmlns:p14="http://schemas.microsoft.com/office/powerpoint/2010/main" val="845713966"/>
-      </p:ext>
-    </p:extLst>
-  </p:cSld>
-  <p:clrMapOvr>
-    <a:masterClrMapping/>
-  </p:clrMapOvr>
-</p:sld>
-</file>
-
 <file path=ppt/slides/slide7.xml><?xml version="1.0" encoding="utf-8"?>
 <p:sld xmlns:a="http://schemas.openxmlformats.org/drawingml/2006/main" xmlns:r="http://schemas.openxmlformats.org/officeDocument/2006/relationships" xmlns:p="http://schemas.openxmlformats.org/presentationml/2006/main">
   <p:cSld>
@@ -10328,6 +13204,58 @@
           <a:lstStyle/>
           <a:p>
             <a:r>
+              <a:rPr lang="en-US" dirty="0"/>
+              <a:t>Logging into the Power BI service using the browser</a:t>
+            </a:r>
+          </a:p>
+        </p:txBody>
+      </p:sp>
+    </p:spTree>
+    <p:extLst>
+      <p:ext uri="{BB962C8B-B14F-4D97-AF65-F5344CB8AC3E}">
+        <p14:creationId xmlns:p14="http://schemas.microsoft.com/office/powerpoint/2010/main" val="1659007939"/>
+      </p:ext>
+    </p:extLst>
+  </p:cSld>
+  <p:clrMapOvr>
+    <a:masterClrMapping/>
+  </p:clrMapOvr>
+</p:sld>
+</file>
+
+<file path=ppt/slides/slide8.xml><?xml version="1.0" encoding="utf-8"?>
+<p:sld xmlns:a="http://schemas.openxmlformats.org/drawingml/2006/main" xmlns:r="http://schemas.openxmlformats.org/officeDocument/2006/relationships" xmlns:p="http://schemas.openxmlformats.org/presentationml/2006/main">
+  <p:cSld>
+    <p:spTree>
+      <p:nvGrpSpPr>
+        <p:cNvPr id="1" name=""/>
+        <p:cNvGrpSpPr/>
+        <p:nvPr/>
+      </p:nvGrpSpPr>
+      <p:grpSpPr>
+        <a:xfrm>
+          <a:off x="0" y="0"/>
+          <a:ext cx="0" cy="0"/>
+          <a:chOff x="0" y="0"/>
+          <a:chExt cx="0" cy="0"/>
+        </a:xfrm>
+      </p:grpSpPr>
+      <p:sp>
+        <p:nvSpPr>
+          <p:cNvPr id="2" name="Title 1"/>
+          <p:cNvSpPr>
+            <a:spLocks noGrp="1"/>
+          </p:cNvSpPr>
+          <p:nvPr>
+            <p:ph type="title"/>
+          </p:nvPr>
+        </p:nvSpPr>
+        <p:spPr/>
+        <p:txBody>
+          <a:bodyPr/>
+          <a:lstStyle/>
+          <a:p>
+            <a:r>
               <a:rPr lang="en-US"/>
               <a:t>Power BI Licensing</a:t>
             </a:r>
@@ -10434,7 +13362,6 @@
               <a:rPr lang="en-US" sz="2200" dirty="0"/>
               <a:t> </a:t>
             </a:r>
-            <a:endParaRPr lang="en-US" sz="2200" dirty="0"/>
           </a:p>
           <a:p>
             <a:pPr lvl="1"/>
@@ -10458,7 +13385,7 @@
 </p:sld>
 </file>
 
-<file path=ppt/slides/slide8.xml><?xml version="1.0" encoding="utf-8"?>
+<file path=ppt/slides/slide9.xml><?xml version="1.0" encoding="utf-8"?>
 <p:sld xmlns:a="http://schemas.openxmlformats.org/drawingml/2006/main" xmlns:r="http://schemas.openxmlformats.org/officeDocument/2006/relationships" xmlns:p="http://schemas.openxmlformats.org/presentationml/2006/main">
   <p:cSld>
     <p:spTree>
@@ -12226,689 +15153,6 @@
 </p:sld>
 </file>
 
-<file path=ppt/slides/slide9.xml><?xml version="1.0" encoding="utf-8"?>
-<p:sld xmlns:a="http://schemas.openxmlformats.org/drawingml/2006/main" xmlns:r="http://schemas.openxmlformats.org/officeDocument/2006/relationships" xmlns:p="http://schemas.openxmlformats.org/presentationml/2006/main">
-  <p:cSld>
-    <p:spTree>
-      <p:nvGrpSpPr>
-        <p:cNvPr id="1" name=""/>
-        <p:cNvGrpSpPr/>
-        <p:nvPr/>
-      </p:nvGrpSpPr>
-      <p:grpSpPr>
-        <a:xfrm>
-          <a:off x="0" y="0"/>
-          <a:ext cx="0" cy="0"/>
-          <a:chOff x="0" y="0"/>
-          <a:chExt cx="0" cy="0"/>
-        </a:xfrm>
-      </p:grpSpPr>
-      <p:sp>
-        <p:nvSpPr>
-          <p:cNvPr id="2" name="Title 1"/>
-          <p:cNvSpPr>
-            <a:spLocks noGrp="1"/>
-          </p:cNvSpPr>
-          <p:nvPr>
-            <p:ph type="title"/>
-          </p:nvPr>
-        </p:nvSpPr>
-        <p:spPr/>
-        <p:txBody>
-          <a:bodyPr/>
-          <a:lstStyle/>
-          <a:p>
-            <a:r>
-              <a:rPr lang="en-US" dirty="0"/>
-              <a:t>Central Power BI Concepts</a:t>
-            </a:r>
-          </a:p>
-        </p:txBody>
-      </p:sp>
-      <p:sp>
-        <p:nvSpPr>
-          <p:cNvPr id="3" name="Content Placeholder 2"/>
-          <p:cNvSpPr>
-            <a:spLocks noGrp="1"/>
-          </p:cNvSpPr>
-          <p:nvPr>
-            <p:ph idx="1"/>
-          </p:nvPr>
-        </p:nvSpPr>
-        <p:spPr>
-          <a:xfrm>
-            <a:off x="3200400" y="1447800"/>
-            <a:ext cx="5715000" cy="5181600"/>
-          </a:xfrm>
-        </p:spPr>
-        <p:txBody>
-          <a:bodyPr>
-            <a:normAutofit lnSpcReduction="10000"/>
-          </a:bodyPr>
-          <a:lstStyle/>
-          <a:p>
-            <a:r>
-              <a:rPr lang="en-US" sz="2000" dirty="0"/>
-              <a:t>Workspace</a:t>
-            </a:r>
-          </a:p>
-          <a:p>
-            <a:pPr lvl="1"/>
-            <a:r>
-              <a:rPr lang="en-US" sz="1800" dirty="0"/>
-              <a:t>Provides user context and asset container</a:t>
-            </a:r>
-          </a:p>
-          <a:p>
-            <a:pPr lvl="1"/>
-            <a:r>
-              <a:rPr lang="en-US" sz="1800" dirty="0"/>
-              <a:t>Every user has personal workspace</a:t>
-            </a:r>
-          </a:p>
-          <a:p>
-            <a:pPr lvl="1"/>
-            <a:r>
-              <a:rPr lang="en-US" sz="1800" dirty="0"/>
-              <a:t>Team development requires app workspaces</a:t>
-            </a:r>
-          </a:p>
-          <a:p>
-            <a:pPr>
-              <a:lnSpc>
-                <a:spcPct val="150000"/>
-              </a:lnSpc>
-            </a:pPr>
-            <a:r>
-              <a:rPr lang="en-US" sz="2000" dirty="0"/>
-              <a:t>Dashboard</a:t>
-            </a:r>
-          </a:p>
-          <a:p>
-            <a:pPr lvl="1"/>
-            <a:r>
-              <a:rPr lang="en-US" sz="1800" dirty="0"/>
-              <a:t>Consolidated view into reports and datasets</a:t>
-            </a:r>
-          </a:p>
-          <a:p>
-            <a:pPr lvl="1"/>
-            <a:r>
-              <a:rPr lang="en-US" sz="1800" dirty="0"/>
-              <a:t>Custom solution entry point for mobile users</a:t>
-            </a:r>
-          </a:p>
-          <a:p>
-            <a:pPr>
-              <a:lnSpc>
-                <a:spcPct val="150000"/>
-              </a:lnSpc>
-            </a:pPr>
-            <a:r>
-              <a:rPr lang="en-US" sz="2000" dirty="0"/>
-              <a:t>Report</a:t>
-            </a:r>
-          </a:p>
-          <a:p>
-            <a:pPr lvl="1"/>
-            <a:r>
-              <a:rPr lang="en-US" sz="1800" dirty="0"/>
-              <a:t>Collection of pages with tables &amp; visualizations</a:t>
-            </a:r>
-          </a:p>
-          <a:p>
-            <a:pPr lvl="1"/>
-            <a:r>
-              <a:rPr lang="en-US" sz="1800" dirty="0"/>
-              <a:t>Provides interactive control of filtering</a:t>
-            </a:r>
-            <a:endParaRPr lang="en-US" sz="2000" dirty="0"/>
-          </a:p>
-          <a:p>
-            <a:pPr>
-              <a:lnSpc>
-                <a:spcPct val="150000"/>
-              </a:lnSpc>
-            </a:pPr>
-            <a:r>
-              <a:rPr lang="en-US" sz="2000" dirty="0"/>
-              <a:t>Dataset</a:t>
-            </a:r>
-          </a:p>
-          <a:p>
-            <a:pPr lvl="1"/>
-            <a:r>
-              <a:rPr lang="en-US" sz="1800" dirty="0"/>
-              <a:t>Data model containing one or more tables</a:t>
-            </a:r>
-          </a:p>
-          <a:p>
-            <a:pPr lvl="1"/>
-            <a:r>
-              <a:rPr lang="en-US" sz="1800" dirty="0"/>
-              <a:t>Can be very simple or very complex</a:t>
-            </a:r>
-          </a:p>
-        </p:txBody>
-      </p:sp>
-    </p:spTree>
-    <p:extLst>
-      <p:ext uri="{BB962C8B-B14F-4D97-AF65-F5344CB8AC3E}">
-        <p14:creationId xmlns:p14="http://schemas.microsoft.com/office/powerpoint/2010/main" val="517821039"/>
-      </p:ext>
-    </p:extLst>
-  </p:cSld>
-  <p:clrMapOvr>
-    <a:masterClrMapping/>
-  </p:clrMapOvr>
-  <p:timing>
-    <p:tnLst>
-      <p:par>
-        <p:cTn id="1" dur="indefinite" restart="never" nodeType="tmRoot">
-          <p:childTnLst>
-            <p:seq concurrent="1" nextAc="seek">
-              <p:cTn id="2" dur="indefinite" nodeType="mainSeq">
-                <p:childTnLst>
-                  <p:par>
-                    <p:cTn id="3" fill="hold">
-                      <p:stCondLst>
-                        <p:cond delay="indefinite"/>
-                      </p:stCondLst>
-                      <p:childTnLst>
-                        <p:par>
-                          <p:cTn id="4" fill="hold">
-                            <p:stCondLst>
-                              <p:cond delay="0"/>
-                            </p:stCondLst>
-                            <p:childTnLst>
-                              <p:par>
-                                <p:cTn id="5" presetID="1" presetClass="entr" presetSubtype="0" fill="hold" nodeType="clickEffect">
-                                  <p:stCondLst>
-                                    <p:cond delay="0"/>
-                                  </p:stCondLst>
-                                  <p:childTnLst>
-                                    <p:set>
-                                      <p:cBhvr>
-                                        <p:cTn id="6" dur="1" fill="hold">
-                                          <p:stCondLst>
-                                            <p:cond delay="0"/>
-                                          </p:stCondLst>
-                                        </p:cTn>
-                                        <p:tgtEl>
-                                          <p:spTgt spid="3">
-                                            <p:txEl>
-                                              <p:pRg st="0" end="0"/>
-                                            </p:txEl>
-                                          </p:spTgt>
-                                        </p:tgtEl>
-                                        <p:attrNameLst>
-                                          <p:attrName>style.visibility</p:attrName>
-                                        </p:attrNameLst>
-                                      </p:cBhvr>
-                                      <p:to>
-                                        <p:strVal val="visible"/>
-                                      </p:to>
-                                    </p:set>
-                                  </p:childTnLst>
-                                </p:cTn>
-                              </p:par>
-                              <p:par>
-                                <p:cTn id="7" presetID="1" presetClass="entr" presetSubtype="0" fill="hold" nodeType="withEffect">
-                                  <p:stCondLst>
-                                    <p:cond delay="0"/>
-                                  </p:stCondLst>
-                                  <p:childTnLst>
-                                    <p:set>
-                                      <p:cBhvr>
-                                        <p:cTn id="8" dur="1" fill="hold">
-                                          <p:stCondLst>
-                                            <p:cond delay="0"/>
-                                          </p:stCondLst>
-                                        </p:cTn>
-                                        <p:tgtEl>
-                                          <p:spTgt spid="3">
-                                            <p:txEl>
-                                              <p:pRg st="1" end="1"/>
-                                            </p:txEl>
-                                          </p:spTgt>
-                                        </p:tgtEl>
-                                        <p:attrNameLst>
-                                          <p:attrName>style.visibility</p:attrName>
-                                        </p:attrNameLst>
-                                      </p:cBhvr>
-                                      <p:to>
-                                        <p:strVal val="visible"/>
-                                      </p:to>
-                                    </p:set>
-                                  </p:childTnLst>
-                                </p:cTn>
-                              </p:par>
-                              <p:par>
-                                <p:cTn id="9" presetID="1" presetClass="entr" presetSubtype="0" fill="hold" nodeType="withEffect">
-                                  <p:stCondLst>
-                                    <p:cond delay="0"/>
-                                  </p:stCondLst>
-                                  <p:childTnLst>
-                                    <p:set>
-                                      <p:cBhvr>
-                                        <p:cTn id="10" dur="1" fill="hold">
-                                          <p:stCondLst>
-                                            <p:cond delay="0"/>
-                                          </p:stCondLst>
-                                        </p:cTn>
-                                        <p:tgtEl>
-                                          <p:spTgt spid="3">
-                                            <p:txEl>
-                                              <p:pRg st="2" end="2"/>
-                                            </p:txEl>
-                                          </p:spTgt>
-                                        </p:tgtEl>
-                                        <p:attrNameLst>
-                                          <p:attrName>style.visibility</p:attrName>
-                                        </p:attrNameLst>
-                                      </p:cBhvr>
-                                      <p:to>
-                                        <p:strVal val="visible"/>
-                                      </p:to>
-                                    </p:set>
-                                  </p:childTnLst>
-                                </p:cTn>
-                              </p:par>
-                              <p:par>
-                                <p:cTn id="11" presetID="1" presetClass="entr" presetSubtype="0" fill="hold" nodeType="withEffect">
-                                  <p:stCondLst>
-                                    <p:cond delay="0"/>
-                                  </p:stCondLst>
-                                  <p:childTnLst>
-                                    <p:set>
-                                      <p:cBhvr>
-                                        <p:cTn id="12" dur="1" fill="hold">
-                                          <p:stCondLst>
-                                            <p:cond delay="0"/>
-                                          </p:stCondLst>
-                                        </p:cTn>
-                                        <p:tgtEl>
-                                          <p:spTgt spid="3">
-                                            <p:txEl>
-                                              <p:pRg st="3" end="3"/>
-                                            </p:txEl>
-                                          </p:spTgt>
-                                        </p:tgtEl>
-                                        <p:attrNameLst>
-                                          <p:attrName>style.visibility</p:attrName>
-                                        </p:attrNameLst>
-                                      </p:cBhvr>
-                                      <p:to>
-                                        <p:strVal val="visible"/>
-                                      </p:to>
-                                    </p:set>
-                                  </p:childTnLst>
-                                </p:cTn>
-                              </p:par>
-                            </p:childTnLst>
-                          </p:cTn>
-                        </p:par>
-                      </p:childTnLst>
-                    </p:cTn>
-                  </p:par>
-                  <p:par>
-                    <p:cTn id="13" fill="hold">
-                      <p:stCondLst>
-                        <p:cond delay="indefinite"/>
-                      </p:stCondLst>
-                      <p:childTnLst>
-                        <p:par>
-                          <p:cTn id="14" fill="hold">
-                            <p:stCondLst>
-                              <p:cond delay="0"/>
-                            </p:stCondLst>
-                            <p:childTnLst>
-                              <p:par>
-                                <p:cTn id="15" presetID="1" presetClass="entr" presetSubtype="0" fill="hold" nodeType="clickEffect">
-                                  <p:stCondLst>
-                                    <p:cond delay="0"/>
-                                  </p:stCondLst>
-                                  <p:childTnLst>
-                                    <p:set>
-                                      <p:cBhvr>
-                                        <p:cTn id="16" dur="1" fill="hold">
-                                          <p:stCondLst>
-                                            <p:cond delay="0"/>
-                                          </p:stCondLst>
-                                        </p:cTn>
-                                        <p:tgtEl>
-                                          <p:spTgt spid="3">
-                                            <p:txEl>
-                                              <p:pRg st="4" end="4"/>
-                                            </p:txEl>
-                                          </p:spTgt>
-                                        </p:tgtEl>
-                                        <p:attrNameLst>
-                                          <p:attrName>style.visibility</p:attrName>
-                                        </p:attrNameLst>
-                                      </p:cBhvr>
-                                      <p:to>
-                                        <p:strVal val="visible"/>
-                                      </p:to>
-                                    </p:set>
-                                  </p:childTnLst>
-                                </p:cTn>
-                              </p:par>
-                              <p:par>
-                                <p:cTn id="17" presetID="1" presetClass="entr" presetSubtype="0" fill="hold" nodeType="withEffect">
-                                  <p:stCondLst>
-                                    <p:cond delay="0"/>
-                                  </p:stCondLst>
-                                  <p:childTnLst>
-                                    <p:set>
-                                      <p:cBhvr>
-                                        <p:cTn id="18" dur="1" fill="hold">
-                                          <p:stCondLst>
-                                            <p:cond delay="0"/>
-                                          </p:stCondLst>
-                                        </p:cTn>
-                                        <p:tgtEl>
-                                          <p:spTgt spid="3">
-                                            <p:txEl>
-                                              <p:pRg st="5" end="5"/>
-                                            </p:txEl>
-                                          </p:spTgt>
-                                        </p:tgtEl>
-                                        <p:attrNameLst>
-                                          <p:attrName>style.visibility</p:attrName>
-                                        </p:attrNameLst>
-                                      </p:cBhvr>
-                                      <p:to>
-                                        <p:strVal val="visible"/>
-                                      </p:to>
-                                    </p:set>
-                                  </p:childTnLst>
-                                </p:cTn>
-                              </p:par>
-                              <p:par>
-                                <p:cTn id="19" presetID="1" presetClass="entr" presetSubtype="0" fill="hold" nodeType="withEffect">
-                                  <p:stCondLst>
-                                    <p:cond delay="0"/>
-                                  </p:stCondLst>
-                                  <p:childTnLst>
-                                    <p:set>
-                                      <p:cBhvr>
-                                        <p:cTn id="20" dur="1" fill="hold">
-                                          <p:stCondLst>
-                                            <p:cond delay="0"/>
-                                          </p:stCondLst>
-                                        </p:cTn>
-                                        <p:tgtEl>
-                                          <p:spTgt spid="3">
-                                            <p:txEl>
-                                              <p:pRg st="6" end="6"/>
-                                            </p:txEl>
-                                          </p:spTgt>
-                                        </p:tgtEl>
-                                        <p:attrNameLst>
-                                          <p:attrName>style.visibility</p:attrName>
-                                        </p:attrNameLst>
-                                      </p:cBhvr>
-                                      <p:to>
-                                        <p:strVal val="visible"/>
-                                      </p:to>
-                                    </p:set>
-                                  </p:childTnLst>
-                                </p:cTn>
-                              </p:par>
-                            </p:childTnLst>
-                          </p:cTn>
-                        </p:par>
-                      </p:childTnLst>
-                    </p:cTn>
-                  </p:par>
-                  <p:par>
-                    <p:cTn id="21" fill="hold">
-                      <p:stCondLst>
-                        <p:cond delay="indefinite"/>
-                      </p:stCondLst>
-                      <p:childTnLst>
-                        <p:par>
-                          <p:cTn id="22" fill="hold">
-                            <p:stCondLst>
-                              <p:cond delay="0"/>
-                            </p:stCondLst>
-                            <p:childTnLst>
-                              <p:par>
-                                <p:cTn id="23" presetID="1" presetClass="entr" presetSubtype="0" fill="hold" nodeType="clickEffect">
-                                  <p:stCondLst>
-                                    <p:cond delay="0"/>
-                                  </p:stCondLst>
-                                  <p:childTnLst>
-                                    <p:set>
-                                      <p:cBhvr>
-                                        <p:cTn id="24" dur="1" fill="hold">
-                                          <p:stCondLst>
-                                            <p:cond delay="0"/>
-                                          </p:stCondLst>
-                                        </p:cTn>
-                                        <p:tgtEl>
-                                          <p:spTgt spid="3">
-                                            <p:txEl>
-                                              <p:pRg st="7" end="7"/>
-                                            </p:txEl>
-                                          </p:spTgt>
-                                        </p:tgtEl>
-                                        <p:attrNameLst>
-                                          <p:attrName>style.visibility</p:attrName>
-                                        </p:attrNameLst>
-                                      </p:cBhvr>
-                                      <p:to>
-                                        <p:strVal val="visible"/>
-                                      </p:to>
-                                    </p:set>
-                                  </p:childTnLst>
-                                </p:cTn>
-                              </p:par>
-                              <p:par>
-                                <p:cTn id="25" presetID="1" presetClass="entr" presetSubtype="0" fill="hold" nodeType="withEffect">
-                                  <p:stCondLst>
-                                    <p:cond delay="0"/>
-                                  </p:stCondLst>
-                                  <p:childTnLst>
-                                    <p:set>
-                                      <p:cBhvr>
-                                        <p:cTn id="26" dur="1" fill="hold">
-                                          <p:stCondLst>
-                                            <p:cond delay="0"/>
-                                          </p:stCondLst>
-                                        </p:cTn>
-                                        <p:tgtEl>
-                                          <p:spTgt spid="3">
-                                            <p:txEl>
-                                              <p:pRg st="8" end="8"/>
-                                            </p:txEl>
-                                          </p:spTgt>
-                                        </p:tgtEl>
-                                        <p:attrNameLst>
-                                          <p:attrName>style.visibility</p:attrName>
-                                        </p:attrNameLst>
-                                      </p:cBhvr>
-                                      <p:to>
-                                        <p:strVal val="visible"/>
-                                      </p:to>
-                                    </p:set>
-                                  </p:childTnLst>
-                                </p:cTn>
-                              </p:par>
-                              <p:par>
-                                <p:cTn id="27" presetID="1" presetClass="entr" presetSubtype="0" fill="hold" nodeType="withEffect">
-                                  <p:stCondLst>
-                                    <p:cond delay="0"/>
-                                  </p:stCondLst>
-                                  <p:childTnLst>
-                                    <p:set>
-                                      <p:cBhvr>
-                                        <p:cTn id="28" dur="1" fill="hold">
-                                          <p:stCondLst>
-                                            <p:cond delay="0"/>
-                                          </p:stCondLst>
-                                        </p:cTn>
-                                        <p:tgtEl>
-                                          <p:spTgt spid="3">
-                                            <p:txEl>
-                                              <p:pRg st="9" end="9"/>
-                                            </p:txEl>
-                                          </p:spTgt>
-                                        </p:tgtEl>
-                                        <p:attrNameLst>
-                                          <p:attrName>style.visibility</p:attrName>
-                                        </p:attrNameLst>
-                                      </p:cBhvr>
-                                      <p:to>
-                                        <p:strVal val="visible"/>
-                                      </p:to>
-                                    </p:set>
-                                  </p:childTnLst>
-                                </p:cTn>
-                              </p:par>
-                            </p:childTnLst>
-                          </p:cTn>
-                        </p:par>
-                      </p:childTnLst>
-                    </p:cTn>
-                  </p:par>
-                  <p:par>
-                    <p:cTn id="29" fill="hold">
-                      <p:stCondLst>
-                        <p:cond delay="indefinite"/>
-                      </p:stCondLst>
-                      <p:childTnLst>
-                        <p:par>
-                          <p:cTn id="30" fill="hold">
-                            <p:stCondLst>
-                              <p:cond delay="0"/>
-                            </p:stCondLst>
-                            <p:childTnLst>
-                              <p:par>
-                                <p:cTn id="31" presetID="1" presetClass="entr" presetSubtype="0" fill="hold" nodeType="clickEffect">
-                                  <p:stCondLst>
-                                    <p:cond delay="0"/>
-                                  </p:stCondLst>
-                                  <p:childTnLst>
-                                    <p:set>
-                                      <p:cBhvr>
-                                        <p:cTn id="32" dur="1" fill="hold">
-                                          <p:stCondLst>
-                                            <p:cond delay="0"/>
-                                          </p:stCondLst>
-                                        </p:cTn>
-                                        <p:tgtEl>
-                                          <p:spTgt spid="3">
-                                            <p:txEl>
-                                              <p:pRg st="10" end="10"/>
-                                            </p:txEl>
-                                          </p:spTgt>
-                                        </p:tgtEl>
-                                        <p:attrNameLst>
-                                          <p:attrName>style.visibility</p:attrName>
-                                        </p:attrNameLst>
-                                      </p:cBhvr>
-                                      <p:to>
-                                        <p:strVal val="visible"/>
-                                      </p:to>
-                                    </p:set>
-                                  </p:childTnLst>
-                                </p:cTn>
-                              </p:par>
-                              <p:par>
-                                <p:cTn id="33" presetID="1" presetClass="entr" presetSubtype="0" fill="hold" nodeType="withEffect">
-                                  <p:stCondLst>
-                                    <p:cond delay="0"/>
-                                  </p:stCondLst>
-                                  <p:childTnLst>
-                                    <p:set>
-                                      <p:cBhvr>
-                                        <p:cTn id="34" dur="1" fill="hold">
-                                          <p:stCondLst>
-                                            <p:cond delay="0"/>
-                                          </p:stCondLst>
-                                        </p:cTn>
-                                        <p:tgtEl>
-                                          <p:spTgt spid="3">
-                                            <p:txEl>
-                                              <p:pRg st="11" end="11"/>
-                                            </p:txEl>
-                                          </p:spTgt>
-                                        </p:tgtEl>
-                                        <p:attrNameLst>
-                                          <p:attrName>style.visibility</p:attrName>
-                                        </p:attrNameLst>
-                                      </p:cBhvr>
-                                      <p:to>
-                                        <p:strVal val="visible"/>
-                                      </p:to>
-                                    </p:set>
-                                  </p:childTnLst>
-                                </p:cTn>
-                              </p:par>
-                              <p:par>
-                                <p:cTn id="35" presetID="1" presetClass="entr" presetSubtype="0" fill="hold" nodeType="withEffect">
-                                  <p:stCondLst>
-                                    <p:cond delay="0"/>
-                                  </p:stCondLst>
-                                  <p:childTnLst>
-                                    <p:set>
-                                      <p:cBhvr>
-                                        <p:cTn id="36" dur="1" fill="hold">
-                                          <p:stCondLst>
-                                            <p:cond delay="0"/>
-                                          </p:stCondLst>
-                                        </p:cTn>
-                                        <p:tgtEl>
-                                          <p:spTgt spid="3">
-                                            <p:txEl>
-                                              <p:pRg st="12" end="12"/>
-                                            </p:txEl>
-                                          </p:spTgt>
-                                        </p:tgtEl>
-                                        <p:attrNameLst>
-                                          <p:attrName>style.visibility</p:attrName>
-                                        </p:attrNameLst>
-                                      </p:cBhvr>
-                                      <p:to>
-                                        <p:strVal val="visible"/>
-                                      </p:to>
-                                    </p:set>
-                                  </p:childTnLst>
-                                </p:cTn>
-                              </p:par>
-                            </p:childTnLst>
-                          </p:cTn>
-                        </p:par>
-                      </p:childTnLst>
-                    </p:cTn>
-                  </p:par>
-                </p:childTnLst>
-              </p:cTn>
-              <p:prevCondLst>
-                <p:cond evt="onPrev" delay="0">
-                  <p:tgtEl>
-                    <p:sldTgt/>
-                  </p:tgtEl>
-                </p:cond>
-              </p:prevCondLst>
-              <p:nextCondLst>
-                <p:cond evt="onNext" delay="0">
-                  <p:tgtEl>
-                    <p:sldTgt/>
-                  </p:tgtEl>
-                </p:cond>
-              </p:nextCondLst>
-            </p:seq>
-          </p:childTnLst>
-        </p:cTn>
-      </p:par>
-    </p:tnLst>
-  </p:timing>
-</p:sld>
-</file>
-
 <file path=ppt/theme/theme1.xml><?xml version="1.0" encoding="utf-8"?>
 <a:theme xmlns:a="http://schemas.openxmlformats.org/drawingml/2006/main" name="CPT_Wave15">
   <a:themeElements>
@@ -13739,6 +15983,135 @@
 </file>
 
 <file path=customXml/item1.xml><?xml version="1.0" encoding="utf-8"?>
+<?mso-contentType ?>
+<FormTemplates xmlns="http://schemas.microsoft.com/sharepoint/v3/contenttype/forms">
+  <Display>DocumentLibraryForm</Display>
+  <Edit>DocumentLibraryForm</Edit>
+  <New>DocumentLibraryForm</New>
+</FormTemplates>
+</file>
+
+<file path=customXml/item2.xml><?xml version="1.0" encoding="utf-8"?>
+<ct:contentTypeSchema xmlns:ct="http://schemas.microsoft.com/office/2006/metadata/contentType" xmlns:ma="http://schemas.microsoft.com/office/2006/metadata/properties/metaAttributes" ct:_="" ma:_="" ma:contentTypeName="Document" ma:contentTypeID="0x01010043F7775CCE86F349BB7C51FB3CE6B150" ma:contentTypeVersion="0" ma:contentTypeDescription="Create a new document." ma:contentTypeScope="" ma:versionID="bb563817a2861b6b5994bd26a2ba9e40">
+  <xsd:schema xmlns:xsd="http://www.w3.org/2001/XMLSchema" xmlns:xs="http://www.w3.org/2001/XMLSchema" xmlns:p="http://schemas.microsoft.com/office/2006/metadata/properties" targetNamespace="http://schemas.microsoft.com/office/2006/metadata/properties" ma:root="true" ma:fieldsID="c64490b4aec6201516c3a874156f37b2">
+    <xsd:element name="properties">
+      <xsd:complexType>
+        <xsd:sequence>
+          <xsd:element name="documentManagement">
+            <xsd:complexType>
+              <xsd:all/>
+            </xsd:complexType>
+          </xsd:element>
+        </xsd:sequence>
+      </xsd:complexType>
+    </xsd:element>
+  </xsd:schema>
+  <xsd:schema xmlns="http://schemas.openxmlformats.org/package/2006/metadata/core-properties" xmlns:xsd="http://www.w3.org/2001/XMLSchema" xmlns:xsi="http://www.w3.org/2001/XMLSchema-instance" xmlns:dc="http://purl.org/dc/elements/1.1/" xmlns:dcterms="http://purl.org/dc/terms/" xmlns:odoc="http://schemas.microsoft.com/internal/obd" targetNamespace="http://schemas.openxmlformats.org/package/2006/metadata/core-properties" elementFormDefault="qualified" attributeFormDefault="unqualified" blockDefault="#all">
+    <xsd:import namespace="http://purl.org/dc/elements/1.1/" schemaLocation="http://dublincore.org/schemas/xmls/qdc/2003/04/02/dc.xsd"/>
+    <xsd:import namespace="http://purl.org/dc/terms/" schemaLocation="http://dublincore.org/schemas/xmls/qdc/2003/04/02/dcterms.xsd"/>
+    <xsd:element name="coreProperties" type="CT_coreProperties"/>
+    <xsd:complexType name="CT_coreProperties">
+      <xsd:all>
+        <xsd:element ref="dc:creator" minOccurs="0" maxOccurs="1"/>
+        <xsd:element ref="dcterms:created" minOccurs="0" maxOccurs="1"/>
+        <xsd:element ref="dc:identifier" minOccurs="0" maxOccurs="1"/>
+        <xsd:element name="contentType" minOccurs="0" maxOccurs="1" type="xsd:string" ma:index="0" ma:displayName="Content Type"/>
+        <xsd:element ref="dc:title" minOccurs="0" maxOccurs="1" ma:index="4" ma:displayName="Title"/>
+        <xsd:element ref="dc:subject" minOccurs="0" maxOccurs="1"/>
+        <xsd:element ref="dc:description" minOccurs="0" maxOccurs="1"/>
+        <xsd:element name="keywords" minOccurs="0" maxOccurs="1" type="xsd:string"/>
+        <xsd:element ref="dc:language" minOccurs="0" maxOccurs="1"/>
+        <xsd:element name="category" minOccurs="0" maxOccurs="1" type="xsd:string"/>
+        <xsd:element name="version" minOccurs="0" maxOccurs="1" type="xsd:string"/>
+        <xsd:element name="revision" minOccurs="0" maxOccurs="1" type="xsd:string">
+          <xsd:annotation>
+            <xsd:documentation>
+                        This value indicates the number of saves or revisions. The application is responsible for updating this value after each revision.
+                    </xsd:documentation>
+          </xsd:annotation>
+        </xsd:element>
+        <xsd:element name="lastModifiedBy" minOccurs="0" maxOccurs="1" type="xsd:string"/>
+        <xsd:element ref="dcterms:modified" minOccurs="0" maxOccurs="1"/>
+        <xsd:element name="contentStatus" minOccurs="0" maxOccurs="1" type="xsd:string"/>
+      </xsd:all>
+    </xsd:complexType>
+  </xsd:schema>
+  <xs:schema xmlns:pc="http://schemas.microsoft.com/office/infopath/2007/PartnerControls" xmlns:xs="http://www.w3.org/2001/XMLSchema" targetNamespace="http://schemas.microsoft.com/office/infopath/2007/PartnerControls" elementFormDefault="qualified" attributeFormDefault="unqualified">
+    <xs:element name="Person">
+      <xs:complexType>
+        <xs:sequence>
+          <xs:element ref="pc:DisplayName" minOccurs="0"/>
+          <xs:element ref="pc:AccountId" minOccurs="0"/>
+          <xs:element ref="pc:AccountType" minOccurs="0"/>
+        </xs:sequence>
+      </xs:complexType>
+    </xs:element>
+    <xs:element name="DisplayName" type="xs:string"/>
+    <xs:element name="AccountId" type="xs:string"/>
+    <xs:element name="AccountType" type="xs:string"/>
+    <xs:element name="BDCAssociatedEntity">
+      <xs:complexType>
+        <xs:sequence>
+          <xs:element ref="pc:BDCEntity" minOccurs="0" maxOccurs="unbounded"/>
+        </xs:sequence>
+        <xs:attribute ref="pc:EntityNamespace"/>
+        <xs:attribute ref="pc:EntityName"/>
+        <xs:attribute ref="pc:SystemInstanceName"/>
+        <xs:attribute ref="pc:AssociationName"/>
+      </xs:complexType>
+    </xs:element>
+    <xs:attribute name="EntityNamespace" type="xs:string"/>
+    <xs:attribute name="EntityName" type="xs:string"/>
+    <xs:attribute name="SystemInstanceName" type="xs:string"/>
+    <xs:attribute name="AssociationName" type="xs:string"/>
+    <xs:element name="BDCEntity">
+      <xs:complexType>
+        <xs:sequence>
+          <xs:element ref="pc:EntityDisplayName" minOccurs="0"/>
+          <xs:element ref="pc:EntityInstanceReference" minOccurs="0"/>
+          <xs:element ref="pc:EntityId1" minOccurs="0"/>
+          <xs:element ref="pc:EntityId2" minOccurs="0"/>
+          <xs:element ref="pc:EntityId3" minOccurs="0"/>
+          <xs:element ref="pc:EntityId4" minOccurs="0"/>
+          <xs:element ref="pc:EntityId5" minOccurs="0"/>
+        </xs:sequence>
+      </xs:complexType>
+    </xs:element>
+    <xs:element name="EntityDisplayName" type="xs:string"/>
+    <xs:element name="EntityInstanceReference" type="xs:string"/>
+    <xs:element name="EntityId1" type="xs:string"/>
+    <xs:element name="EntityId2" type="xs:string"/>
+    <xs:element name="EntityId3" type="xs:string"/>
+    <xs:element name="EntityId4" type="xs:string"/>
+    <xs:element name="EntityId5" type="xs:string"/>
+    <xs:element name="Terms">
+      <xs:complexType>
+        <xs:sequence>
+          <xs:element ref="pc:TermInfo" minOccurs="0" maxOccurs="unbounded"/>
+        </xs:sequence>
+      </xs:complexType>
+    </xs:element>
+    <xs:element name="TermInfo">
+      <xs:complexType>
+        <xs:sequence>
+          <xs:element ref="pc:TermName" minOccurs="0"/>
+          <xs:element ref="pc:TermId" minOccurs="0"/>
+        </xs:sequence>
+      </xs:complexType>
+    </xs:element>
+    <xs:element name="TermName" type="xs:string"/>
+    <xs:element name="TermId" type="xs:string"/>
+  </xs:schema>
+</ct:contentTypeSchema>
+</file>
+
+<file path=customXml/item3.xml><?xml version="1.0" encoding="utf-8"?>
+<p:properties xmlns:p="http://schemas.microsoft.com/office/2006/metadata/properties" xmlns:xsi="http://www.w3.org/2001/XMLSchema-instance">
+  <documentManagement/>
+</p:properties>
+</file>
+
+<file path=customXml/item4.xml><?xml version="1.0" encoding="utf-8"?>
 <outs:outSpaceData xmlns:outs="http://schemas.microsoft.com/office/2009/outspace/metadata">
   <outs:relatedDates>
     <outs:relatedDate>
@@ -13888,144 +16261,31 @@
 </outs:outSpaceData>
 </file>
 
-<file path=customXml/item2.xml><?xml version="1.0" encoding="utf-8"?>
-<p:properties xmlns:p="http://schemas.microsoft.com/office/2006/metadata/properties" xmlns:xsi="http://www.w3.org/2001/XMLSchema-instance">
-  <documentManagement/>
-</p:properties>
-</file>
-
-<file path=customXml/item3.xml><?xml version="1.0" encoding="utf-8"?>
-<?mso-contentType ?>
-<FormTemplates xmlns="http://schemas.microsoft.com/sharepoint/v3/contenttype/forms">
-  <Display>DocumentLibraryForm</Display>
-  <Edit>DocumentLibraryForm</Edit>
-  <New>DocumentLibraryForm</New>
-</FormTemplates>
-</file>
-
-<file path=customXml/item4.xml><?xml version="1.0" encoding="utf-8"?>
-<ct:contentTypeSchema xmlns:ct="http://schemas.microsoft.com/office/2006/metadata/contentType" xmlns:ma="http://schemas.microsoft.com/office/2006/metadata/properties/metaAttributes" ct:_="" ma:_="" ma:contentTypeName="Document" ma:contentTypeID="0x01010043F7775CCE86F349BB7C51FB3CE6B150" ma:contentTypeVersion="0" ma:contentTypeDescription="Create a new document." ma:contentTypeScope="" ma:versionID="bb563817a2861b6b5994bd26a2ba9e40">
-  <xsd:schema xmlns:xsd="http://www.w3.org/2001/XMLSchema" xmlns:xs="http://www.w3.org/2001/XMLSchema" xmlns:p="http://schemas.microsoft.com/office/2006/metadata/properties" targetNamespace="http://schemas.microsoft.com/office/2006/metadata/properties" ma:root="true" ma:fieldsID="c64490b4aec6201516c3a874156f37b2">
-    <xsd:element name="properties">
-      <xsd:complexType>
-        <xsd:sequence>
-          <xsd:element name="documentManagement">
-            <xsd:complexType>
-              <xsd:all/>
-            </xsd:complexType>
-          </xsd:element>
-        </xsd:sequence>
-      </xsd:complexType>
-    </xsd:element>
-  </xsd:schema>
-  <xsd:schema xmlns="http://schemas.openxmlformats.org/package/2006/metadata/core-properties" xmlns:xsd="http://www.w3.org/2001/XMLSchema" xmlns:xsi="http://www.w3.org/2001/XMLSchema-instance" xmlns:dc="http://purl.org/dc/elements/1.1/" xmlns:dcterms="http://purl.org/dc/terms/" xmlns:odoc="http://schemas.microsoft.com/internal/obd" targetNamespace="http://schemas.openxmlformats.org/package/2006/metadata/core-properties" elementFormDefault="qualified" attributeFormDefault="unqualified" blockDefault="#all">
-    <xsd:import namespace="http://purl.org/dc/elements/1.1/" schemaLocation="http://dublincore.org/schemas/xmls/qdc/2003/04/02/dc.xsd"/>
-    <xsd:import namespace="http://purl.org/dc/terms/" schemaLocation="http://dublincore.org/schemas/xmls/qdc/2003/04/02/dcterms.xsd"/>
-    <xsd:element name="coreProperties" type="CT_coreProperties"/>
-    <xsd:complexType name="CT_coreProperties">
-      <xsd:all>
-        <xsd:element ref="dc:creator" minOccurs="0" maxOccurs="1"/>
-        <xsd:element ref="dcterms:created" minOccurs="0" maxOccurs="1"/>
-        <xsd:element ref="dc:identifier" minOccurs="0" maxOccurs="1"/>
-        <xsd:element name="contentType" minOccurs="0" maxOccurs="1" type="xsd:string" ma:index="0" ma:displayName="Content Type"/>
-        <xsd:element ref="dc:title" minOccurs="0" maxOccurs="1" ma:index="4" ma:displayName="Title"/>
-        <xsd:element ref="dc:subject" minOccurs="0" maxOccurs="1"/>
-        <xsd:element ref="dc:description" minOccurs="0" maxOccurs="1"/>
-        <xsd:element name="keywords" minOccurs="0" maxOccurs="1" type="xsd:string"/>
-        <xsd:element ref="dc:language" minOccurs="0" maxOccurs="1"/>
-        <xsd:element name="category" minOccurs="0" maxOccurs="1" type="xsd:string"/>
-        <xsd:element name="version" minOccurs="0" maxOccurs="1" type="xsd:string"/>
-        <xsd:element name="revision" minOccurs="0" maxOccurs="1" type="xsd:string">
-          <xsd:annotation>
-            <xsd:documentation>
-                        This value indicates the number of saves or revisions. The application is responsible for updating this value after each revision.
-                    </xsd:documentation>
-          </xsd:annotation>
-        </xsd:element>
-        <xsd:element name="lastModifiedBy" minOccurs="0" maxOccurs="1" type="xsd:string"/>
-        <xsd:element ref="dcterms:modified" minOccurs="0" maxOccurs="1"/>
-        <xsd:element name="contentStatus" minOccurs="0" maxOccurs="1" type="xsd:string"/>
-      </xsd:all>
-    </xsd:complexType>
-  </xsd:schema>
-  <xs:schema xmlns:pc="http://schemas.microsoft.com/office/infopath/2007/PartnerControls" xmlns:xs="http://www.w3.org/2001/XMLSchema" targetNamespace="http://schemas.microsoft.com/office/infopath/2007/PartnerControls" elementFormDefault="qualified" attributeFormDefault="unqualified">
-    <xs:element name="Person">
-      <xs:complexType>
-        <xs:sequence>
-          <xs:element ref="pc:DisplayName" minOccurs="0"/>
-          <xs:element ref="pc:AccountId" minOccurs="0"/>
-          <xs:element ref="pc:AccountType" minOccurs="0"/>
-        </xs:sequence>
-      </xs:complexType>
-    </xs:element>
-    <xs:element name="DisplayName" type="xs:string"/>
-    <xs:element name="AccountId" type="xs:string"/>
-    <xs:element name="AccountType" type="xs:string"/>
-    <xs:element name="BDCAssociatedEntity">
-      <xs:complexType>
-        <xs:sequence>
-          <xs:element ref="pc:BDCEntity" minOccurs="0" maxOccurs="unbounded"/>
-        </xs:sequence>
-        <xs:attribute ref="pc:EntityNamespace"/>
-        <xs:attribute ref="pc:EntityName"/>
-        <xs:attribute ref="pc:SystemInstanceName"/>
-        <xs:attribute ref="pc:AssociationName"/>
-      </xs:complexType>
-    </xs:element>
-    <xs:attribute name="EntityNamespace" type="xs:string"/>
-    <xs:attribute name="EntityName" type="xs:string"/>
-    <xs:attribute name="SystemInstanceName" type="xs:string"/>
-    <xs:attribute name="AssociationName" type="xs:string"/>
-    <xs:element name="BDCEntity">
-      <xs:complexType>
-        <xs:sequence>
-          <xs:element ref="pc:EntityDisplayName" minOccurs="0"/>
-          <xs:element ref="pc:EntityInstanceReference" minOccurs="0"/>
-          <xs:element ref="pc:EntityId1" minOccurs="0"/>
-          <xs:element ref="pc:EntityId2" minOccurs="0"/>
-          <xs:element ref="pc:EntityId3" minOccurs="0"/>
-          <xs:element ref="pc:EntityId4" minOccurs="0"/>
-          <xs:element ref="pc:EntityId5" minOccurs="0"/>
-        </xs:sequence>
-      </xs:complexType>
-    </xs:element>
-    <xs:element name="EntityDisplayName" type="xs:string"/>
-    <xs:element name="EntityInstanceReference" type="xs:string"/>
-    <xs:element name="EntityId1" type="xs:string"/>
-    <xs:element name="EntityId2" type="xs:string"/>
-    <xs:element name="EntityId3" type="xs:string"/>
-    <xs:element name="EntityId4" type="xs:string"/>
-    <xs:element name="EntityId5" type="xs:string"/>
-    <xs:element name="Terms">
-      <xs:complexType>
-        <xs:sequence>
-          <xs:element ref="pc:TermInfo" minOccurs="0" maxOccurs="unbounded"/>
-        </xs:sequence>
-      </xs:complexType>
-    </xs:element>
-    <xs:element name="TermInfo">
-      <xs:complexType>
-        <xs:sequence>
-          <xs:element ref="pc:TermName" minOccurs="0"/>
-          <xs:element ref="pc:TermId" minOccurs="0"/>
-        </xs:sequence>
-      </xs:complexType>
-    </xs:element>
-    <xs:element name="TermName" type="xs:string"/>
-    <xs:element name="TermId" type="xs:string"/>
-  </xs:schema>
-</ct:contentTypeSchema>
-</file>
-
 <file path=customXml/itemProps1.xml><?xml version="1.0" encoding="utf-8"?>
-<ds:datastoreItem xmlns:ds="http://schemas.openxmlformats.org/officeDocument/2006/customXml" ds:itemID="{8865FC99-B6BD-4E98-8312-F4F432C217EA}">
+<ds:datastoreItem xmlns:ds="http://schemas.openxmlformats.org/officeDocument/2006/customXml" ds:itemID="{6034B84F-8F8E-48B7-9EFF-C7DE1A66BD73}">
   <ds:schemaRefs>
-    <ds:schemaRef ds:uri="http://schemas.microsoft.com/office/2009/outspace/metadata"/>
+    <ds:schemaRef ds:uri="http://schemas.microsoft.com/sharepoint/v3/contenttype/forms"/>
   </ds:schemaRefs>
 </ds:datastoreItem>
 </file>
 
 <file path=customXml/itemProps2.xml><?xml version="1.0" encoding="utf-8"?>
+<ds:datastoreItem xmlns:ds="http://schemas.openxmlformats.org/officeDocument/2006/customXml" ds:itemID="{63F8C001-70B3-4AE4-BEC2-202AE4E30C7A}">
+  <ds:schemaRefs>
+    <ds:schemaRef ds:uri="http://schemas.microsoft.com/office/2006/metadata/contentType"/>
+    <ds:schemaRef ds:uri="http://schemas.microsoft.com/office/2006/metadata/properties/metaAttributes"/>
+    <ds:schemaRef ds:uri="http://www.w3.org/2001/XMLSchema"/>
+    <ds:schemaRef ds:uri="http://schemas.microsoft.com/office/2006/metadata/properties"/>
+    <ds:schemaRef ds:uri="http://schemas.openxmlformats.org/package/2006/metadata/core-properties"/>
+    <ds:schemaRef ds:uri="http://purl.org/dc/elements/1.1/"/>
+    <ds:schemaRef ds:uri="http://purl.org/dc/terms/"/>
+    <ds:schemaRef ds:uri="http://schemas.microsoft.com/internal/obd"/>
+    <ds:schemaRef ds:uri="http://schemas.microsoft.com/office/infopath/2007/PartnerControls"/>
+  </ds:schemaRefs>
+</ds:datastoreItem>
+</file>
+
+<file path=customXml/itemProps3.xml><?xml version="1.0" encoding="utf-8"?>
 <ds:datastoreItem xmlns:ds="http://schemas.openxmlformats.org/officeDocument/2006/customXml" ds:itemID="{A5547237-B119-45CA-BEFC-A2DA2BDB03E7}">
   <ds:schemaRefs>
     <ds:schemaRef ds:uri="http://www.w3.org/XML/1998/namespace"/>
@@ -14040,26 +16300,10 @@
 </ds:datastoreItem>
 </file>
 
-<file path=customXml/itemProps3.xml><?xml version="1.0" encoding="utf-8"?>
-<ds:datastoreItem xmlns:ds="http://schemas.openxmlformats.org/officeDocument/2006/customXml" ds:itemID="{6034B84F-8F8E-48B7-9EFF-C7DE1A66BD73}">
+<file path=customXml/itemProps4.xml><?xml version="1.0" encoding="utf-8"?>
+<ds:datastoreItem xmlns:ds="http://schemas.openxmlformats.org/officeDocument/2006/customXml" ds:itemID="{8865FC99-B6BD-4E98-8312-F4F432C217EA}">
   <ds:schemaRefs>
-    <ds:schemaRef ds:uri="http://schemas.microsoft.com/sharepoint/v3/contenttype/forms"/>
-  </ds:schemaRefs>
-</ds:datastoreItem>
-</file>
-
-<file path=customXml/itemProps4.xml><?xml version="1.0" encoding="utf-8"?>
-<ds:datastoreItem xmlns:ds="http://schemas.openxmlformats.org/officeDocument/2006/customXml" ds:itemID="{63F8C001-70B3-4AE4-BEC2-202AE4E30C7A}">
-  <ds:schemaRefs>
-    <ds:schemaRef ds:uri="http://schemas.microsoft.com/office/2006/metadata/contentType"/>
-    <ds:schemaRef ds:uri="http://schemas.microsoft.com/office/2006/metadata/properties/metaAttributes"/>
-    <ds:schemaRef ds:uri="http://www.w3.org/2001/XMLSchema"/>
-    <ds:schemaRef ds:uri="http://schemas.microsoft.com/office/2006/metadata/properties"/>
-    <ds:schemaRef ds:uri="http://schemas.openxmlformats.org/package/2006/metadata/core-properties"/>
-    <ds:schemaRef ds:uri="http://purl.org/dc/elements/1.1/"/>
-    <ds:schemaRef ds:uri="http://purl.org/dc/terms/"/>
-    <ds:schemaRef ds:uri="http://schemas.microsoft.com/internal/obd"/>
-    <ds:schemaRef ds:uri="http://schemas.microsoft.com/office/infopath/2007/PartnerControls"/>
+    <ds:schemaRef ds:uri="http://schemas.microsoft.com/office/2009/outspace/metadata"/>
   </ds:schemaRefs>
 </ds:datastoreItem>
 </file>
--- a/Modules/01_Intro/slides.pptx
+++ b/Modules/01_Intro/slides.pptx
@@ -5,10 +5,10 @@
     <p:sldMasterId id="2147483648" r:id="rId5"/>
   </p:sldMasterIdLst>
   <p:notesMasterIdLst>
-    <p:notesMasterId r:id="rId46"/>
+    <p:notesMasterId r:id="rId47"/>
   </p:notesMasterIdLst>
   <p:handoutMasterIdLst>
-    <p:handoutMasterId r:id="rId47"/>
+    <p:handoutMasterId r:id="rId48"/>
   </p:handoutMasterIdLst>
   <p:sldIdLst>
     <p:sldId id="279" r:id="rId6"/>
@@ -44,13 +44,14 @@
     <p:sldId id="551" r:id="rId36"/>
     <p:sldId id="552" r:id="rId37"/>
     <p:sldId id="553" r:id="rId38"/>
-    <p:sldId id="521" r:id="rId39"/>
-    <p:sldId id="545" r:id="rId40"/>
-    <p:sldId id="420" r:id="rId41"/>
-    <p:sldId id="546" r:id="rId42"/>
-    <p:sldId id="547" r:id="rId43"/>
-    <p:sldId id="548" r:id="rId44"/>
-    <p:sldId id="522" r:id="rId45"/>
+    <p:sldId id="555" r:id="rId39"/>
+    <p:sldId id="521" r:id="rId40"/>
+    <p:sldId id="545" r:id="rId41"/>
+    <p:sldId id="420" r:id="rId42"/>
+    <p:sldId id="546" r:id="rId43"/>
+    <p:sldId id="547" r:id="rId44"/>
+    <p:sldId id="548" r:id="rId45"/>
+    <p:sldId id="522" r:id="rId46"/>
   </p:sldIdLst>
   <p:sldSz cx="9144000" cy="6858000" type="screen4x3"/>
   <p:notesSz cx="7315200" cy="9601200"/>
@@ -7549,6 +7550,232 @@
   <p:clrMapOvr>
     <a:masterClrMapping/>
   </p:clrMapOvr>
+  <p:timing>
+    <p:tnLst>
+      <p:par>
+        <p:cTn id="1" dur="indefinite" restart="never" nodeType="tmRoot">
+          <p:childTnLst>
+            <p:seq concurrent="1" nextAc="seek">
+              <p:cTn id="2" dur="indefinite" nodeType="mainSeq">
+                <p:childTnLst>
+                  <p:par>
+                    <p:cTn id="3" fill="hold">
+                      <p:stCondLst>
+                        <p:cond delay="indefinite"/>
+                      </p:stCondLst>
+                      <p:childTnLst>
+                        <p:par>
+                          <p:cTn id="4" fill="hold">
+                            <p:stCondLst>
+                              <p:cond delay="0"/>
+                            </p:stCondLst>
+                            <p:childTnLst>
+                              <p:par>
+                                <p:cTn id="5" presetID="1" presetClass="entr" presetSubtype="0" fill="hold" nodeType="clickEffect">
+                                  <p:stCondLst>
+                                    <p:cond delay="0"/>
+                                  </p:stCondLst>
+                                  <p:childTnLst>
+                                    <p:set>
+                                      <p:cBhvr>
+                                        <p:cTn id="6" dur="1" fill="hold">
+                                          <p:stCondLst>
+                                            <p:cond delay="0"/>
+                                          </p:stCondLst>
+                                        </p:cTn>
+                                        <p:tgtEl>
+                                          <p:spTgt spid="3">
+                                            <p:txEl>
+                                              <p:pRg st="0" end="0"/>
+                                            </p:txEl>
+                                          </p:spTgt>
+                                        </p:tgtEl>
+                                        <p:attrNameLst>
+                                          <p:attrName>style.visibility</p:attrName>
+                                        </p:attrNameLst>
+                                      </p:cBhvr>
+                                      <p:to>
+                                        <p:strVal val="visible"/>
+                                      </p:to>
+                                    </p:set>
+                                  </p:childTnLst>
+                                </p:cTn>
+                              </p:par>
+                            </p:childTnLst>
+                          </p:cTn>
+                        </p:par>
+                      </p:childTnLst>
+                    </p:cTn>
+                  </p:par>
+                  <p:par>
+                    <p:cTn id="7" fill="hold">
+                      <p:stCondLst>
+                        <p:cond delay="indefinite"/>
+                      </p:stCondLst>
+                      <p:childTnLst>
+                        <p:par>
+                          <p:cTn id="8" fill="hold">
+                            <p:stCondLst>
+                              <p:cond delay="0"/>
+                            </p:stCondLst>
+                            <p:childTnLst>
+                              <p:par>
+                                <p:cTn id="9" presetID="1" presetClass="entr" presetSubtype="0" fill="hold" nodeType="clickEffect">
+                                  <p:stCondLst>
+                                    <p:cond delay="0"/>
+                                  </p:stCondLst>
+                                  <p:childTnLst>
+                                    <p:set>
+                                      <p:cBhvr>
+                                        <p:cTn id="10" dur="1" fill="hold">
+                                          <p:stCondLst>
+                                            <p:cond delay="0"/>
+                                          </p:stCondLst>
+                                        </p:cTn>
+                                        <p:tgtEl>
+                                          <p:spTgt spid="3">
+                                            <p:txEl>
+                                              <p:pRg st="1" end="1"/>
+                                            </p:txEl>
+                                          </p:spTgt>
+                                        </p:tgtEl>
+                                        <p:attrNameLst>
+                                          <p:attrName>style.visibility</p:attrName>
+                                        </p:attrNameLst>
+                                      </p:cBhvr>
+                                      <p:to>
+                                        <p:strVal val="visible"/>
+                                      </p:to>
+                                    </p:set>
+                                  </p:childTnLst>
+                                </p:cTn>
+                              </p:par>
+                            </p:childTnLst>
+                          </p:cTn>
+                        </p:par>
+                      </p:childTnLst>
+                    </p:cTn>
+                  </p:par>
+                  <p:par>
+                    <p:cTn id="11" fill="hold">
+                      <p:stCondLst>
+                        <p:cond delay="indefinite"/>
+                      </p:stCondLst>
+                      <p:childTnLst>
+                        <p:par>
+                          <p:cTn id="12" fill="hold">
+                            <p:stCondLst>
+                              <p:cond delay="0"/>
+                            </p:stCondLst>
+                            <p:childTnLst>
+                              <p:par>
+                                <p:cTn id="13" presetID="1" presetClass="entr" presetSubtype="0" fill="hold" nodeType="clickEffect">
+                                  <p:stCondLst>
+                                    <p:cond delay="0"/>
+                                  </p:stCondLst>
+                                  <p:childTnLst>
+                                    <p:set>
+                                      <p:cBhvr>
+                                        <p:cTn id="14" dur="1" fill="hold">
+                                          <p:stCondLst>
+                                            <p:cond delay="0"/>
+                                          </p:stCondLst>
+                                        </p:cTn>
+                                        <p:tgtEl>
+                                          <p:spTgt spid="3">
+                                            <p:txEl>
+                                              <p:pRg st="2" end="2"/>
+                                            </p:txEl>
+                                          </p:spTgt>
+                                        </p:tgtEl>
+                                        <p:attrNameLst>
+                                          <p:attrName>style.visibility</p:attrName>
+                                        </p:attrNameLst>
+                                      </p:cBhvr>
+                                      <p:to>
+                                        <p:strVal val="visible"/>
+                                      </p:to>
+                                    </p:set>
+                                  </p:childTnLst>
+                                </p:cTn>
+                              </p:par>
+                            </p:childTnLst>
+                          </p:cTn>
+                        </p:par>
+                      </p:childTnLst>
+                    </p:cTn>
+                  </p:par>
+                  <p:par>
+                    <p:cTn id="15" fill="hold">
+                      <p:stCondLst>
+                        <p:cond delay="indefinite"/>
+                      </p:stCondLst>
+                      <p:childTnLst>
+                        <p:par>
+                          <p:cTn id="16" fill="hold">
+                            <p:stCondLst>
+                              <p:cond delay="0"/>
+                            </p:stCondLst>
+                            <p:childTnLst>
+                              <p:par>
+                                <p:cTn id="17" presetID="1" presetClass="entr" presetSubtype="0" fill="hold" nodeType="clickEffect">
+                                  <p:stCondLst>
+                                    <p:cond delay="0"/>
+                                  </p:stCondLst>
+                                  <p:childTnLst>
+                                    <p:set>
+                                      <p:cBhvr>
+                                        <p:cTn id="18" dur="1" fill="hold">
+                                          <p:stCondLst>
+                                            <p:cond delay="0"/>
+                                          </p:stCondLst>
+                                        </p:cTn>
+                                        <p:tgtEl>
+                                          <p:spTgt spid="3">
+                                            <p:txEl>
+                                              <p:pRg st="3" end="3"/>
+                                            </p:txEl>
+                                          </p:spTgt>
+                                        </p:tgtEl>
+                                        <p:attrNameLst>
+                                          <p:attrName>style.visibility</p:attrName>
+                                        </p:attrNameLst>
+                                      </p:cBhvr>
+                                      <p:to>
+                                        <p:strVal val="visible"/>
+                                      </p:to>
+                                    </p:set>
+                                  </p:childTnLst>
+                                </p:cTn>
+                              </p:par>
+                            </p:childTnLst>
+                          </p:cTn>
+                        </p:par>
+                      </p:childTnLst>
+                    </p:cTn>
+                  </p:par>
+                </p:childTnLst>
+              </p:cTn>
+              <p:prevCondLst>
+                <p:cond evt="onPrev" delay="0">
+                  <p:tgtEl>
+                    <p:sldTgt/>
+                  </p:tgtEl>
+                </p:cond>
+              </p:prevCondLst>
+              <p:nextCondLst>
+                <p:cond evt="onNext" delay="0">
+                  <p:tgtEl>
+                    <p:sldTgt/>
+                  </p:tgtEl>
+                </p:cond>
+              </p:nextCondLst>
+            </p:seq>
+          </p:childTnLst>
+        </p:cTn>
+      </p:par>
+    </p:tnLst>
+  </p:timing>
 </p:sld>
 </file>
 
@@ -7657,6 +7884,232 @@
   <p:clrMapOvr>
     <a:masterClrMapping/>
   </p:clrMapOvr>
+  <p:timing>
+    <p:tnLst>
+      <p:par>
+        <p:cTn id="1" dur="indefinite" restart="never" nodeType="tmRoot">
+          <p:childTnLst>
+            <p:seq concurrent="1" nextAc="seek">
+              <p:cTn id="2" dur="indefinite" nodeType="mainSeq">
+                <p:childTnLst>
+                  <p:par>
+                    <p:cTn id="3" fill="hold">
+                      <p:stCondLst>
+                        <p:cond delay="indefinite"/>
+                      </p:stCondLst>
+                      <p:childTnLst>
+                        <p:par>
+                          <p:cTn id="4" fill="hold">
+                            <p:stCondLst>
+                              <p:cond delay="0"/>
+                            </p:stCondLst>
+                            <p:childTnLst>
+                              <p:par>
+                                <p:cTn id="5" presetID="1" presetClass="entr" presetSubtype="0" fill="hold" nodeType="clickEffect">
+                                  <p:stCondLst>
+                                    <p:cond delay="0"/>
+                                  </p:stCondLst>
+                                  <p:childTnLst>
+                                    <p:set>
+                                      <p:cBhvr>
+                                        <p:cTn id="6" dur="1" fill="hold">
+                                          <p:stCondLst>
+                                            <p:cond delay="0"/>
+                                          </p:stCondLst>
+                                        </p:cTn>
+                                        <p:tgtEl>
+                                          <p:spTgt spid="3">
+                                            <p:txEl>
+                                              <p:pRg st="0" end="0"/>
+                                            </p:txEl>
+                                          </p:spTgt>
+                                        </p:tgtEl>
+                                        <p:attrNameLst>
+                                          <p:attrName>style.visibility</p:attrName>
+                                        </p:attrNameLst>
+                                      </p:cBhvr>
+                                      <p:to>
+                                        <p:strVal val="visible"/>
+                                      </p:to>
+                                    </p:set>
+                                  </p:childTnLst>
+                                </p:cTn>
+                              </p:par>
+                            </p:childTnLst>
+                          </p:cTn>
+                        </p:par>
+                      </p:childTnLst>
+                    </p:cTn>
+                  </p:par>
+                  <p:par>
+                    <p:cTn id="7" fill="hold">
+                      <p:stCondLst>
+                        <p:cond delay="indefinite"/>
+                      </p:stCondLst>
+                      <p:childTnLst>
+                        <p:par>
+                          <p:cTn id="8" fill="hold">
+                            <p:stCondLst>
+                              <p:cond delay="0"/>
+                            </p:stCondLst>
+                            <p:childTnLst>
+                              <p:par>
+                                <p:cTn id="9" presetID="1" presetClass="entr" presetSubtype="0" fill="hold" nodeType="clickEffect">
+                                  <p:stCondLst>
+                                    <p:cond delay="0"/>
+                                  </p:stCondLst>
+                                  <p:childTnLst>
+                                    <p:set>
+                                      <p:cBhvr>
+                                        <p:cTn id="10" dur="1" fill="hold">
+                                          <p:stCondLst>
+                                            <p:cond delay="0"/>
+                                          </p:stCondLst>
+                                        </p:cTn>
+                                        <p:tgtEl>
+                                          <p:spTgt spid="3">
+                                            <p:txEl>
+                                              <p:pRg st="1" end="1"/>
+                                            </p:txEl>
+                                          </p:spTgt>
+                                        </p:tgtEl>
+                                        <p:attrNameLst>
+                                          <p:attrName>style.visibility</p:attrName>
+                                        </p:attrNameLst>
+                                      </p:cBhvr>
+                                      <p:to>
+                                        <p:strVal val="visible"/>
+                                      </p:to>
+                                    </p:set>
+                                  </p:childTnLst>
+                                </p:cTn>
+                              </p:par>
+                            </p:childTnLst>
+                          </p:cTn>
+                        </p:par>
+                      </p:childTnLst>
+                    </p:cTn>
+                  </p:par>
+                  <p:par>
+                    <p:cTn id="11" fill="hold">
+                      <p:stCondLst>
+                        <p:cond delay="indefinite"/>
+                      </p:stCondLst>
+                      <p:childTnLst>
+                        <p:par>
+                          <p:cTn id="12" fill="hold">
+                            <p:stCondLst>
+                              <p:cond delay="0"/>
+                            </p:stCondLst>
+                            <p:childTnLst>
+                              <p:par>
+                                <p:cTn id="13" presetID="1" presetClass="entr" presetSubtype="0" fill="hold" nodeType="clickEffect">
+                                  <p:stCondLst>
+                                    <p:cond delay="0"/>
+                                  </p:stCondLst>
+                                  <p:childTnLst>
+                                    <p:set>
+                                      <p:cBhvr>
+                                        <p:cTn id="14" dur="1" fill="hold">
+                                          <p:stCondLst>
+                                            <p:cond delay="0"/>
+                                          </p:stCondLst>
+                                        </p:cTn>
+                                        <p:tgtEl>
+                                          <p:spTgt spid="3">
+                                            <p:txEl>
+                                              <p:pRg st="2" end="2"/>
+                                            </p:txEl>
+                                          </p:spTgt>
+                                        </p:tgtEl>
+                                        <p:attrNameLst>
+                                          <p:attrName>style.visibility</p:attrName>
+                                        </p:attrNameLst>
+                                      </p:cBhvr>
+                                      <p:to>
+                                        <p:strVal val="visible"/>
+                                      </p:to>
+                                    </p:set>
+                                  </p:childTnLst>
+                                </p:cTn>
+                              </p:par>
+                            </p:childTnLst>
+                          </p:cTn>
+                        </p:par>
+                      </p:childTnLst>
+                    </p:cTn>
+                  </p:par>
+                  <p:par>
+                    <p:cTn id="15" fill="hold">
+                      <p:stCondLst>
+                        <p:cond delay="indefinite"/>
+                      </p:stCondLst>
+                      <p:childTnLst>
+                        <p:par>
+                          <p:cTn id="16" fill="hold">
+                            <p:stCondLst>
+                              <p:cond delay="0"/>
+                            </p:stCondLst>
+                            <p:childTnLst>
+                              <p:par>
+                                <p:cTn id="17" presetID="1" presetClass="entr" presetSubtype="0" fill="hold" nodeType="clickEffect">
+                                  <p:stCondLst>
+                                    <p:cond delay="0"/>
+                                  </p:stCondLst>
+                                  <p:childTnLst>
+                                    <p:set>
+                                      <p:cBhvr>
+                                        <p:cTn id="18" dur="1" fill="hold">
+                                          <p:stCondLst>
+                                            <p:cond delay="0"/>
+                                          </p:stCondLst>
+                                        </p:cTn>
+                                        <p:tgtEl>
+                                          <p:spTgt spid="3">
+                                            <p:txEl>
+                                              <p:pRg st="3" end="3"/>
+                                            </p:txEl>
+                                          </p:spTgt>
+                                        </p:tgtEl>
+                                        <p:attrNameLst>
+                                          <p:attrName>style.visibility</p:attrName>
+                                        </p:attrNameLst>
+                                      </p:cBhvr>
+                                      <p:to>
+                                        <p:strVal val="visible"/>
+                                      </p:to>
+                                    </p:set>
+                                  </p:childTnLst>
+                                </p:cTn>
+                              </p:par>
+                            </p:childTnLst>
+                          </p:cTn>
+                        </p:par>
+                      </p:childTnLst>
+                    </p:cTn>
+                  </p:par>
+                </p:childTnLst>
+              </p:cTn>
+              <p:prevCondLst>
+                <p:cond evt="onPrev" delay="0">
+                  <p:tgtEl>
+                    <p:sldTgt/>
+                  </p:tgtEl>
+                </p:cond>
+              </p:prevCondLst>
+              <p:nextCondLst>
+                <p:cond evt="onNext" delay="0">
+                  <p:tgtEl>
+                    <p:sldTgt/>
+                  </p:tgtEl>
+                </p:cond>
+              </p:nextCondLst>
+            </p:seq>
+          </p:childTnLst>
+        </p:cTn>
+      </p:par>
+    </p:tnLst>
+  </p:timing>
 </p:sld>
 </file>
 
@@ -8680,7 +9133,7 @@
           <a:p>
             <a:r>
               <a:rPr lang="en-US" dirty="0"/>
-              <a:t>The Big Picture for Power BI Embedded</a:t>
+              <a:t>The Big Picture for Power BI Embedded V2</a:t>
             </a:r>
           </a:p>
         </p:txBody>
@@ -10190,6 +10643,178 @@
   <p:clrMapOvr>
     <a:masterClrMapping/>
   </p:clrMapOvr>
+  <p:timing>
+    <p:tnLst>
+      <p:par>
+        <p:cTn id="1" dur="indefinite" restart="never" nodeType="tmRoot">
+          <p:childTnLst>
+            <p:seq concurrent="1" nextAc="seek">
+              <p:cTn id="2" dur="indefinite" nodeType="mainSeq">
+                <p:childTnLst>
+                  <p:par>
+                    <p:cTn id="3" fill="hold">
+                      <p:stCondLst>
+                        <p:cond delay="indefinite"/>
+                      </p:stCondLst>
+                      <p:childTnLst>
+                        <p:par>
+                          <p:cTn id="4" fill="hold">
+                            <p:stCondLst>
+                              <p:cond delay="0"/>
+                            </p:stCondLst>
+                            <p:childTnLst>
+                              <p:par>
+                                <p:cTn id="5" presetID="1" presetClass="entr" presetSubtype="0" fill="hold" nodeType="clickEffect">
+                                  <p:stCondLst>
+                                    <p:cond delay="0"/>
+                                  </p:stCondLst>
+                                  <p:childTnLst>
+                                    <p:set>
+                                      <p:cBhvr>
+                                        <p:cTn id="6" dur="1" fill="hold">
+                                          <p:stCondLst>
+                                            <p:cond delay="0"/>
+                                          </p:stCondLst>
+                                        </p:cTn>
+                                        <p:tgtEl>
+                                          <p:spTgt spid="3">
+                                            <p:txEl>
+                                              <p:pRg st="7" end="7"/>
+                                            </p:txEl>
+                                          </p:spTgt>
+                                        </p:tgtEl>
+                                        <p:attrNameLst>
+                                          <p:attrName>style.visibility</p:attrName>
+                                        </p:attrNameLst>
+                                      </p:cBhvr>
+                                      <p:to>
+                                        <p:strVal val="visible"/>
+                                      </p:to>
+                                    </p:set>
+                                  </p:childTnLst>
+                                </p:cTn>
+                              </p:par>
+                              <p:par>
+                                <p:cTn id="7" presetID="1" presetClass="entr" presetSubtype="0" fill="hold" nodeType="withEffect">
+                                  <p:stCondLst>
+                                    <p:cond delay="0"/>
+                                  </p:stCondLst>
+                                  <p:childTnLst>
+                                    <p:set>
+                                      <p:cBhvr>
+                                        <p:cTn id="8" dur="1" fill="hold">
+                                          <p:stCondLst>
+                                            <p:cond delay="0"/>
+                                          </p:stCondLst>
+                                        </p:cTn>
+                                        <p:tgtEl>
+                                          <p:spTgt spid="3">
+                                            <p:txEl>
+                                              <p:pRg st="8" end="8"/>
+                                            </p:txEl>
+                                          </p:spTgt>
+                                        </p:tgtEl>
+                                        <p:attrNameLst>
+                                          <p:attrName>style.visibility</p:attrName>
+                                        </p:attrNameLst>
+                                      </p:cBhvr>
+                                      <p:to>
+                                        <p:strVal val="visible"/>
+                                      </p:to>
+                                    </p:set>
+                                  </p:childTnLst>
+                                </p:cTn>
+                              </p:par>
+                              <p:par>
+                                <p:cTn id="9" presetID="1" presetClass="entr" presetSubtype="0" fill="hold" nodeType="withEffect">
+                                  <p:stCondLst>
+                                    <p:cond delay="0"/>
+                                  </p:stCondLst>
+                                  <p:childTnLst>
+                                    <p:set>
+                                      <p:cBhvr>
+                                        <p:cTn id="10" dur="1" fill="hold">
+                                          <p:stCondLst>
+                                            <p:cond delay="0"/>
+                                          </p:stCondLst>
+                                        </p:cTn>
+                                        <p:tgtEl>
+                                          <p:spTgt spid="3">
+                                            <p:txEl>
+                                              <p:pRg st="9" end="9"/>
+                                            </p:txEl>
+                                          </p:spTgt>
+                                        </p:tgtEl>
+                                        <p:attrNameLst>
+                                          <p:attrName>style.visibility</p:attrName>
+                                        </p:attrNameLst>
+                                      </p:cBhvr>
+                                      <p:to>
+                                        <p:strVal val="visible"/>
+                                      </p:to>
+                                    </p:set>
+                                  </p:childTnLst>
+                                </p:cTn>
+                              </p:par>
+                              <p:par>
+                                <p:cTn id="11" presetID="1" presetClass="entr" presetSubtype="0" fill="hold" nodeType="withEffect">
+                                  <p:stCondLst>
+                                    <p:cond delay="0"/>
+                                  </p:stCondLst>
+                                  <p:childTnLst>
+                                    <p:set>
+                                      <p:cBhvr>
+                                        <p:cTn id="12" dur="1" fill="hold">
+                                          <p:stCondLst>
+                                            <p:cond delay="0"/>
+                                          </p:stCondLst>
+                                        </p:cTn>
+                                        <p:tgtEl>
+                                          <p:spTgt spid="3">
+                                            <p:txEl>
+                                              <p:pRg st="10" end="10"/>
+                                            </p:txEl>
+                                          </p:spTgt>
+                                        </p:tgtEl>
+                                        <p:attrNameLst>
+                                          <p:attrName>style.visibility</p:attrName>
+                                        </p:attrNameLst>
+                                      </p:cBhvr>
+                                      <p:to>
+                                        <p:strVal val="visible"/>
+                                      </p:to>
+                                    </p:set>
+                                  </p:childTnLst>
+                                </p:cTn>
+                              </p:par>
+                            </p:childTnLst>
+                          </p:cTn>
+                        </p:par>
+                      </p:childTnLst>
+                    </p:cTn>
+                  </p:par>
+                </p:childTnLst>
+              </p:cTn>
+              <p:prevCondLst>
+                <p:cond evt="onPrev" delay="0">
+                  <p:tgtEl>
+                    <p:sldTgt/>
+                  </p:tgtEl>
+                </p:cond>
+              </p:prevCondLst>
+              <p:nextCondLst>
+                <p:cond evt="onNext" delay="0">
+                  <p:tgtEl>
+                    <p:sldTgt/>
+                  </p:tgtEl>
+                </p:cond>
+              </p:nextCondLst>
+            </p:seq>
+          </p:childTnLst>
+        </p:cTn>
+      </p:par>
+    </p:tnLst>
+  </p:timing>
 </p:sld>
 </file>
 
@@ -11999,70 +12624,14 @@
           <a:p>
             <a:r>
               <a:rPr lang="en-US" dirty="0"/>
-              <a:t>Agenda</a:t>
-            </a:r>
-          </a:p>
-        </p:txBody>
-      </p:sp>
-      <p:sp>
-        <p:nvSpPr>
-          <p:cNvPr id="3" name="Content Placeholder 2"/>
-          <p:cNvSpPr>
-            <a:spLocks noGrp="1"/>
-          </p:cNvSpPr>
-          <p:nvPr>
-            <p:ph idx="1"/>
-          </p:nvPr>
-        </p:nvSpPr>
-        <p:spPr>
-          <a:xfrm>
-            <a:off x="381000" y="1371600"/>
-            <a:ext cx="8382000" cy="5181600"/>
-          </a:xfrm>
-        </p:spPr>
-        <p:txBody>
-          <a:bodyPr>
-            <a:normAutofit/>
-          </a:bodyPr>
-          <a:lstStyle/>
-          <a:p>
-            <a:pPr>
-              <a:buFont typeface="Wingdings" panose="05000000000000000000" pitchFamily="2" charset="2"/>
-              <a:buChar char="ü"/>
-            </a:pPr>
-            <a:r>
-              <a:rPr lang="en-US" dirty="0"/>
-              <a:t>Developer Introduction to the Power BI Platform</a:t>
-            </a:r>
-          </a:p>
-          <a:p>
-            <a:pPr>
-              <a:buFont typeface="Wingdings" panose="05000000000000000000" pitchFamily="2" charset="2"/>
-              <a:buChar char="ü"/>
-            </a:pPr>
-            <a:r>
-              <a:rPr lang="en-US" dirty="0"/>
-              <a:t>Developer Opportunities in Power BI</a:t>
-            </a:r>
-          </a:p>
-          <a:p>
-            <a:pPr>
-              <a:buFont typeface="Wingdings" panose="05000000000000000000" pitchFamily="2" charset="2"/>
-              <a:buChar char="ü"/>
-            </a:pPr>
-            <a:r>
-              <a:rPr lang="en-US" dirty="0"/>
-              <a:t>Creating PBIX Projects with Power BI Desktop</a:t>
-            </a:r>
-          </a:p>
-          <a:p>
-            <a:pPr>
-              <a:buFont typeface="Wingdings" panose="05000000000000000000" pitchFamily="2" charset="2"/>
-              <a:buChar char="Ø"/>
-            </a:pPr>
-            <a:r>
-              <a:rPr lang="en-US" dirty="0"/>
-              <a:t>Getting Up and Running with App Workspaces</a:t>
+              <a:t>Fooling Around with </a:t>
+            </a:r>
+            <a:br>
+              <a:rPr lang="en-US" dirty="0"/>
+            </a:br>
+            <a:r>
+              <a:rPr lang="en-US" dirty="0"/>
+              <a:t>Power BI Desktop</a:t>
             </a:r>
           </a:p>
         </p:txBody>
@@ -12070,7 +12639,7 @@
     </p:spTree>
     <p:extLst>
       <p:ext uri="{BB962C8B-B14F-4D97-AF65-F5344CB8AC3E}">
-        <p14:creationId xmlns:p14="http://schemas.microsoft.com/office/powerpoint/2010/main" val="454494643"/>
+        <p14:creationId xmlns:p14="http://schemas.microsoft.com/office/powerpoint/2010/main" val="3549506862"/>
       </p:ext>
     </p:extLst>
   </p:cSld>
@@ -12114,7 +12683,7 @@
           <a:p>
             <a:r>
               <a:rPr lang="en-US" dirty="0"/>
-              <a:t>Understanding App Workspaces</a:t>
+              <a:t>Agenda</a:t>
             </a:r>
           </a:p>
         </p:txBody>
@@ -12129,43 +12698,55 @@
             <p:ph idx="1"/>
           </p:nvPr>
         </p:nvSpPr>
-        <p:spPr/>
+        <p:spPr>
+          <a:xfrm>
+            <a:off x="381000" y="1371600"/>
+            <a:ext cx="8382000" cy="5181600"/>
+          </a:xfrm>
+        </p:spPr>
         <p:txBody>
           <a:bodyPr>
             <a:normAutofit/>
           </a:bodyPr>
           <a:lstStyle/>
           <a:p>
-            <a:r>
-              <a:rPr lang="en-US" sz="2400" dirty="0"/>
-              <a:t>App workspaces required for team-based development</a:t>
-            </a:r>
-          </a:p>
-          <a:p>
-            <a:pPr lvl="1"/>
-            <a:r>
-              <a:rPr lang="en-US" sz="2000" dirty="0"/>
-              <a:t>Assets in personal workspaces can only be edited by one person</a:t>
-            </a:r>
-          </a:p>
-          <a:p>
-            <a:pPr lvl="1"/>
-            <a:r>
-              <a:rPr lang="en-US" sz="2000" dirty="0"/>
-              <a:t>Assets in app workspace can be edited by team members</a:t>
-            </a:r>
-          </a:p>
-          <a:p>
-            <a:r>
-              <a:rPr lang="en-US" sz="2400" dirty="0"/>
-              <a:t>App workspaces provide secure, updatable deployment</a:t>
-            </a:r>
-          </a:p>
-          <a:p>
-            <a:pPr lvl="1"/>
-            <a:r>
-              <a:rPr lang="en-US" sz="2000" dirty="0"/>
-              <a:t>App workspace can be secured using private membership</a:t>
+            <a:pPr>
+              <a:buFont typeface="Wingdings" panose="05000000000000000000" pitchFamily="2" charset="2"/>
+              <a:buChar char="ü"/>
+            </a:pPr>
+            <a:r>
+              <a:rPr lang="en-US" dirty="0"/>
+              <a:t>Developer Introduction to the Power BI Platform</a:t>
+            </a:r>
+          </a:p>
+          <a:p>
+            <a:pPr>
+              <a:buFont typeface="Wingdings" panose="05000000000000000000" pitchFamily="2" charset="2"/>
+              <a:buChar char="ü"/>
+            </a:pPr>
+            <a:r>
+              <a:rPr lang="en-US" dirty="0"/>
+              <a:t>Developer Opportunities in Power BI</a:t>
+            </a:r>
+          </a:p>
+          <a:p>
+            <a:pPr>
+              <a:buFont typeface="Wingdings" panose="05000000000000000000" pitchFamily="2" charset="2"/>
+              <a:buChar char="ü"/>
+            </a:pPr>
+            <a:r>
+              <a:rPr lang="en-US" dirty="0"/>
+              <a:t>Creating PBIX Projects with Power BI Desktop</a:t>
+            </a:r>
+          </a:p>
+          <a:p>
+            <a:pPr>
+              <a:buFont typeface="Wingdings" panose="05000000000000000000" pitchFamily="2" charset="2"/>
+              <a:buChar char="Ø"/>
+            </a:pPr>
+            <a:r>
+              <a:rPr lang="en-US" dirty="0"/>
+              <a:t>Getting Up and Running with App Workspaces</a:t>
             </a:r>
           </a:p>
         </p:txBody>
@@ -12173,7 +12754,7 @@
     </p:spTree>
     <p:extLst>
       <p:ext uri="{BB962C8B-B14F-4D97-AF65-F5344CB8AC3E}">
-        <p14:creationId xmlns:p14="http://schemas.microsoft.com/office/powerpoint/2010/main" val="2402575837"/>
+        <p14:creationId xmlns:p14="http://schemas.microsoft.com/office/powerpoint/2010/main" val="454494643"/>
       </p:ext>
     </p:extLst>
   </p:cSld>
@@ -12217,6 +12798,312 @@
           <a:p>
             <a:r>
               <a:rPr lang="en-US" dirty="0"/>
+              <a:t>Understanding App Workspaces</a:t>
+            </a:r>
+          </a:p>
+        </p:txBody>
+      </p:sp>
+      <p:sp>
+        <p:nvSpPr>
+          <p:cNvPr id="3" name="Content Placeholder 2"/>
+          <p:cNvSpPr>
+            <a:spLocks noGrp="1"/>
+          </p:cNvSpPr>
+          <p:nvPr>
+            <p:ph idx="1"/>
+          </p:nvPr>
+        </p:nvSpPr>
+        <p:spPr/>
+        <p:txBody>
+          <a:bodyPr>
+            <a:normAutofit/>
+          </a:bodyPr>
+          <a:lstStyle/>
+          <a:p>
+            <a:r>
+              <a:rPr lang="en-US" sz="2400" dirty="0"/>
+              <a:t>App workspaces required for team-based development</a:t>
+            </a:r>
+          </a:p>
+          <a:p>
+            <a:pPr lvl="1"/>
+            <a:r>
+              <a:rPr lang="en-US" sz="2000" dirty="0"/>
+              <a:t>Assets in personal workspaces can only be edited by one person</a:t>
+            </a:r>
+          </a:p>
+          <a:p>
+            <a:pPr lvl="1"/>
+            <a:r>
+              <a:rPr lang="en-US" sz="2000" dirty="0"/>
+              <a:t>Assets in app workspace can be edited by team members</a:t>
+            </a:r>
+          </a:p>
+          <a:p>
+            <a:r>
+              <a:rPr lang="en-US" sz="2400" dirty="0"/>
+              <a:t>App workspaces provide secure, updatable deployment</a:t>
+            </a:r>
+          </a:p>
+          <a:p>
+            <a:pPr lvl="1"/>
+            <a:r>
+              <a:rPr lang="en-US" sz="2000" dirty="0"/>
+              <a:t>App workspace can be secured using private membership</a:t>
+            </a:r>
+          </a:p>
+        </p:txBody>
+      </p:sp>
+      <p:pic>
+        <p:nvPicPr>
+          <p:cNvPr id="4" name="Picture 3"/>
+          <p:cNvPicPr/>
+          <p:nvPr/>
+        </p:nvPicPr>
+        <p:blipFill rotWithShape="1">
+          <a:blip r:embed="rId2">
+            <a:extLst>
+              <a:ext uri="{28A0092B-C50C-407E-A947-70E740481C1C}">
+                <a14:useLocalDpi xmlns:a14="http://schemas.microsoft.com/office/drawing/2010/main" val="0"/>
+              </a:ext>
+            </a:extLst>
+          </a:blip>
+          <a:srcRect t="39329"/>
+          <a:stretch/>
+        </p:blipFill>
+        <p:spPr bwMode="auto">
+          <a:xfrm>
+            <a:off x="1078302" y="4220214"/>
+            <a:ext cx="3329796" cy="1828800"/>
+          </a:xfrm>
+          <a:prstGeom prst="rect">
+            <a:avLst/>
+          </a:prstGeom>
+          <a:noFill/>
+          <a:ln w="9525" cap="flat" cmpd="sng" algn="ctr">
+            <a:solidFill>
+              <a:sysClr val="windowText" lastClr="000000">
+                <a:lumMod val="50000"/>
+                <a:lumOff val="50000"/>
+              </a:sysClr>
+            </a:solidFill>
+            <a:prstDash val="solid"/>
+            <a:round/>
+            <a:headEnd type="none" w="med" len="med"/>
+            <a:tailEnd type="none" w="med" len="med"/>
+          </a:ln>
+          <a:extLst>
+            <a:ext uri="{53640926-AAD7-44D8-BBD7-CCE9431645EC}">
+              <a14:shadowObscured xmlns:a14="http://schemas.microsoft.com/office/drawing/2010/main"/>
+            </a:ext>
+          </a:extLst>
+        </p:spPr>
+      </p:pic>
+      <p:pic>
+        <p:nvPicPr>
+          <p:cNvPr id="5" name="Picture 4"/>
+          <p:cNvPicPr/>
+          <p:nvPr/>
+        </p:nvPicPr>
+        <p:blipFill>
+          <a:blip r:embed="rId3" cstate="print">
+            <a:extLst>
+              <a:ext uri="{28A0092B-C50C-407E-A947-70E740481C1C}">
+                <a14:useLocalDpi xmlns:a14="http://schemas.microsoft.com/office/drawing/2010/main" val="0"/>
+              </a:ext>
+            </a:extLst>
+          </a:blip>
+          <a:srcRect/>
+          <a:stretch>
+            <a:fillRect/>
+          </a:stretch>
+        </p:blipFill>
+        <p:spPr bwMode="auto">
+          <a:xfrm>
+            <a:off x="5105400" y="3733800"/>
+            <a:ext cx="2131696" cy="2801628"/>
+          </a:xfrm>
+          <a:prstGeom prst="rect">
+            <a:avLst/>
+          </a:prstGeom>
+          <a:noFill/>
+          <a:ln>
+            <a:solidFill>
+              <a:schemeClr val="tx1">
+                <a:lumMod val="50000"/>
+                <a:lumOff val="50000"/>
+              </a:schemeClr>
+            </a:solidFill>
+          </a:ln>
+        </p:spPr>
+      </p:pic>
+    </p:spTree>
+    <p:extLst>
+      <p:ext uri="{BB962C8B-B14F-4D97-AF65-F5344CB8AC3E}">
+        <p14:creationId xmlns:p14="http://schemas.microsoft.com/office/powerpoint/2010/main" val="2402575837"/>
+      </p:ext>
+    </p:extLst>
+  </p:cSld>
+  <p:clrMapOvr>
+    <a:masterClrMapping/>
+  </p:clrMapOvr>
+  <p:timing>
+    <p:tnLst>
+      <p:par>
+        <p:cTn id="1" dur="indefinite" restart="never" nodeType="tmRoot">
+          <p:childTnLst>
+            <p:seq concurrent="1" nextAc="seek">
+              <p:cTn id="2" dur="indefinite" nodeType="mainSeq">
+                <p:childTnLst>
+                  <p:par>
+                    <p:cTn id="3" fill="hold">
+                      <p:stCondLst>
+                        <p:cond delay="indefinite"/>
+                      </p:stCondLst>
+                      <p:childTnLst>
+                        <p:par>
+                          <p:cTn id="4" fill="hold">
+                            <p:stCondLst>
+                              <p:cond delay="0"/>
+                            </p:stCondLst>
+                            <p:childTnLst>
+                              <p:par>
+                                <p:cTn id="5" presetID="1" presetClass="entr" presetSubtype="0" fill="hold" nodeType="clickEffect">
+                                  <p:stCondLst>
+                                    <p:cond delay="0"/>
+                                  </p:stCondLst>
+                                  <p:childTnLst>
+                                    <p:set>
+                                      <p:cBhvr>
+                                        <p:cTn id="6" dur="1" fill="hold">
+                                          <p:stCondLst>
+                                            <p:cond delay="0"/>
+                                          </p:stCondLst>
+                                        </p:cTn>
+                                        <p:tgtEl>
+                                          <p:spTgt spid="4"/>
+                                        </p:tgtEl>
+                                        <p:attrNameLst>
+                                          <p:attrName>style.visibility</p:attrName>
+                                        </p:attrNameLst>
+                                      </p:cBhvr>
+                                      <p:to>
+                                        <p:strVal val="visible"/>
+                                      </p:to>
+                                    </p:set>
+                                  </p:childTnLst>
+                                </p:cTn>
+                              </p:par>
+                            </p:childTnLst>
+                          </p:cTn>
+                        </p:par>
+                      </p:childTnLst>
+                    </p:cTn>
+                  </p:par>
+                  <p:par>
+                    <p:cTn id="7" fill="hold">
+                      <p:stCondLst>
+                        <p:cond delay="indefinite"/>
+                      </p:stCondLst>
+                      <p:childTnLst>
+                        <p:par>
+                          <p:cTn id="8" fill="hold">
+                            <p:stCondLst>
+                              <p:cond delay="0"/>
+                            </p:stCondLst>
+                            <p:childTnLst>
+                              <p:par>
+                                <p:cTn id="9" presetID="1" presetClass="entr" presetSubtype="0" fill="hold" nodeType="clickEffect">
+                                  <p:stCondLst>
+                                    <p:cond delay="0"/>
+                                  </p:stCondLst>
+                                  <p:childTnLst>
+                                    <p:set>
+                                      <p:cBhvr>
+                                        <p:cTn id="10" dur="1" fill="hold">
+                                          <p:stCondLst>
+                                            <p:cond delay="0"/>
+                                          </p:stCondLst>
+                                        </p:cTn>
+                                        <p:tgtEl>
+                                          <p:spTgt spid="5"/>
+                                        </p:tgtEl>
+                                        <p:attrNameLst>
+                                          <p:attrName>style.visibility</p:attrName>
+                                        </p:attrNameLst>
+                                      </p:cBhvr>
+                                      <p:to>
+                                        <p:strVal val="visible"/>
+                                      </p:to>
+                                    </p:set>
+                                  </p:childTnLst>
+                                </p:cTn>
+                              </p:par>
+                            </p:childTnLst>
+                          </p:cTn>
+                        </p:par>
+                      </p:childTnLst>
+                    </p:cTn>
+                  </p:par>
+                </p:childTnLst>
+              </p:cTn>
+              <p:prevCondLst>
+                <p:cond evt="onPrev" delay="0">
+                  <p:tgtEl>
+                    <p:sldTgt/>
+                  </p:tgtEl>
+                </p:cond>
+              </p:prevCondLst>
+              <p:nextCondLst>
+                <p:cond evt="onNext" delay="0">
+                  <p:tgtEl>
+                    <p:sldTgt/>
+                  </p:tgtEl>
+                </p:cond>
+              </p:nextCondLst>
+            </p:seq>
+          </p:childTnLst>
+        </p:cTn>
+      </p:par>
+    </p:tnLst>
+  </p:timing>
+</p:sld>
+</file>
+
+<file path=ppt/slides/slide37.xml><?xml version="1.0" encoding="utf-8"?>
+<p:sld xmlns:a="http://schemas.openxmlformats.org/drawingml/2006/main" xmlns:r="http://schemas.openxmlformats.org/officeDocument/2006/relationships" xmlns:p="http://schemas.openxmlformats.org/presentationml/2006/main">
+  <p:cSld>
+    <p:spTree>
+      <p:nvGrpSpPr>
+        <p:cNvPr id="1" name=""/>
+        <p:cNvGrpSpPr/>
+        <p:nvPr/>
+      </p:nvGrpSpPr>
+      <p:grpSpPr>
+        <a:xfrm>
+          <a:off x="0" y="0"/>
+          <a:ext cx="0" cy="0"/>
+          <a:chOff x="0" y="0"/>
+          <a:chExt cx="0" cy="0"/>
+        </a:xfrm>
+      </p:grpSpPr>
+      <p:sp>
+        <p:nvSpPr>
+          <p:cNvPr id="2" name="Title 1"/>
+          <p:cNvSpPr>
+            <a:spLocks noGrp="1"/>
+          </p:cNvSpPr>
+          <p:nvPr>
+            <p:ph type="title"/>
+          </p:nvPr>
+        </p:nvSpPr>
+        <p:spPr/>
+        <p:txBody>
+          <a:bodyPr/>
+          <a:lstStyle/>
+          <a:p>
+            <a:r>
+              <a:rPr lang="en-US" dirty="0"/>
               <a:t>Using an App Workspace to Design and Publish a Power BI App</a:t>
             </a:r>
           </a:p>
@@ -12235,7 +13122,7 @@
 </p:sld>
 </file>
 
-<file path=ppt/slides/slide37.xml><?xml version="1.0" encoding="utf-8"?>
+<file path=ppt/slides/slide38.xml><?xml version="1.0" encoding="utf-8"?>
 <p:sld xmlns:a="http://schemas.openxmlformats.org/drawingml/2006/main" xmlns:r="http://schemas.openxmlformats.org/officeDocument/2006/relationships" xmlns:p="http://schemas.openxmlformats.org/presentationml/2006/main">
   <p:cSld>
     <p:spTree>
@@ -12411,7 +13298,7 @@
 </p:sld>
 </file>
 
-<file path=ppt/slides/slide38.xml><?xml version="1.0" encoding="utf-8"?>
+<file path=ppt/slides/slide39.xml><?xml version="1.0" encoding="utf-8"?>
 <p:sld xmlns:a="http://schemas.openxmlformats.org/drawingml/2006/main" xmlns:r="http://schemas.openxmlformats.org/officeDocument/2006/relationships" xmlns:p="http://schemas.openxmlformats.org/presentationml/2006/main">
   <p:cSld>
     <p:spTree>
@@ -12621,66 +13508,6 @@
 </p:sld>
 </file>
 
-<file path=ppt/slides/slide39.xml><?xml version="1.0" encoding="utf-8"?>
-<p:sld xmlns:a="http://schemas.openxmlformats.org/drawingml/2006/main" xmlns:r="http://schemas.openxmlformats.org/officeDocument/2006/relationships" xmlns:p="http://schemas.openxmlformats.org/presentationml/2006/main">
-  <p:cSld>
-    <p:spTree>
-      <p:nvGrpSpPr>
-        <p:cNvPr id="1" name=""/>
-        <p:cNvGrpSpPr/>
-        <p:nvPr/>
-      </p:nvGrpSpPr>
-      <p:grpSpPr>
-        <a:xfrm>
-          <a:off x="0" y="0"/>
-          <a:ext cx="0" cy="0"/>
-          <a:chOff x="0" y="0"/>
-          <a:chExt cx="0" cy="0"/>
-        </a:xfrm>
-      </p:grpSpPr>
-      <p:sp>
-        <p:nvSpPr>
-          <p:cNvPr id="2" name="Title 1"/>
-          <p:cNvSpPr>
-            <a:spLocks noGrp="1"/>
-          </p:cNvSpPr>
-          <p:nvPr>
-            <p:ph type="title"/>
-          </p:nvPr>
-        </p:nvSpPr>
-        <p:spPr/>
-        <p:txBody>
-          <a:bodyPr/>
-          <a:lstStyle/>
-          <a:p>
-            <a:r>
-              <a:rPr lang="en-US" dirty="0"/>
-              <a:t>Embedding a Report in a Web </a:t>
-            </a:r>
-            <a:r>
-              <a:rPr lang="en-US" dirty="0" err="1"/>
-              <a:t>Appp</a:t>
-            </a:r>
-            <a:r>
-              <a:rPr lang="en-US" dirty="0"/>
-              <a:t> using the Publish to Web Feature</a:t>
-            </a:r>
-          </a:p>
-        </p:txBody>
-      </p:sp>
-    </p:spTree>
-    <p:extLst>
-      <p:ext uri="{BB962C8B-B14F-4D97-AF65-F5344CB8AC3E}">
-        <p14:creationId xmlns:p14="http://schemas.microsoft.com/office/powerpoint/2010/main" val="3098956696"/>
-      </p:ext>
-    </p:extLst>
-  </p:cSld>
-  <p:clrMapOvr>
-    <a:masterClrMapping/>
-  </p:clrMapOvr>
-</p:sld>
-</file>
-
 <file path=ppt/slides/slide4.xml><?xml version="1.0" encoding="utf-8"?>
 <p:sld xmlns:a="http://schemas.openxmlformats.org/drawingml/2006/main" xmlns:r="http://schemas.openxmlformats.org/officeDocument/2006/relationships" xmlns:p="http://schemas.openxmlformats.org/presentationml/2006/main">
   <p:cSld>
@@ -12828,6 +13655,66 @@
 </file>
 
 <file path=ppt/slides/slide40.xml><?xml version="1.0" encoding="utf-8"?>
+<p:sld xmlns:a="http://schemas.openxmlformats.org/drawingml/2006/main" xmlns:r="http://schemas.openxmlformats.org/officeDocument/2006/relationships" xmlns:p="http://schemas.openxmlformats.org/presentationml/2006/main">
+  <p:cSld>
+    <p:spTree>
+      <p:nvGrpSpPr>
+        <p:cNvPr id="1" name=""/>
+        <p:cNvGrpSpPr/>
+        <p:nvPr/>
+      </p:nvGrpSpPr>
+      <p:grpSpPr>
+        <a:xfrm>
+          <a:off x="0" y="0"/>
+          <a:ext cx="0" cy="0"/>
+          <a:chOff x="0" y="0"/>
+          <a:chExt cx="0" cy="0"/>
+        </a:xfrm>
+      </p:grpSpPr>
+      <p:sp>
+        <p:nvSpPr>
+          <p:cNvPr id="2" name="Title 1"/>
+          <p:cNvSpPr>
+            <a:spLocks noGrp="1"/>
+          </p:cNvSpPr>
+          <p:nvPr>
+            <p:ph type="title"/>
+          </p:nvPr>
+        </p:nvSpPr>
+        <p:spPr/>
+        <p:txBody>
+          <a:bodyPr/>
+          <a:lstStyle/>
+          <a:p>
+            <a:r>
+              <a:rPr lang="en-US" dirty="0"/>
+              <a:t>Embedding a Report in a Web </a:t>
+            </a:r>
+            <a:r>
+              <a:rPr lang="en-US" dirty="0" err="1"/>
+              <a:t>Appp</a:t>
+            </a:r>
+            <a:r>
+              <a:rPr lang="en-US" dirty="0"/>
+              <a:t> using the Publish to Web Feature</a:t>
+            </a:r>
+          </a:p>
+        </p:txBody>
+      </p:sp>
+    </p:spTree>
+    <p:extLst>
+      <p:ext uri="{BB962C8B-B14F-4D97-AF65-F5344CB8AC3E}">
+        <p14:creationId xmlns:p14="http://schemas.microsoft.com/office/powerpoint/2010/main" val="3098956696"/>
+      </p:ext>
+    </p:extLst>
+  </p:cSld>
+  <p:clrMapOvr>
+    <a:masterClrMapping/>
+  </p:clrMapOvr>
+</p:sld>
+</file>
+
+<file path=ppt/slides/slide41.xml><?xml version="1.0" encoding="utf-8"?>
 <p:sld xmlns:a="http://schemas.openxmlformats.org/drawingml/2006/main" xmlns:r="http://schemas.openxmlformats.org/officeDocument/2006/relationships" xmlns:p="http://schemas.openxmlformats.org/presentationml/2006/main">
   <p:cSld>
     <p:spTree>
@@ -15983,15 +16870,6 @@
 </file>
 
 <file path=customXml/item1.xml><?xml version="1.0" encoding="utf-8"?>
-<?mso-contentType ?>
-<FormTemplates xmlns="http://schemas.microsoft.com/sharepoint/v3/contenttype/forms">
-  <Display>DocumentLibraryForm</Display>
-  <Edit>DocumentLibraryForm</Edit>
-  <New>DocumentLibraryForm</New>
-</FormTemplates>
-</file>
-
-<file path=customXml/item2.xml><?xml version="1.0" encoding="utf-8"?>
 <ct:contentTypeSchema xmlns:ct="http://schemas.microsoft.com/office/2006/metadata/contentType" xmlns:ma="http://schemas.microsoft.com/office/2006/metadata/properties/metaAttributes" ct:_="" ma:_="" ma:contentTypeName="Document" ma:contentTypeID="0x01010043F7775CCE86F349BB7C51FB3CE6B150" ma:contentTypeVersion="0" ma:contentTypeDescription="Create a new document." ma:contentTypeScope="" ma:versionID="bb563817a2861b6b5994bd26a2ba9e40">
   <xsd:schema xmlns:xsd="http://www.w3.org/2001/XMLSchema" xmlns:xs="http://www.w3.org/2001/XMLSchema" xmlns:p="http://schemas.microsoft.com/office/2006/metadata/properties" targetNamespace="http://schemas.microsoft.com/office/2006/metadata/properties" ma:root="true" ma:fieldsID="c64490b4aec6201516c3a874156f37b2">
     <xsd:element name="properties">
@@ -16105,13 +16983,7 @@
 </ct:contentTypeSchema>
 </file>
 
-<file path=customXml/item3.xml><?xml version="1.0" encoding="utf-8"?>
-<p:properties xmlns:p="http://schemas.microsoft.com/office/2006/metadata/properties" xmlns:xsi="http://www.w3.org/2001/XMLSchema-instance">
-  <documentManagement/>
-</p:properties>
-</file>
-
-<file path=customXml/item4.xml><?xml version="1.0" encoding="utf-8"?>
+<file path=customXml/item2.xml><?xml version="1.0" encoding="utf-8"?>
 <outs:outSpaceData xmlns:outs="http://schemas.microsoft.com/office/2009/outspace/metadata">
   <outs:relatedDates>
     <outs:relatedDate>
@@ -16261,15 +17133,22 @@
 </outs:outSpaceData>
 </file>
 
-<file path=customXml/itemProps1.xml><?xml version="1.0" encoding="utf-8"?>
-<ds:datastoreItem xmlns:ds="http://schemas.openxmlformats.org/officeDocument/2006/customXml" ds:itemID="{6034B84F-8F8E-48B7-9EFF-C7DE1A66BD73}">
-  <ds:schemaRefs>
-    <ds:schemaRef ds:uri="http://schemas.microsoft.com/sharepoint/v3/contenttype/forms"/>
-  </ds:schemaRefs>
-</ds:datastoreItem>
+<file path=customXml/item3.xml><?xml version="1.0" encoding="utf-8"?>
+<p:properties xmlns:p="http://schemas.microsoft.com/office/2006/metadata/properties" xmlns:xsi="http://www.w3.org/2001/XMLSchema-instance">
+  <documentManagement/>
+</p:properties>
 </file>
 
-<file path=customXml/itemProps2.xml><?xml version="1.0" encoding="utf-8"?>
+<file path=customXml/item4.xml><?xml version="1.0" encoding="utf-8"?>
+<?mso-contentType ?>
+<FormTemplates xmlns="http://schemas.microsoft.com/sharepoint/v3/contenttype/forms">
+  <Display>DocumentLibraryForm</Display>
+  <Edit>DocumentLibraryForm</Edit>
+  <New>DocumentLibraryForm</New>
+</FormTemplates>
+</file>
+
+<file path=customXml/itemProps1.xml><?xml version="1.0" encoding="utf-8"?>
 <ds:datastoreItem xmlns:ds="http://schemas.openxmlformats.org/officeDocument/2006/customXml" ds:itemID="{63F8C001-70B3-4AE4-BEC2-202AE4E30C7A}">
   <ds:schemaRefs>
     <ds:schemaRef ds:uri="http://schemas.microsoft.com/office/2006/metadata/contentType"/>
@@ -16281,6 +17160,14 @@
     <ds:schemaRef ds:uri="http://purl.org/dc/terms/"/>
     <ds:schemaRef ds:uri="http://schemas.microsoft.com/internal/obd"/>
     <ds:schemaRef ds:uri="http://schemas.microsoft.com/office/infopath/2007/PartnerControls"/>
+  </ds:schemaRefs>
+</ds:datastoreItem>
+</file>
+
+<file path=customXml/itemProps2.xml><?xml version="1.0" encoding="utf-8"?>
+<ds:datastoreItem xmlns:ds="http://schemas.openxmlformats.org/officeDocument/2006/customXml" ds:itemID="{8865FC99-B6BD-4E98-8312-F4F432C217EA}">
+  <ds:schemaRefs>
+    <ds:schemaRef ds:uri="http://schemas.microsoft.com/office/2009/outspace/metadata"/>
   </ds:schemaRefs>
 </ds:datastoreItem>
 </file>
@@ -16301,9 +17188,9 @@
 </file>
 
 <file path=customXml/itemProps4.xml><?xml version="1.0" encoding="utf-8"?>
-<ds:datastoreItem xmlns:ds="http://schemas.openxmlformats.org/officeDocument/2006/customXml" ds:itemID="{8865FC99-B6BD-4E98-8312-F4F432C217EA}">
+<ds:datastoreItem xmlns:ds="http://schemas.openxmlformats.org/officeDocument/2006/customXml" ds:itemID="{6034B84F-8F8E-48B7-9EFF-C7DE1A66BD73}">
   <ds:schemaRefs>
-    <ds:schemaRef ds:uri="http://schemas.microsoft.com/office/2009/outspace/metadata"/>
+    <ds:schemaRef ds:uri="http://schemas.microsoft.com/sharepoint/v3/contenttype/forms"/>
   </ds:schemaRefs>
 </ds:datastoreItem>
 </file>